--- a/presentation/Analysis and Prediction of Crime Statistic in London.pptx
+++ b/presentation/Analysis and Prediction of Crime Statistic in London.pptx
@@ -13,17 +13,21 @@
     <p:sldId id="260" r:id="rId7"/>
     <p:sldId id="266" r:id="rId8"/>
     <p:sldId id="267" r:id="rId9"/>
-    <p:sldId id="269" r:id="rId10"/>
-    <p:sldId id="271" r:id="rId11"/>
-    <p:sldId id="270" r:id="rId12"/>
-    <p:sldId id="268" r:id="rId13"/>
-    <p:sldId id="276" r:id="rId14"/>
+    <p:sldId id="281" r:id="rId10"/>
+    <p:sldId id="269" r:id="rId11"/>
+    <p:sldId id="279" r:id="rId12"/>
+    <p:sldId id="271" r:id="rId13"/>
+    <p:sldId id="268" r:id="rId14"/>
     <p:sldId id="272" r:id="rId15"/>
-    <p:sldId id="273" r:id="rId16"/>
+    <p:sldId id="282" r:id="rId16"/>
     <p:sldId id="274" r:id="rId17"/>
-    <p:sldId id="275" r:id="rId18"/>
-    <p:sldId id="277" r:id="rId19"/>
-    <p:sldId id="278" r:id="rId20"/>
+    <p:sldId id="283" r:id="rId18"/>
+    <p:sldId id="275" r:id="rId19"/>
+    <p:sldId id="284" r:id="rId20"/>
+    <p:sldId id="277" r:id="rId21"/>
+    <p:sldId id="285" r:id="rId22"/>
+    <p:sldId id="278" r:id="rId23"/>
+    <p:sldId id="286" r:id="rId24"/>
   </p:sldIdLst>
   <p:sldSz cx="12192000" cy="6858000"/>
   <p:notesSz cx="7104063" cy="10234613"/>
@@ -262,7 +266,7 @@
           <a:p>
             <a:fld id="{FDE934FF-F4E1-47C5-9CA5-30A81DDE2BE4}" type="datetimeFigureOut">
               <a:rPr lang="en-US" smtClean="0"/>
-              <a:t>5/9/20</a:t>
+              <a:t>6/14/20</a:t>
             </a:fld>
             <a:endParaRPr lang="en-US"/>
           </a:p>
@@ -696,7 +700,7 @@
           <a:p>
             <a:fld id="{FDE934FF-F4E1-47C5-9CA5-30A81DDE2BE4}" type="datetimeFigureOut">
               <a:rPr lang="en-US" smtClean="0"/>
-              <a:t>5/9/20</a:t>
+              <a:t>6/14/20</a:t>
             </a:fld>
             <a:endParaRPr lang="en-US"/>
           </a:p>
@@ -860,7 +864,7 @@
           <a:p>
             <a:fld id="{FDE934FF-F4E1-47C5-9CA5-30A81DDE2BE4}" type="datetimeFigureOut">
               <a:rPr lang="en-US" smtClean="0"/>
-              <a:t>5/9/20</a:t>
+              <a:t>6/14/20</a:t>
             </a:fld>
             <a:endParaRPr lang="en-US"/>
           </a:p>
@@ -1101,7 +1105,7 @@
           <a:p>
             <a:fld id="{FDE934FF-F4E1-47C5-9CA5-30A81DDE2BE4}" type="datetimeFigureOut">
               <a:rPr lang="en-US" smtClean="0"/>
-              <a:t>5/9/20</a:t>
+              <a:t>6/14/20</a:t>
             </a:fld>
             <a:endParaRPr lang="en-US"/>
           </a:p>
@@ -1326,7 +1330,7 @@
           <a:p>
             <a:fld id="{FDE934FF-F4E1-47C5-9CA5-30A81DDE2BE4}" type="datetimeFigureOut">
               <a:rPr lang="en-US" smtClean="0"/>
-              <a:t>5/9/20</a:t>
+              <a:t>6/14/20</a:t>
             </a:fld>
             <a:endParaRPr lang="en-US"/>
           </a:p>
@@ -1686,7 +1690,7 @@
           <a:p>
             <a:fld id="{FDE934FF-F4E1-47C5-9CA5-30A81DDE2BE4}" type="datetimeFigureOut">
               <a:rPr lang="en-US" smtClean="0"/>
-              <a:t>5/9/20</a:t>
+              <a:t>6/14/20</a:t>
             </a:fld>
             <a:endParaRPr lang="en-US"/>
           </a:p>
@@ -1799,7 +1803,7 @@
           <a:p>
             <a:fld id="{FDE934FF-F4E1-47C5-9CA5-30A81DDE2BE4}" type="datetimeFigureOut">
               <a:rPr lang="en-US" smtClean="0"/>
-              <a:t>5/9/20</a:t>
+              <a:t>6/14/20</a:t>
             </a:fld>
             <a:endParaRPr lang="en-US"/>
           </a:p>
@@ -1890,7 +1894,7 @@
           <a:p>
             <a:fld id="{FDE934FF-F4E1-47C5-9CA5-30A81DDE2BE4}" type="datetimeFigureOut">
               <a:rPr lang="en-US" smtClean="0"/>
-              <a:t>5/9/20</a:t>
+              <a:t>6/14/20</a:t>
             </a:fld>
             <a:endParaRPr lang="en-US"/>
           </a:p>
@@ -2505,7 +2509,7 @@
           <a:p>
             <a:fld id="{FDE934FF-F4E1-47C5-9CA5-30A81DDE2BE4}" type="datetimeFigureOut">
               <a:rPr lang="en-US" smtClean="0"/>
-              <a:t>5/9/20</a:t>
+              <a:t>6/14/20</a:t>
             </a:fld>
             <a:endParaRPr lang="en-US"/>
           </a:p>
@@ -2567,10 +2571,13 @@
   <p:cSld>
     <p:bg>
       <p:bgPr>
-        <a:blipFill rotWithShape="0">
-          <a:blip r:embed="rId13"/>
+        <a:blipFill dpi="0" rotWithShape="0">
+          <a:blip r:embed="rId13">
+            <a:lum/>
+          </a:blip>
+          <a:srcRect/>
           <a:stretch>
-            <a:fillRect/>
+            <a:fillRect t="-17000" b="-17000"/>
           </a:stretch>
         </a:blipFill>
         <a:effectLst/>
@@ -2721,7 +2728,7 @@
           <a:p>
             <a:fld id="{FDE934FF-F4E1-47C5-9CA5-30A81DDE2BE4}" type="datetimeFigureOut">
               <a:rPr lang="en-US" smtClean="0"/>
-              <a:t>5/9/20</a:t>
+              <a:t>6/14/20</a:t>
             </a:fld>
             <a:endParaRPr lang="en-US"/>
           </a:p>
@@ -3238,7 +3245,7 @@
         </p:nvSpPr>
         <p:spPr>
           <a:xfrm>
-            <a:off x="1580515" y="224790"/>
+            <a:off x="1580515" y="1123693"/>
             <a:ext cx="9144000" cy="2538730"/>
           </a:xfrm>
         </p:spPr>
@@ -3246,8 +3253,57 @@
           <a:bodyPr/>
           <a:lstStyle/>
           <a:p>
-            <a:r>
-              <a:rPr lang="en-US"/>
+            <a:br>
+              <a:rPr lang="en-US" dirty="0">
+                <a:solidFill>
+                  <a:schemeClr val="bg1"/>
+                </a:solidFill>
+              </a:rPr>
+            </a:br>
+            <a:r>
+              <a:rPr lang="en-US" dirty="0">
+                <a:solidFill>
+                  <a:schemeClr val="bg1"/>
+                </a:solidFill>
+              </a:rPr>
+              <a:t>WQD7003 – Data Analytic</a:t>
+            </a:r>
+            <a:br>
+              <a:rPr lang="en-US" dirty="0">
+                <a:solidFill>
+                  <a:schemeClr val="bg1"/>
+                </a:solidFill>
+              </a:rPr>
+            </a:br>
+            <a:r>
+              <a:rPr lang="en-US" dirty="0">
+                <a:solidFill>
+                  <a:schemeClr val="bg1"/>
+                </a:solidFill>
+              </a:rPr>
+              <a:t> </a:t>
+            </a:r>
+            <a:r>
+              <a:rPr lang="en-US" b="1" u="sng" dirty="0">
+                <a:solidFill>
+                  <a:schemeClr val="bg1"/>
+                </a:solidFill>
+              </a:rPr>
+              <a:t>Group Assignment</a:t>
+            </a:r>
+            <a:br>
+              <a:rPr lang="en-US" dirty="0">
+                <a:solidFill>
+                  <a:schemeClr val="bg1"/>
+                </a:solidFill>
+              </a:rPr>
+            </a:br>
+            <a:r>
+              <a:rPr lang="en-US" dirty="0">
+                <a:solidFill>
+                  <a:schemeClr val="bg1"/>
+                </a:solidFill>
+              </a:rPr>
               <a:t>Analysis and Prediction of Crime Statistic in London. </a:t>
             </a:r>
           </a:p>
@@ -3265,7 +3321,7 @@
         </p:nvSpPr>
         <p:spPr>
           <a:xfrm>
-            <a:off x="1666240" y="3005773"/>
+            <a:off x="1666240" y="3904676"/>
             <a:ext cx="9144000" cy="1655762"/>
           </a:xfrm>
         </p:spPr>
@@ -3274,20 +3330,80 @@
           <a:lstStyle/>
           <a:p>
             <a:r>
-              <a:rPr lang="en-US"/>
+              <a:rPr lang="en-US" dirty="0">
+                <a:solidFill>
+                  <a:schemeClr val="bg1"/>
+                </a:solidFill>
+              </a:rPr>
               <a:t>By </a:t>
             </a:r>
           </a:p>
           <a:p>
             <a:r>
-              <a:rPr lang="en-US"/>
-              <a:t>Gunasegarran Magadevan - WQD170002</a:t>
-            </a:r>
-          </a:p>
-          <a:p>
-            <a:r>
-              <a:rPr lang="en-US"/>
-              <a:t>Mathavan Chandrasegaram - WQD17007 </a:t>
+              <a:rPr lang="en-US" dirty="0" err="1">
+                <a:solidFill>
+                  <a:schemeClr val="bg1"/>
+                </a:solidFill>
+              </a:rPr>
+              <a:t>Gunasegarran</a:t>
+            </a:r>
+            <a:r>
+              <a:rPr lang="en-US" dirty="0">
+                <a:solidFill>
+                  <a:schemeClr val="bg1"/>
+                </a:solidFill>
+              </a:rPr>
+              <a:t> </a:t>
+            </a:r>
+            <a:r>
+              <a:rPr lang="en-US" dirty="0" err="1">
+                <a:solidFill>
+                  <a:schemeClr val="bg1"/>
+                </a:solidFill>
+              </a:rPr>
+              <a:t>Magadevan</a:t>
+            </a:r>
+            <a:r>
+              <a:rPr lang="en-US" dirty="0">
+                <a:solidFill>
+                  <a:schemeClr val="bg1"/>
+                </a:solidFill>
+              </a:rPr>
+              <a:t> - WQD170002</a:t>
+            </a:r>
+          </a:p>
+          <a:p>
+            <a:r>
+              <a:rPr lang="en-US" dirty="0" err="1">
+                <a:solidFill>
+                  <a:schemeClr val="bg1"/>
+                </a:solidFill>
+              </a:rPr>
+              <a:t>Mathavan</a:t>
+            </a:r>
+            <a:r>
+              <a:rPr lang="en-US" dirty="0">
+                <a:solidFill>
+                  <a:schemeClr val="bg1"/>
+                </a:solidFill>
+              </a:rPr>
+              <a:t> </a:t>
+            </a:r>
+            <a:r>
+              <a:rPr lang="en-US" dirty="0" err="1">
+                <a:solidFill>
+                  <a:schemeClr val="bg1"/>
+                </a:solidFill>
+              </a:rPr>
+              <a:t>Chandrasegaram</a:t>
+            </a:r>
+            <a:r>
+              <a:rPr lang="en-US" dirty="0">
+                <a:solidFill>
+                  <a:schemeClr val="bg1"/>
+                </a:solidFill>
+              </a:rPr>
+              <a:t> - WQD17007 </a:t>
             </a:r>
           </a:p>
         </p:txBody>
@@ -3338,19 +3454,27 @@
           <a:lstStyle/>
           <a:p>
             <a:r>
-              <a:rPr lang="en-MY" dirty="0"/>
-              <a:t>Numeric Variables Analysis :</a:t>
-            </a:r>
-            <a:endParaRPr lang="en-US" dirty="0"/>
+              <a:rPr lang="en-MY" dirty="0">
+                <a:solidFill>
+                  <a:schemeClr val="bg1"/>
+                </a:solidFill>
+              </a:rPr>
+              <a:t>Quantitative Variables Analysis :</a:t>
+            </a:r>
+            <a:endParaRPr lang="en-US" dirty="0">
+              <a:solidFill>
+                <a:schemeClr val="bg1"/>
+              </a:solidFill>
+            </a:endParaRPr>
           </a:p>
         </p:txBody>
       </p:sp>
       <p:pic>
         <p:nvPicPr>
-          <p:cNvPr id="8" name="Picture 7" descr="A picture containing text, map&#10;&#10;Description automatically generated">
+          <p:cNvPr id="4" name="Picture 3">
             <a:extLst>
               <a:ext uri="{FF2B5EF4-FFF2-40B4-BE49-F238E27FC236}">
-                <a16:creationId xmlns:a16="http://schemas.microsoft.com/office/drawing/2014/main" id="{E8566986-394E-B541-A444-C1B326FCE5E7}"/>
+                <a16:creationId xmlns:a16="http://schemas.microsoft.com/office/drawing/2014/main" id="{C6E90D15-A852-3D4D-8029-5FAAAFF2E07B}"/>
               </a:ext>
             </a:extLst>
           </p:cNvPr>
@@ -3367,24 +3491,358 @@
               </a:ext>
             </a:extLst>
           </a:blip>
-          <a:stretch>
-            <a:fillRect/>
-          </a:stretch>
+          <a:srcRect/>
+          <a:stretch/>
         </p:blipFill>
         <p:spPr>
           <a:xfrm>
-            <a:off x="314326" y="988827"/>
-            <a:ext cx="7930002" cy="2821173"/>
+            <a:off x="2328627" y="1084772"/>
+            <a:ext cx="7438801" cy="2897277"/>
           </a:xfrm>
           <a:prstGeom prst="rect">
             <a:avLst/>
           </a:prstGeom>
         </p:spPr>
       </p:pic>
+      <p:sp>
+        <p:nvSpPr>
+          <p:cNvPr id="5" name="Content Placeholder 2">
+            <a:extLst>
+              <a:ext uri="{FF2B5EF4-FFF2-40B4-BE49-F238E27FC236}">
+                <a16:creationId xmlns:a16="http://schemas.microsoft.com/office/drawing/2014/main" id="{7336B338-228D-6543-A004-0CBFF8D8895F}"/>
+              </a:ext>
+            </a:extLst>
+          </p:cNvPr>
+          <p:cNvSpPr txBox="1">
+            <a:spLocks/>
+          </p:cNvSpPr>
+          <p:nvPr/>
+        </p:nvSpPr>
+        <p:spPr>
+          <a:xfrm>
+            <a:off x="609600" y="3982049"/>
+            <a:ext cx="10972800" cy="1312333"/>
+          </a:xfrm>
+          <a:prstGeom prst="rect">
+            <a:avLst/>
+          </a:prstGeom>
+          <a:noFill/>
+          <a:ln w="9525">
+            <a:noFill/>
+          </a:ln>
+        </p:spPr>
+        <p:txBody>
+          <a:bodyPr/>
+          <a:lstStyle>
+            <a:lvl1pPr marL="342900" lvl="0" indent="-342900" algn="l" defTabSz="914400" rtl="0" eaLnBrk="1" fontAlgn="base" latinLnBrk="0" hangingPunct="1">
+              <a:lnSpc>
+                <a:spcPct val="100000"/>
+              </a:lnSpc>
+              <a:spcBef>
+                <a:spcPct val="20000"/>
+              </a:spcBef>
+              <a:spcAft>
+                <a:spcPct val="0"/>
+              </a:spcAft>
+              <a:buChar char="•"/>
+              <a:defRPr sz="3200" b="0" i="0" u="none" kern="1200" baseline="0">
+                <a:solidFill>
+                  <a:schemeClr val="tx1"/>
+                </a:solidFill>
+                <a:latin typeface="+mn-lt"/>
+                <a:ea typeface="+mn-ea"/>
+                <a:cs typeface="+mn-cs"/>
+              </a:defRPr>
+            </a:lvl1pPr>
+            <a:lvl2pPr marL="742950" lvl="1" indent="-285750" algn="l" defTabSz="914400" rtl="0" eaLnBrk="1" fontAlgn="base" latinLnBrk="0" hangingPunct="1">
+              <a:lnSpc>
+                <a:spcPct val="100000"/>
+              </a:lnSpc>
+              <a:spcBef>
+                <a:spcPct val="20000"/>
+              </a:spcBef>
+              <a:spcAft>
+                <a:spcPct val="0"/>
+              </a:spcAft>
+              <a:buChar char="–"/>
+              <a:defRPr sz="2800" b="0" i="0" u="none" kern="1200" baseline="0">
+                <a:solidFill>
+                  <a:schemeClr val="tx1"/>
+                </a:solidFill>
+                <a:latin typeface="+mn-lt"/>
+                <a:ea typeface="+mn-ea"/>
+                <a:cs typeface="+mn-cs"/>
+              </a:defRPr>
+            </a:lvl2pPr>
+            <a:lvl3pPr marL="1143000" lvl="2" indent="-228600" algn="l" defTabSz="914400" rtl="0" eaLnBrk="1" fontAlgn="base" latinLnBrk="0" hangingPunct="1">
+              <a:lnSpc>
+                <a:spcPct val="100000"/>
+              </a:lnSpc>
+              <a:spcBef>
+                <a:spcPct val="20000"/>
+              </a:spcBef>
+              <a:spcAft>
+                <a:spcPct val="0"/>
+              </a:spcAft>
+              <a:buChar char="•"/>
+              <a:defRPr sz="2400" b="0" i="0" u="none" kern="1200" baseline="0">
+                <a:solidFill>
+                  <a:schemeClr val="tx1"/>
+                </a:solidFill>
+                <a:latin typeface="+mn-lt"/>
+                <a:ea typeface="+mn-ea"/>
+                <a:cs typeface="+mn-cs"/>
+              </a:defRPr>
+            </a:lvl3pPr>
+            <a:lvl4pPr marL="1600200" lvl="3" indent="-228600" algn="l" defTabSz="914400" rtl="0" eaLnBrk="1" fontAlgn="base" latinLnBrk="0" hangingPunct="1">
+              <a:lnSpc>
+                <a:spcPct val="100000"/>
+              </a:lnSpc>
+              <a:spcBef>
+                <a:spcPct val="20000"/>
+              </a:spcBef>
+              <a:spcAft>
+                <a:spcPct val="0"/>
+              </a:spcAft>
+              <a:buChar char="–"/>
+              <a:defRPr sz="2000" b="0" i="0" u="none" kern="1200" baseline="0">
+                <a:solidFill>
+                  <a:schemeClr val="tx1"/>
+                </a:solidFill>
+                <a:latin typeface="+mn-lt"/>
+                <a:ea typeface="+mn-ea"/>
+                <a:cs typeface="+mn-cs"/>
+              </a:defRPr>
+            </a:lvl4pPr>
+            <a:lvl5pPr marL="2057400" lvl="4" indent="-228600" algn="l" defTabSz="914400" rtl="0" eaLnBrk="1" fontAlgn="base" latinLnBrk="0" hangingPunct="1">
+              <a:lnSpc>
+                <a:spcPct val="100000"/>
+              </a:lnSpc>
+              <a:spcBef>
+                <a:spcPct val="20000"/>
+              </a:spcBef>
+              <a:spcAft>
+                <a:spcPct val="0"/>
+              </a:spcAft>
+              <a:buChar char="»"/>
+              <a:defRPr sz="2000" b="0" i="0" u="none" kern="1200" baseline="0">
+                <a:solidFill>
+                  <a:schemeClr val="tx1"/>
+                </a:solidFill>
+                <a:latin typeface="+mn-lt"/>
+                <a:ea typeface="+mn-ea"/>
+                <a:cs typeface="+mn-cs"/>
+              </a:defRPr>
+            </a:lvl5pPr>
+            <a:lvl6pPr marL="2514600" lvl="5" indent="-228600" algn="l" defTabSz="914400" rtl="0" eaLnBrk="1" fontAlgn="base" latinLnBrk="0" hangingPunct="1">
+              <a:lnSpc>
+                <a:spcPct val="100000"/>
+              </a:lnSpc>
+              <a:spcBef>
+                <a:spcPct val="20000"/>
+              </a:spcBef>
+              <a:spcAft>
+                <a:spcPct val="0"/>
+              </a:spcAft>
+              <a:buChar char="»"/>
+              <a:defRPr sz="2000" b="0" i="0" u="none" kern="1200" baseline="0">
+                <a:solidFill>
+                  <a:schemeClr val="tx1"/>
+                </a:solidFill>
+                <a:latin typeface="+mn-lt"/>
+                <a:ea typeface="+mn-ea"/>
+                <a:cs typeface="+mn-cs"/>
+              </a:defRPr>
+            </a:lvl6pPr>
+            <a:lvl7pPr marL="2971800" lvl="6" indent="-228600" algn="l" defTabSz="914400" rtl="0" eaLnBrk="1" fontAlgn="base" latinLnBrk="0" hangingPunct="1">
+              <a:lnSpc>
+                <a:spcPct val="100000"/>
+              </a:lnSpc>
+              <a:spcBef>
+                <a:spcPct val="20000"/>
+              </a:spcBef>
+              <a:spcAft>
+                <a:spcPct val="0"/>
+              </a:spcAft>
+              <a:buChar char="»"/>
+              <a:defRPr sz="2000" b="0" i="0" u="none" kern="1200" baseline="0">
+                <a:solidFill>
+                  <a:schemeClr val="tx1"/>
+                </a:solidFill>
+                <a:latin typeface="+mn-lt"/>
+                <a:ea typeface="+mn-ea"/>
+                <a:cs typeface="+mn-cs"/>
+              </a:defRPr>
+            </a:lvl7pPr>
+            <a:lvl8pPr marL="3429000" lvl="7" indent="-228600" algn="l" defTabSz="914400" rtl="0" eaLnBrk="1" fontAlgn="base" latinLnBrk="0" hangingPunct="1">
+              <a:lnSpc>
+                <a:spcPct val="100000"/>
+              </a:lnSpc>
+              <a:spcBef>
+                <a:spcPct val="20000"/>
+              </a:spcBef>
+              <a:spcAft>
+                <a:spcPct val="0"/>
+              </a:spcAft>
+              <a:buChar char="»"/>
+              <a:defRPr sz="2000" b="0" i="0" u="none" kern="1200" baseline="0">
+                <a:solidFill>
+                  <a:schemeClr val="tx1"/>
+                </a:solidFill>
+                <a:latin typeface="+mn-lt"/>
+                <a:ea typeface="+mn-ea"/>
+                <a:cs typeface="+mn-cs"/>
+              </a:defRPr>
+            </a:lvl8pPr>
+            <a:lvl9pPr marL="3886200" lvl="8" indent="-228600" algn="l" defTabSz="914400" rtl="0" eaLnBrk="1" fontAlgn="base" latinLnBrk="0" hangingPunct="1">
+              <a:lnSpc>
+                <a:spcPct val="100000"/>
+              </a:lnSpc>
+              <a:spcBef>
+                <a:spcPct val="20000"/>
+              </a:spcBef>
+              <a:spcAft>
+                <a:spcPct val="0"/>
+              </a:spcAft>
+              <a:buChar char="»"/>
+              <a:defRPr sz="2000" b="0" i="0" u="none" kern="1200" baseline="0">
+                <a:solidFill>
+                  <a:schemeClr val="tx1"/>
+                </a:solidFill>
+                <a:latin typeface="+mn-lt"/>
+                <a:ea typeface="+mn-ea"/>
+                <a:cs typeface="+mn-cs"/>
+              </a:defRPr>
+            </a:lvl9pPr>
+          </a:lstStyle>
+          <a:p>
+            <a:r>
+              <a:rPr lang="en-MY" sz="2000" dirty="0">
+                <a:solidFill>
+                  <a:schemeClr val="bg1"/>
+                </a:solidFill>
+              </a:rPr>
+              <a:t>The figure above represents the flow of criminal activities on a by yearly basis: </a:t>
+            </a:r>
+          </a:p>
+          <a:p>
+            <a:pPr marL="457200" indent="-457200">
+              <a:buAutoNum type="arabicPeriod"/>
+            </a:pPr>
+            <a:r>
+              <a:rPr lang="en-MY" sz="2000" dirty="0">
+                <a:solidFill>
+                  <a:schemeClr val="bg1"/>
+                </a:solidFill>
+              </a:rPr>
+              <a:t>The most criminally decrease year are by year </a:t>
+            </a:r>
+            <a:r>
+              <a:rPr lang="en-MY" sz="2000" b="1" dirty="0">
+                <a:solidFill>
+                  <a:schemeClr val="bg1"/>
+                </a:solidFill>
+              </a:rPr>
+              <a:t>2008</a:t>
+            </a:r>
+            <a:r>
+              <a:rPr lang="en-MY" sz="2000" dirty="0">
+                <a:solidFill>
+                  <a:schemeClr val="bg1"/>
+                </a:solidFill>
+              </a:rPr>
+              <a:t>, </a:t>
+            </a:r>
+            <a:r>
+              <a:rPr lang="en-MY" sz="2000" b="1" dirty="0">
+                <a:solidFill>
+                  <a:schemeClr val="bg1"/>
+                </a:solidFill>
+              </a:rPr>
+              <a:t>2012 </a:t>
+            </a:r>
+            <a:r>
+              <a:rPr lang="en-MY" sz="2000" dirty="0">
+                <a:solidFill>
+                  <a:schemeClr val="bg1"/>
+                </a:solidFill>
+              </a:rPr>
+              <a:t>and </a:t>
+            </a:r>
+            <a:r>
+              <a:rPr lang="en-MY" sz="2000" b="1" dirty="0">
+                <a:solidFill>
+                  <a:schemeClr val="bg1"/>
+                </a:solidFill>
+              </a:rPr>
+              <a:t>2016</a:t>
+            </a:r>
+            <a:r>
+              <a:rPr lang="en-MY" sz="2000" dirty="0">
+                <a:solidFill>
+                  <a:schemeClr val="bg1"/>
+                </a:solidFill>
+              </a:rPr>
+              <a:t>. </a:t>
+            </a:r>
+          </a:p>
+          <a:p>
+            <a:pPr marL="457200" indent="-457200">
+              <a:buAutoNum type="arabicPeriod"/>
+            </a:pPr>
+            <a:r>
+              <a:rPr lang="en-MY" sz="2000" dirty="0">
+                <a:solidFill>
+                  <a:schemeClr val="bg1"/>
+                </a:solidFill>
+              </a:rPr>
+              <a:t>The most peaceful year are </a:t>
+            </a:r>
+            <a:r>
+              <a:rPr lang="en-MY" sz="2000" b="1" dirty="0">
+                <a:solidFill>
+                  <a:schemeClr val="bg1"/>
+                </a:solidFill>
+              </a:rPr>
+              <a:t>2014 </a:t>
+            </a:r>
+            <a:r>
+              <a:rPr lang="en-MY" sz="2000" dirty="0">
+                <a:solidFill>
+                  <a:schemeClr val="bg1"/>
+                </a:solidFill>
+              </a:rPr>
+              <a:t>and </a:t>
+            </a:r>
+            <a:r>
+              <a:rPr lang="en-MY" sz="2000" b="1" dirty="0">
+                <a:solidFill>
+                  <a:schemeClr val="bg1"/>
+                </a:solidFill>
+              </a:rPr>
+              <a:t>2013</a:t>
+            </a:r>
+            <a:r>
+              <a:rPr lang="en-MY" sz="2000" dirty="0">
+                <a:solidFill>
+                  <a:schemeClr val="bg1"/>
+                </a:solidFill>
+              </a:rPr>
+              <a:t>. </a:t>
+            </a:r>
+            <a:endParaRPr lang="en-MY" sz="2000" dirty="0">
+              <a:solidFill>
+                <a:schemeClr val="bg1"/>
+              </a:solidFill>
+              <a:effectLst/>
+            </a:endParaRPr>
+          </a:p>
+        </p:txBody>
+      </p:sp>
     </p:spTree>
     <p:extLst>
       <p:ext uri="{BB962C8B-B14F-4D97-AF65-F5344CB8AC3E}">
-        <p14:creationId xmlns:p14="http://schemas.microsoft.com/office/powerpoint/2010/main" val="705265921"/>
+        <p14:creationId xmlns:p14="http://schemas.microsoft.com/office/powerpoint/2010/main" val="2375936578"/>
       </p:ext>
     </p:extLst>
   </p:cSld>
@@ -3432,19 +3890,264 @@
           <a:lstStyle/>
           <a:p>
             <a:r>
-              <a:rPr lang="en-MY" dirty="0"/>
-              <a:t>Numeric Variables Analysis :</a:t>
-            </a:r>
-            <a:endParaRPr lang="en-US" dirty="0"/>
+              <a:rPr lang="en-MY" dirty="0">
+                <a:solidFill>
+                  <a:schemeClr val="bg1"/>
+                </a:solidFill>
+              </a:rPr>
+              <a:t>Quantitative Variables Analysis :</a:t>
+            </a:r>
+            <a:endParaRPr lang="en-US" dirty="0">
+              <a:solidFill>
+                <a:schemeClr val="bg1"/>
+              </a:solidFill>
+            </a:endParaRPr>
+          </a:p>
+        </p:txBody>
+      </p:sp>
+      <p:sp>
+        <p:nvSpPr>
+          <p:cNvPr id="4" name="Content Placeholder 2">
+            <a:extLst>
+              <a:ext uri="{FF2B5EF4-FFF2-40B4-BE49-F238E27FC236}">
+                <a16:creationId xmlns:a16="http://schemas.microsoft.com/office/drawing/2014/main" id="{1035ED50-079A-F040-9E07-12538C175499}"/>
+              </a:ext>
+            </a:extLst>
+          </p:cNvPr>
+          <p:cNvSpPr txBox="1">
+            <a:spLocks/>
+          </p:cNvSpPr>
+          <p:nvPr/>
+        </p:nvSpPr>
+        <p:spPr>
+          <a:xfrm>
+            <a:off x="609600" y="3982049"/>
+            <a:ext cx="10972800" cy="1312333"/>
+          </a:xfrm>
+          <a:prstGeom prst="rect">
+            <a:avLst/>
+          </a:prstGeom>
+          <a:noFill/>
+          <a:ln w="9525">
+            <a:noFill/>
+          </a:ln>
+        </p:spPr>
+        <p:txBody>
+          <a:bodyPr/>
+          <a:lstStyle>
+            <a:lvl1pPr marL="342900" lvl="0" indent="-342900" algn="l" defTabSz="914400" rtl="0" eaLnBrk="1" fontAlgn="base" latinLnBrk="0" hangingPunct="1">
+              <a:lnSpc>
+                <a:spcPct val="100000"/>
+              </a:lnSpc>
+              <a:spcBef>
+                <a:spcPct val="20000"/>
+              </a:spcBef>
+              <a:spcAft>
+                <a:spcPct val="0"/>
+              </a:spcAft>
+              <a:buChar char="•"/>
+              <a:defRPr sz="3200" b="0" i="0" u="none" kern="1200" baseline="0">
+                <a:solidFill>
+                  <a:schemeClr val="tx1"/>
+                </a:solidFill>
+                <a:latin typeface="+mn-lt"/>
+                <a:ea typeface="+mn-ea"/>
+                <a:cs typeface="+mn-cs"/>
+              </a:defRPr>
+            </a:lvl1pPr>
+            <a:lvl2pPr marL="742950" lvl="1" indent="-285750" algn="l" defTabSz="914400" rtl="0" eaLnBrk="1" fontAlgn="base" latinLnBrk="0" hangingPunct="1">
+              <a:lnSpc>
+                <a:spcPct val="100000"/>
+              </a:lnSpc>
+              <a:spcBef>
+                <a:spcPct val="20000"/>
+              </a:spcBef>
+              <a:spcAft>
+                <a:spcPct val="0"/>
+              </a:spcAft>
+              <a:buChar char="–"/>
+              <a:defRPr sz="2800" b="0" i="0" u="none" kern="1200" baseline="0">
+                <a:solidFill>
+                  <a:schemeClr val="tx1"/>
+                </a:solidFill>
+                <a:latin typeface="+mn-lt"/>
+                <a:ea typeface="+mn-ea"/>
+                <a:cs typeface="+mn-cs"/>
+              </a:defRPr>
+            </a:lvl2pPr>
+            <a:lvl3pPr marL="1143000" lvl="2" indent="-228600" algn="l" defTabSz="914400" rtl="0" eaLnBrk="1" fontAlgn="base" latinLnBrk="0" hangingPunct="1">
+              <a:lnSpc>
+                <a:spcPct val="100000"/>
+              </a:lnSpc>
+              <a:spcBef>
+                <a:spcPct val="20000"/>
+              </a:spcBef>
+              <a:spcAft>
+                <a:spcPct val="0"/>
+              </a:spcAft>
+              <a:buChar char="•"/>
+              <a:defRPr sz="2400" b="0" i="0" u="none" kern="1200" baseline="0">
+                <a:solidFill>
+                  <a:schemeClr val="tx1"/>
+                </a:solidFill>
+                <a:latin typeface="+mn-lt"/>
+                <a:ea typeface="+mn-ea"/>
+                <a:cs typeface="+mn-cs"/>
+              </a:defRPr>
+            </a:lvl3pPr>
+            <a:lvl4pPr marL="1600200" lvl="3" indent="-228600" algn="l" defTabSz="914400" rtl="0" eaLnBrk="1" fontAlgn="base" latinLnBrk="0" hangingPunct="1">
+              <a:lnSpc>
+                <a:spcPct val="100000"/>
+              </a:lnSpc>
+              <a:spcBef>
+                <a:spcPct val="20000"/>
+              </a:spcBef>
+              <a:spcAft>
+                <a:spcPct val="0"/>
+              </a:spcAft>
+              <a:buChar char="–"/>
+              <a:defRPr sz="2000" b="0" i="0" u="none" kern="1200" baseline="0">
+                <a:solidFill>
+                  <a:schemeClr val="tx1"/>
+                </a:solidFill>
+                <a:latin typeface="+mn-lt"/>
+                <a:ea typeface="+mn-ea"/>
+                <a:cs typeface="+mn-cs"/>
+              </a:defRPr>
+            </a:lvl4pPr>
+            <a:lvl5pPr marL="2057400" lvl="4" indent="-228600" algn="l" defTabSz="914400" rtl="0" eaLnBrk="1" fontAlgn="base" latinLnBrk="0" hangingPunct="1">
+              <a:lnSpc>
+                <a:spcPct val="100000"/>
+              </a:lnSpc>
+              <a:spcBef>
+                <a:spcPct val="20000"/>
+              </a:spcBef>
+              <a:spcAft>
+                <a:spcPct val="0"/>
+              </a:spcAft>
+              <a:buChar char="»"/>
+              <a:defRPr sz="2000" b="0" i="0" u="none" kern="1200" baseline="0">
+                <a:solidFill>
+                  <a:schemeClr val="tx1"/>
+                </a:solidFill>
+                <a:latin typeface="+mn-lt"/>
+                <a:ea typeface="+mn-ea"/>
+                <a:cs typeface="+mn-cs"/>
+              </a:defRPr>
+            </a:lvl5pPr>
+            <a:lvl6pPr marL="2514600" lvl="5" indent="-228600" algn="l" defTabSz="914400" rtl="0" eaLnBrk="1" fontAlgn="base" latinLnBrk="0" hangingPunct="1">
+              <a:lnSpc>
+                <a:spcPct val="100000"/>
+              </a:lnSpc>
+              <a:spcBef>
+                <a:spcPct val="20000"/>
+              </a:spcBef>
+              <a:spcAft>
+                <a:spcPct val="0"/>
+              </a:spcAft>
+              <a:buChar char="»"/>
+              <a:defRPr sz="2000" b="0" i="0" u="none" kern="1200" baseline="0">
+                <a:solidFill>
+                  <a:schemeClr val="tx1"/>
+                </a:solidFill>
+                <a:latin typeface="+mn-lt"/>
+                <a:ea typeface="+mn-ea"/>
+                <a:cs typeface="+mn-cs"/>
+              </a:defRPr>
+            </a:lvl6pPr>
+            <a:lvl7pPr marL="2971800" lvl="6" indent="-228600" algn="l" defTabSz="914400" rtl="0" eaLnBrk="1" fontAlgn="base" latinLnBrk="0" hangingPunct="1">
+              <a:lnSpc>
+                <a:spcPct val="100000"/>
+              </a:lnSpc>
+              <a:spcBef>
+                <a:spcPct val="20000"/>
+              </a:spcBef>
+              <a:spcAft>
+                <a:spcPct val="0"/>
+              </a:spcAft>
+              <a:buChar char="»"/>
+              <a:defRPr sz="2000" b="0" i="0" u="none" kern="1200" baseline="0">
+                <a:solidFill>
+                  <a:schemeClr val="tx1"/>
+                </a:solidFill>
+                <a:latin typeface="+mn-lt"/>
+                <a:ea typeface="+mn-ea"/>
+                <a:cs typeface="+mn-cs"/>
+              </a:defRPr>
+            </a:lvl7pPr>
+            <a:lvl8pPr marL="3429000" lvl="7" indent="-228600" algn="l" defTabSz="914400" rtl="0" eaLnBrk="1" fontAlgn="base" latinLnBrk="0" hangingPunct="1">
+              <a:lnSpc>
+                <a:spcPct val="100000"/>
+              </a:lnSpc>
+              <a:spcBef>
+                <a:spcPct val="20000"/>
+              </a:spcBef>
+              <a:spcAft>
+                <a:spcPct val="0"/>
+              </a:spcAft>
+              <a:buChar char="»"/>
+              <a:defRPr sz="2000" b="0" i="0" u="none" kern="1200" baseline="0">
+                <a:solidFill>
+                  <a:schemeClr val="tx1"/>
+                </a:solidFill>
+                <a:latin typeface="+mn-lt"/>
+                <a:ea typeface="+mn-ea"/>
+                <a:cs typeface="+mn-cs"/>
+              </a:defRPr>
+            </a:lvl8pPr>
+            <a:lvl9pPr marL="3886200" lvl="8" indent="-228600" algn="l" defTabSz="914400" rtl="0" eaLnBrk="1" fontAlgn="base" latinLnBrk="0" hangingPunct="1">
+              <a:lnSpc>
+                <a:spcPct val="100000"/>
+              </a:lnSpc>
+              <a:spcBef>
+                <a:spcPct val="20000"/>
+              </a:spcBef>
+              <a:spcAft>
+                <a:spcPct val="0"/>
+              </a:spcAft>
+              <a:buChar char="»"/>
+              <a:defRPr sz="2000" b="0" i="0" u="none" kern="1200" baseline="0">
+                <a:solidFill>
+                  <a:schemeClr val="tx1"/>
+                </a:solidFill>
+                <a:latin typeface="+mn-lt"/>
+                <a:ea typeface="+mn-ea"/>
+                <a:cs typeface="+mn-cs"/>
+              </a:defRPr>
+            </a:lvl9pPr>
+          </a:lstStyle>
+          <a:p>
+            <a:r>
+              <a:rPr lang="en-MY" sz="2000" dirty="0">
+                <a:solidFill>
+                  <a:schemeClr val="bg1"/>
+                </a:solidFill>
+              </a:rPr>
+              <a:t>The figure above represents the flow of criminal activities on a by month basis:</a:t>
+            </a:r>
+          </a:p>
+          <a:p>
+            <a:pPr marL="857250" lvl="1" indent="-457200">
+              <a:buFont typeface="+mj-lt"/>
+              <a:buAutoNum type="arabicPeriod"/>
+            </a:pPr>
+            <a:r>
+              <a:rPr lang="en-MY" sz="2000" dirty="0">
+                <a:solidFill>
+                  <a:schemeClr val="bg1"/>
+                </a:solidFill>
+              </a:rPr>
+              <a:t>Observing a behaviour that remains coherent with the flow of criminal activities on a by yearly basis.</a:t>
+            </a:r>
           </a:p>
         </p:txBody>
       </p:sp>
       <p:pic>
         <p:nvPicPr>
-          <p:cNvPr id="4" name="Picture 3" descr="A screenshot of a cell phone&#10;&#10;Description automatically generated">
+          <p:cNvPr id="5" name="Picture 4">
             <a:extLst>
               <a:ext uri="{FF2B5EF4-FFF2-40B4-BE49-F238E27FC236}">
-                <a16:creationId xmlns:a16="http://schemas.microsoft.com/office/drawing/2014/main" id="{341C644B-634D-654A-A527-6F192685148A}"/>
+                <a16:creationId xmlns:a16="http://schemas.microsoft.com/office/drawing/2014/main" id="{5BFAFC90-BF91-3447-A176-6F707187CE02}"/>
               </a:ext>
             </a:extLst>
           </p:cNvPr>
@@ -3461,14 +4164,13 @@
               </a:ext>
             </a:extLst>
           </a:blip>
-          <a:stretch>
-            <a:fillRect/>
-          </a:stretch>
+          <a:srcRect/>
+          <a:stretch/>
         </p:blipFill>
         <p:spPr>
           <a:xfrm>
-            <a:off x="0" y="1087879"/>
-            <a:ext cx="12192000" cy="1828206"/>
+            <a:off x="2931433" y="965093"/>
+            <a:ext cx="6111269" cy="3016956"/>
           </a:xfrm>
           <a:prstGeom prst="rect">
             <a:avLst/>
@@ -3478,7 +4180,7 @@
     </p:spTree>
     <p:extLst>
       <p:ext uri="{BB962C8B-B14F-4D97-AF65-F5344CB8AC3E}">
-        <p14:creationId xmlns:p14="http://schemas.microsoft.com/office/powerpoint/2010/main" val="2594938662"/>
+        <p14:creationId xmlns:p14="http://schemas.microsoft.com/office/powerpoint/2010/main" val="3167782729"/>
       </p:ext>
     </p:extLst>
   </p:cSld>
@@ -3526,17 +4228,297 @@
           <a:lstStyle/>
           <a:p>
             <a:r>
-              <a:rPr lang="en-MY" dirty="0"/>
-              <a:t>Categorical Variables Analysis :</a:t>
-            </a:r>
-            <a:endParaRPr lang="en-US" dirty="0"/>
+              <a:rPr lang="en-MY" dirty="0">
+                <a:solidFill>
+                  <a:schemeClr val="bg1"/>
+                </a:solidFill>
+              </a:rPr>
+              <a:t>Quantitative Variables Analysis :</a:t>
+            </a:r>
+            <a:endParaRPr lang="en-US" dirty="0">
+              <a:solidFill>
+                <a:schemeClr val="bg1"/>
+              </a:solidFill>
+            </a:endParaRPr>
+          </a:p>
+        </p:txBody>
+      </p:sp>
+      <p:pic>
+        <p:nvPicPr>
+          <p:cNvPr id="8" name="Picture 7">
+            <a:extLst>
+              <a:ext uri="{FF2B5EF4-FFF2-40B4-BE49-F238E27FC236}">
+                <a16:creationId xmlns:a16="http://schemas.microsoft.com/office/drawing/2014/main" id="{E8566986-394E-B541-A444-C1B326FCE5E7}"/>
+              </a:ext>
+            </a:extLst>
+          </p:cNvPr>
+          <p:cNvPicPr>
+            <a:picLocks noChangeAspect="1"/>
+          </p:cNvPicPr>
+          <p:nvPr/>
+        </p:nvPicPr>
+        <p:blipFill>
+          <a:blip r:embed="rId2">
+            <a:extLst>
+              <a:ext uri="{28A0092B-C50C-407E-A947-70E740481C1C}">
+                <a14:useLocalDpi xmlns:a14="http://schemas.microsoft.com/office/drawing/2010/main" val="0"/>
+              </a:ext>
+            </a:extLst>
+          </a:blip>
+          <a:srcRect/>
+          <a:stretch/>
+        </p:blipFill>
+        <p:spPr>
+          <a:xfrm>
+            <a:off x="2287816" y="1090427"/>
+            <a:ext cx="7616367" cy="2821173"/>
+          </a:xfrm>
+          <a:prstGeom prst="rect">
+            <a:avLst/>
+          </a:prstGeom>
+        </p:spPr>
+      </p:pic>
+      <p:sp>
+        <p:nvSpPr>
+          <p:cNvPr id="4" name="Content Placeholder 2">
+            <a:extLst>
+              <a:ext uri="{FF2B5EF4-FFF2-40B4-BE49-F238E27FC236}">
+                <a16:creationId xmlns:a16="http://schemas.microsoft.com/office/drawing/2014/main" id="{1035ED50-079A-F040-9E07-12538C175499}"/>
+              </a:ext>
+            </a:extLst>
+          </p:cNvPr>
+          <p:cNvSpPr txBox="1">
+            <a:spLocks/>
+          </p:cNvSpPr>
+          <p:nvPr/>
+        </p:nvSpPr>
+        <p:spPr>
+          <a:xfrm>
+            <a:off x="609600" y="3982049"/>
+            <a:ext cx="10972800" cy="1312333"/>
+          </a:xfrm>
+          <a:prstGeom prst="rect">
+            <a:avLst/>
+          </a:prstGeom>
+          <a:noFill/>
+          <a:ln w="9525">
+            <a:noFill/>
+          </a:ln>
+        </p:spPr>
+        <p:txBody>
+          <a:bodyPr/>
+          <a:lstStyle>
+            <a:lvl1pPr marL="342900" lvl="0" indent="-342900" algn="l" defTabSz="914400" rtl="0" eaLnBrk="1" fontAlgn="base" latinLnBrk="0" hangingPunct="1">
+              <a:lnSpc>
+                <a:spcPct val="100000"/>
+              </a:lnSpc>
+              <a:spcBef>
+                <a:spcPct val="20000"/>
+              </a:spcBef>
+              <a:spcAft>
+                <a:spcPct val="0"/>
+              </a:spcAft>
+              <a:buChar char="•"/>
+              <a:defRPr sz="3200" b="0" i="0" u="none" kern="1200" baseline="0">
+                <a:solidFill>
+                  <a:schemeClr val="tx1"/>
+                </a:solidFill>
+                <a:latin typeface="+mn-lt"/>
+                <a:ea typeface="+mn-ea"/>
+                <a:cs typeface="+mn-cs"/>
+              </a:defRPr>
+            </a:lvl1pPr>
+            <a:lvl2pPr marL="742950" lvl="1" indent="-285750" algn="l" defTabSz="914400" rtl="0" eaLnBrk="1" fontAlgn="base" latinLnBrk="0" hangingPunct="1">
+              <a:lnSpc>
+                <a:spcPct val="100000"/>
+              </a:lnSpc>
+              <a:spcBef>
+                <a:spcPct val="20000"/>
+              </a:spcBef>
+              <a:spcAft>
+                <a:spcPct val="0"/>
+              </a:spcAft>
+              <a:buChar char="–"/>
+              <a:defRPr sz="2800" b="0" i="0" u="none" kern="1200" baseline="0">
+                <a:solidFill>
+                  <a:schemeClr val="tx1"/>
+                </a:solidFill>
+                <a:latin typeface="+mn-lt"/>
+                <a:ea typeface="+mn-ea"/>
+                <a:cs typeface="+mn-cs"/>
+              </a:defRPr>
+            </a:lvl2pPr>
+            <a:lvl3pPr marL="1143000" lvl="2" indent="-228600" algn="l" defTabSz="914400" rtl="0" eaLnBrk="1" fontAlgn="base" latinLnBrk="0" hangingPunct="1">
+              <a:lnSpc>
+                <a:spcPct val="100000"/>
+              </a:lnSpc>
+              <a:spcBef>
+                <a:spcPct val="20000"/>
+              </a:spcBef>
+              <a:spcAft>
+                <a:spcPct val="0"/>
+              </a:spcAft>
+              <a:buChar char="•"/>
+              <a:defRPr sz="2400" b="0" i="0" u="none" kern="1200" baseline="0">
+                <a:solidFill>
+                  <a:schemeClr val="tx1"/>
+                </a:solidFill>
+                <a:latin typeface="+mn-lt"/>
+                <a:ea typeface="+mn-ea"/>
+                <a:cs typeface="+mn-cs"/>
+              </a:defRPr>
+            </a:lvl3pPr>
+            <a:lvl4pPr marL="1600200" lvl="3" indent="-228600" algn="l" defTabSz="914400" rtl="0" eaLnBrk="1" fontAlgn="base" latinLnBrk="0" hangingPunct="1">
+              <a:lnSpc>
+                <a:spcPct val="100000"/>
+              </a:lnSpc>
+              <a:spcBef>
+                <a:spcPct val="20000"/>
+              </a:spcBef>
+              <a:spcAft>
+                <a:spcPct val="0"/>
+              </a:spcAft>
+              <a:buChar char="–"/>
+              <a:defRPr sz="2000" b="0" i="0" u="none" kern="1200" baseline="0">
+                <a:solidFill>
+                  <a:schemeClr val="tx1"/>
+                </a:solidFill>
+                <a:latin typeface="+mn-lt"/>
+                <a:ea typeface="+mn-ea"/>
+                <a:cs typeface="+mn-cs"/>
+              </a:defRPr>
+            </a:lvl4pPr>
+            <a:lvl5pPr marL="2057400" lvl="4" indent="-228600" algn="l" defTabSz="914400" rtl="0" eaLnBrk="1" fontAlgn="base" latinLnBrk="0" hangingPunct="1">
+              <a:lnSpc>
+                <a:spcPct val="100000"/>
+              </a:lnSpc>
+              <a:spcBef>
+                <a:spcPct val="20000"/>
+              </a:spcBef>
+              <a:spcAft>
+                <a:spcPct val="0"/>
+              </a:spcAft>
+              <a:buChar char="»"/>
+              <a:defRPr sz="2000" b="0" i="0" u="none" kern="1200" baseline="0">
+                <a:solidFill>
+                  <a:schemeClr val="tx1"/>
+                </a:solidFill>
+                <a:latin typeface="+mn-lt"/>
+                <a:ea typeface="+mn-ea"/>
+                <a:cs typeface="+mn-cs"/>
+              </a:defRPr>
+            </a:lvl5pPr>
+            <a:lvl6pPr marL="2514600" lvl="5" indent="-228600" algn="l" defTabSz="914400" rtl="0" eaLnBrk="1" fontAlgn="base" latinLnBrk="0" hangingPunct="1">
+              <a:lnSpc>
+                <a:spcPct val="100000"/>
+              </a:lnSpc>
+              <a:spcBef>
+                <a:spcPct val="20000"/>
+              </a:spcBef>
+              <a:spcAft>
+                <a:spcPct val="0"/>
+              </a:spcAft>
+              <a:buChar char="»"/>
+              <a:defRPr sz="2000" b="0" i="0" u="none" kern="1200" baseline="0">
+                <a:solidFill>
+                  <a:schemeClr val="tx1"/>
+                </a:solidFill>
+                <a:latin typeface="+mn-lt"/>
+                <a:ea typeface="+mn-ea"/>
+                <a:cs typeface="+mn-cs"/>
+              </a:defRPr>
+            </a:lvl6pPr>
+            <a:lvl7pPr marL="2971800" lvl="6" indent="-228600" algn="l" defTabSz="914400" rtl="0" eaLnBrk="1" fontAlgn="base" latinLnBrk="0" hangingPunct="1">
+              <a:lnSpc>
+                <a:spcPct val="100000"/>
+              </a:lnSpc>
+              <a:spcBef>
+                <a:spcPct val="20000"/>
+              </a:spcBef>
+              <a:spcAft>
+                <a:spcPct val="0"/>
+              </a:spcAft>
+              <a:buChar char="»"/>
+              <a:defRPr sz="2000" b="0" i="0" u="none" kern="1200" baseline="0">
+                <a:solidFill>
+                  <a:schemeClr val="tx1"/>
+                </a:solidFill>
+                <a:latin typeface="+mn-lt"/>
+                <a:ea typeface="+mn-ea"/>
+                <a:cs typeface="+mn-cs"/>
+              </a:defRPr>
+            </a:lvl7pPr>
+            <a:lvl8pPr marL="3429000" lvl="7" indent="-228600" algn="l" defTabSz="914400" rtl="0" eaLnBrk="1" fontAlgn="base" latinLnBrk="0" hangingPunct="1">
+              <a:lnSpc>
+                <a:spcPct val="100000"/>
+              </a:lnSpc>
+              <a:spcBef>
+                <a:spcPct val="20000"/>
+              </a:spcBef>
+              <a:spcAft>
+                <a:spcPct val="0"/>
+              </a:spcAft>
+              <a:buChar char="»"/>
+              <a:defRPr sz="2000" b="0" i="0" u="none" kern="1200" baseline="0">
+                <a:solidFill>
+                  <a:schemeClr val="tx1"/>
+                </a:solidFill>
+                <a:latin typeface="+mn-lt"/>
+                <a:ea typeface="+mn-ea"/>
+                <a:cs typeface="+mn-cs"/>
+              </a:defRPr>
+            </a:lvl8pPr>
+            <a:lvl9pPr marL="3886200" lvl="8" indent="-228600" algn="l" defTabSz="914400" rtl="0" eaLnBrk="1" fontAlgn="base" latinLnBrk="0" hangingPunct="1">
+              <a:lnSpc>
+                <a:spcPct val="100000"/>
+              </a:lnSpc>
+              <a:spcBef>
+                <a:spcPct val="20000"/>
+              </a:spcBef>
+              <a:spcAft>
+                <a:spcPct val="0"/>
+              </a:spcAft>
+              <a:buChar char="»"/>
+              <a:defRPr sz="2000" b="0" i="0" u="none" kern="1200" baseline="0">
+                <a:solidFill>
+                  <a:schemeClr val="tx1"/>
+                </a:solidFill>
+                <a:latin typeface="+mn-lt"/>
+                <a:ea typeface="+mn-ea"/>
+                <a:cs typeface="+mn-cs"/>
+              </a:defRPr>
+            </a:lvl9pPr>
+          </a:lstStyle>
+          <a:p>
+            <a:r>
+              <a:rPr lang="en-MY" sz="2000" dirty="0">
+                <a:solidFill>
+                  <a:schemeClr val="bg1"/>
+                </a:solidFill>
+              </a:rPr>
+              <a:t>The figures above shows the flow of criminal activities on a by month basis for the most decrease years:</a:t>
+            </a:r>
+          </a:p>
+          <a:p>
+            <a:pPr marL="857250" lvl="1" indent="-457200">
+              <a:buFont typeface="+mj-lt"/>
+              <a:buAutoNum type="arabicPeriod"/>
+            </a:pPr>
+            <a:r>
+              <a:rPr lang="en-MY" sz="2000" dirty="0">
+                <a:solidFill>
+                  <a:schemeClr val="bg1"/>
+                </a:solidFill>
+              </a:rPr>
+              <a:t>By looking at the criminal activities represented in this graphs like a flow, it is unique that the amount of criminal reports have the tendency to increase once every four years.</a:t>
+            </a:r>
           </a:p>
         </p:txBody>
       </p:sp>
     </p:spTree>
     <p:extLst>
       <p:ext uri="{BB962C8B-B14F-4D97-AF65-F5344CB8AC3E}">
-        <p14:creationId xmlns:p14="http://schemas.microsoft.com/office/powerpoint/2010/main" val="205617387"/>
+        <p14:creationId xmlns:p14="http://schemas.microsoft.com/office/powerpoint/2010/main" val="705265921"/>
       </p:ext>
     </p:extLst>
   </p:cSld>
@@ -3584,53 +4566,344 @@
           <a:lstStyle/>
           <a:p>
             <a:r>
-              <a:rPr lang="en-MY" dirty="0"/>
+              <a:rPr lang="en-MY" dirty="0">
+                <a:solidFill>
+                  <a:schemeClr val="bg1"/>
+                </a:solidFill>
+              </a:rPr>
               <a:t>Categorical Variables Analysis :</a:t>
             </a:r>
-            <a:endParaRPr lang="en-US" dirty="0"/>
+            <a:endParaRPr lang="en-US" dirty="0">
+              <a:solidFill>
+                <a:schemeClr val="bg1"/>
+              </a:solidFill>
+            </a:endParaRPr>
           </a:p>
         </p:txBody>
       </p:sp>
-      <p:pic>
-        <p:nvPicPr>
-          <p:cNvPr id="4" name="Picture 3" descr="A screenshot of a cell phone&#10;&#10;Description automatically generated">
+      <p:sp>
+        <p:nvSpPr>
+          <p:cNvPr id="3" name="Content Placeholder 2">
             <a:extLst>
               <a:ext uri="{FF2B5EF4-FFF2-40B4-BE49-F238E27FC236}">
-                <a16:creationId xmlns:a16="http://schemas.microsoft.com/office/drawing/2014/main" id="{90C27AB7-1091-5D42-ACB0-22C6AB3B9F12}"/>
+                <a16:creationId xmlns:a16="http://schemas.microsoft.com/office/drawing/2014/main" id="{9D1ADF6F-1FDD-3345-8894-4B828BDF2E66}"/>
               </a:ext>
             </a:extLst>
           </p:cNvPr>
-          <p:cNvPicPr>
-            <a:picLocks noChangeAspect="1"/>
-          </p:cNvPicPr>
+          <p:cNvSpPr txBox="1">
+            <a:spLocks/>
+          </p:cNvSpPr>
           <p:nvPr/>
-        </p:nvPicPr>
-        <p:blipFill>
-          <a:blip r:embed="rId2">
-            <a:extLst>
-              <a:ext uri="{28A0092B-C50C-407E-A947-70E740481C1C}">
-                <a14:useLocalDpi xmlns:a14="http://schemas.microsoft.com/office/drawing/2010/main" val="0"/>
-              </a:ext>
-            </a:extLst>
-          </a:blip>
-          <a:stretch>
-            <a:fillRect/>
-          </a:stretch>
-        </p:blipFill>
+        </p:nvSpPr>
         <p:spPr>
           <a:xfrm>
-            <a:off x="304799" y="874879"/>
-            <a:ext cx="8285020" cy="3216924"/>
+            <a:off x="880533" y="1080911"/>
+            <a:ext cx="10972800" cy="1312333"/>
           </a:xfrm>
           <a:prstGeom prst="rect">
             <a:avLst/>
           </a:prstGeom>
+          <a:noFill/>
+          <a:ln w="9525">
+            <a:noFill/>
+          </a:ln>
         </p:spPr>
-      </p:pic>
+        <p:txBody>
+          <a:bodyPr/>
+          <a:lstStyle>
+            <a:lvl1pPr marL="342900" lvl="0" indent="-342900" algn="l" defTabSz="914400" rtl="0" eaLnBrk="1" fontAlgn="base" latinLnBrk="0" hangingPunct="1">
+              <a:lnSpc>
+                <a:spcPct val="100000"/>
+              </a:lnSpc>
+              <a:spcBef>
+                <a:spcPct val="20000"/>
+              </a:spcBef>
+              <a:spcAft>
+                <a:spcPct val="0"/>
+              </a:spcAft>
+              <a:buChar char="•"/>
+              <a:defRPr sz="3200" b="0" i="0" u="none" kern="1200" baseline="0">
+                <a:solidFill>
+                  <a:schemeClr val="tx1"/>
+                </a:solidFill>
+                <a:latin typeface="+mn-lt"/>
+                <a:ea typeface="+mn-ea"/>
+                <a:cs typeface="+mn-cs"/>
+              </a:defRPr>
+            </a:lvl1pPr>
+            <a:lvl2pPr marL="742950" lvl="1" indent="-285750" algn="l" defTabSz="914400" rtl="0" eaLnBrk="1" fontAlgn="base" latinLnBrk="0" hangingPunct="1">
+              <a:lnSpc>
+                <a:spcPct val="100000"/>
+              </a:lnSpc>
+              <a:spcBef>
+                <a:spcPct val="20000"/>
+              </a:spcBef>
+              <a:spcAft>
+                <a:spcPct val="0"/>
+              </a:spcAft>
+              <a:buChar char="–"/>
+              <a:defRPr sz="2800" b="0" i="0" u="none" kern="1200" baseline="0">
+                <a:solidFill>
+                  <a:schemeClr val="tx1"/>
+                </a:solidFill>
+                <a:latin typeface="+mn-lt"/>
+                <a:ea typeface="+mn-ea"/>
+                <a:cs typeface="+mn-cs"/>
+              </a:defRPr>
+            </a:lvl2pPr>
+            <a:lvl3pPr marL="1143000" lvl="2" indent="-228600" algn="l" defTabSz="914400" rtl="0" eaLnBrk="1" fontAlgn="base" latinLnBrk="0" hangingPunct="1">
+              <a:lnSpc>
+                <a:spcPct val="100000"/>
+              </a:lnSpc>
+              <a:spcBef>
+                <a:spcPct val="20000"/>
+              </a:spcBef>
+              <a:spcAft>
+                <a:spcPct val="0"/>
+              </a:spcAft>
+              <a:buChar char="•"/>
+              <a:defRPr sz="2400" b="0" i="0" u="none" kern="1200" baseline="0">
+                <a:solidFill>
+                  <a:schemeClr val="tx1"/>
+                </a:solidFill>
+                <a:latin typeface="+mn-lt"/>
+                <a:ea typeface="+mn-ea"/>
+                <a:cs typeface="+mn-cs"/>
+              </a:defRPr>
+            </a:lvl3pPr>
+            <a:lvl4pPr marL="1600200" lvl="3" indent="-228600" algn="l" defTabSz="914400" rtl="0" eaLnBrk="1" fontAlgn="base" latinLnBrk="0" hangingPunct="1">
+              <a:lnSpc>
+                <a:spcPct val="100000"/>
+              </a:lnSpc>
+              <a:spcBef>
+                <a:spcPct val="20000"/>
+              </a:spcBef>
+              <a:spcAft>
+                <a:spcPct val="0"/>
+              </a:spcAft>
+              <a:buChar char="–"/>
+              <a:defRPr sz="2000" b="0" i="0" u="none" kern="1200" baseline="0">
+                <a:solidFill>
+                  <a:schemeClr val="tx1"/>
+                </a:solidFill>
+                <a:latin typeface="+mn-lt"/>
+                <a:ea typeface="+mn-ea"/>
+                <a:cs typeface="+mn-cs"/>
+              </a:defRPr>
+            </a:lvl4pPr>
+            <a:lvl5pPr marL="2057400" lvl="4" indent="-228600" algn="l" defTabSz="914400" rtl="0" eaLnBrk="1" fontAlgn="base" latinLnBrk="0" hangingPunct="1">
+              <a:lnSpc>
+                <a:spcPct val="100000"/>
+              </a:lnSpc>
+              <a:spcBef>
+                <a:spcPct val="20000"/>
+              </a:spcBef>
+              <a:spcAft>
+                <a:spcPct val="0"/>
+              </a:spcAft>
+              <a:buChar char="»"/>
+              <a:defRPr sz="2000" b="0" i="0" u="none" kern="1200" baseline="0">
+                <a:solidFill>
+                  <a:schemeClr val="tx1"/>
+                </a:solidFill>
+                <a:latin typeface="+mn-lt"/>
+                <a:ea typeface="+mn-ea"/>
+                <a:cs typeface="+mn-cs"/>
+              </a:defRPr>
+            </a:lvl5pPr>
+            <a:lvl6pPr marL="2514600" lvl="5" indent="-228600" algn="l" defTabSz="914400" rtl="0" eaLnBrk="1" fontAlgn="base" latinLnBrk="0" hangingPunct="1">
+              <a:lnSpc>
+                <a:spcPct val="100000"/>
+              </a:lnSpc>
+              <a:spcBef>
+                <a:spcPct val="20000"/>
+              </a:spcBef>
+              <a:spcAft>
+                <a:spcPct val="0"/>
+              </a:spcAft>
+              <a:buChar char="»"/>
+              <a:defRPr sz="2000" b="0" i="0" u="none" kern="1200" baseline="0">
+                <a:solidFill>
+                  <a:schemeClr val="tx1"/>
+                </a:solidFill>
+                <a:latin typeface="+mn-lt"/>
+                <a:ea typeface="+mn-ea"/>
+                <a:cs typeface="+mn-cs"/>
+              </a:defRPr>
+            </a:lvl6pPr>
+            <a:lvl7pPr marL="2971800" lvl="6" indent="-228600" algn="l" defTabSz="914400" rtl="0" eaLnBrk="1" fontAlgn="base" latinLnBrk="0" hangingPunct="1">
+              <a:lnSpc>
+                <a:spcPct val="100000"/>
+              </a:lnSpc>
+              <a:spcBef>
+                <a:spcPct val="20000"/>
+              </a:spcBef>
+              <a:spcAft>
+                <a:spcPct val="0"/>
+              </a:spcAft>
+              <a:buChar char="»"/>
+              <a:defRPr sz="2000" b="0" i="0" u="none" kern="1200" baseline="0">
+                <a:solidFill>
+                  <a:schemeClr val="tx1"/>
+                </a:solidFill>
+                <a:latin typeface="+mn-lt"/>
+                <a:ea typeface="+mn-ea"/>
+                <a:cs typeface="+mn-cs"/>
+              </a:defRPr>
+            </a:lvl7pPr>
+            <a:lvl8pPr marL="3429000" lvl="7" indent="-228600" algn="l" defTabSz="914400" rtl="0" eaLnBrk="1" fontAlgn="base" latinLnBrk="0" hangingPunct="1">
+              <a:lnSpc>
+                <a:spcPct val="100000"/>
+              </a:lnSpc>
+              <a:spcBef>
+                <a:spcPct val="20000"/>
+              </a:spcBef>
+              <a:spcAft>
+                <a:spcPct val="0"/>
+              </a:spcAft>
+              <a:buChar char="»"/>
+              <a:defRPr sz="2000" b="0" i="0" u="none" kern="1200" baseline="0">
+                <a:solidFill>
+                  <a:schemeClr val="tx1"/>
+                </a:solidFill>
+                <a:latin typeface="+mn-lt"/>
+                <a:ea typeface="+mn-ea"/>
+                <a:cs typeface="+mn-cs"/>
+              </a:defRPr>
+            </a:lvl8pPr>
+            <a:lvl9pPr marL="3886200" lvl="8" indent="-228600" algn="l" defTabSz="914400" rtl="0" eaLnBrk="1" fontAlgn="base" latinLnBrk="0" hangingPunct="1">
+              <a:lnSpc>
+                <a:spcPct val="100000"/>
+              </a:lnSpc>
+              <a:spcBef>
+                <a:spcPct val="20000"/>
+              </a:spcBef>
+              <a:spcAft>
+                <a:spcPct val="0"/>
+              </a:spcAft>
+              <a:buChar char="»"/>
+              <a:defRPr sz="2000" b="0" i="0" u="none" kern="1200" baseline="0">
+                <a:solidFill>
+                  <a:schemeClr val="tx1"/>
+                </a:solidFill>
+                <a:latin typeface="+mn-lt"/>
+                <a:ea typeface="+mn-ea"/>
+                <a:cs typeface="+mn-cs"/>
+              </a:defRPr>
+            </a:lvl9pPr>
+          </a:lstStyle>
+          <a:p>
+            <a:pPr marL="514350" indent="-514350">
+              <a:buFont typeface="+mj-lt"/>
+              <a:buAutoNum type="arabicPeriod"/>
+            </a:pPr>
+            <a:r>
+              <a:rPr lang="en-MY" sz="2800" dirty="0">
+                <a:solidFill>
+                  <a:schemeClr val="bg1"/>
+                </a:solidFill>
+              </a:rPr>
+              <a:t>The year </a:t>
+            </a:r>
+            <a:r>
+              <a:rPr lang="en-MY" sz="2800" b="1" dirty="0">
+                <a:solidFill>
+                  <a:schemeClr val="bg1"/>
+                </a:solidFill>
+              </a:rPr>
+              <a:t>2016</a:t>
+            </a:r>
+            <a:r>
+              <a:rPr lang="en-MY" sz="2800" dirty="0">
+                <a:solidFill>
+                  <a:schemeClr val="bg1"/>
+                </a:solidFill>
+              </a:rPr>
+              <a:t> rise aside from numerical analysis.</a:t>
+            </a:r>
+          </a:p>
+          <a:p>
+            <a:pPr marL="514350" indent="-514350">
+              <a:buFont typeface="+mj-lt"/>
+              <a:buAutoNum type="arabicPeriod"/>
+            </a:pPr>
+            <a:r>
+              <a:rPr lang="en-MY" sz="2800" dirty="0">
+                <a:solidFill>
+                  <a:schemeClr val="bg1"/>
+                </a:solidFill>
+              </a:rPr>
+              <a:t>Despite being the least decrease of criminal activities in the top three represented by the years, in descending order, </a:t>
+            </a:r>
+            <a:r>
+              <a:rPr lang="en-MY" sz="2800" b="1" dirty="0">
+                <a:solidFill>
+                  <a:schemeClr val="bg1"/>
+                </a:solidFill>
+              </a:rPr>
+              <a:t>2008</a:t>
+            </a:r>
+            <a:r>
+              <a:rPr lang="en-MY" sz="2800" dirty="0">
+                <a:solidFill>
+                  <a:schemeClr val="bg1"/>
+                </a:solidFill>
+              </a:rPr>
+              <a:t>, </a:t>
+            </a:r>
+            <a:r>
+              <a:rPr lang="en-MY" sz="2800" b="1" dirty="0">
+                <a:solidFill>
+                  <a:schemeClr val="bg1"/>
+                </a:solidFill>
+              </a:rPr>
+              <a:t>2012</a:t>
+            </a:r>
+            <a:r>
+              <a:rPr lang="en-MY" sz="2800" dirty="0">
+                <a:solidFill>
+                  <a:schemeClr val="bg1"/>
+                </a:solidFill>
+              </a:rPr>
+              <a:t> and </a:t>
+            </a:r>
+            <a:r>
+              <a:rPr lang="en-MY" sz="2800" b="1" dirty="0">
+                <a:solidFill>
+                  <a:schemeClr val="bg1"/>
+                </a:solidFill>
+              </a:rPr>
+              <a:t>2016</a:t>
+            </a:r>
+            <a:r>
+              <a:rPr lang="en-MY" sz="2800" dirty="0">
+                <a:solidFill>
+                  <a:schemeClr val="bg1"/>
+                </a:solidFill>
+              </a:rPr>
+              <a:t>, is the one that owns the majority of the records in the cropped dataset.</a:t>
+            </a:r>
+          </a:p>
+          <a:p>
+            <a:pPr marL="514350" indent="-514350">
+              <a:buFont typeface="+mj-lt"/>
+              <a:buAutoNum type="arabicPeriod"/>
+            </a:pPr>
+            <a:r>
+              <a:rPr lang="en-MY" sz="2800" dirty="0">
+                <a:solidFill>
+                  <a:schemeClr val="bg1"/>
+                </a:solidFill>
+              </a:rPr>
+              <a:t>It means that, remaining coherent with what rise in the numeric variable's analysis, it has the lower crime per month ratio among the three.</a:t>
+            </a:r>
+          </a:p>
+        </p:txBody>
+      </p:sp>
     </p:spTree>
     <p:extLst>
       <p:ext uri="{BB962C8B-B14F-4D97-AF65-F5344CB8AC3E}">
-        <p14:creationId xmlns:p14="http://schemas.microsoft.com/office/powerpoint/2010/main" val="734749238"/>
+        <p14:creationId xmlns:p14="http://schemas.microsoft.com/office/powerpoint/2010/main" val="205617387"/>
       </p:ext>
     </p:extLst>
   </p:cSld>
@@ -3678,10 +4951,18 @@
           <a:lstStyle/>
           <a:p>
             <a:r>
-              <a:rPr lang="en-MY" dirty="0"/>
+              <a:rPr lang="en-MY" dirty="0">
+                <a:solidFill>
+                  <a:schemeClr val="bg1"/>
+                </a:solidFill>
+              </a:rPr>
               <a:t>Categorical Variables Analysis :</a:t>
             </a:r>
-            <a:endParaRPr lang="en-US" dirty="0"/>
+            <a:endParaRPr lang="en-US" dirty="0">
+              <a:solidFill>
+                <a:schemeClr val="bg1"/>
+              </a:solidFill>
+            </a:endParaRPr>
           </a:p>
         </p:txBody>
       </p:sp>
@@ -3713,8 +4994,44 @@
         </p:blipFill>
         <p:spPr>
           <a:xfrm>
-            <a:off x="0" y="1080655"/>
-            <a:ext cx="7536873" cy="5107171"/>
+            <a:off x="609600" y="1046766"/>
+            <a:ext cx="5757333" cy="3901311"/>
+          </a:xfrm>
+          <a:prstGeom prst="rect">
+            <a:avLst/>
+          </a:prstGeom>
+        </p:spPr>
+      </p:pic>
+      <p:pic>
+        <p:nvPicPr>
+          <p:cNvPr id="5" name="Picture 4" descr="A picture containing screenshot&#10;&#10;Description automatically generated">
+            <a:extLst>
+              <a:ext uri="{FF2B5EF4-FFF2-40B4-BE49-F238E27FC236}">
+                <a16:creationId xmlns:a16="http://schemas.microsoft.com/office/drawing/2014/main" id="{F8794291-BEF7-1D4A-8634-F7B0C5E382B7}"/>
+              </a:ext>
+            </a:extLst>
+          </p:cNvPr>
+          <p:cNvPicPr>
+            <a:picLocks noChangeAspect="1"/>
+          </p:cNvPicPr>
+          <p:nvPr/>
+        </p:nvPicPr>
+        <p:blipFill>
+          <a:blip r:embed="rId3">
+            <a:extLst>
+              <a:ext uri="{28A0092B-C50C-407E-A947-70E740481C1C}">
+                <a14:useLocalDpi xmlns:a14="http://schemas.microsoft.com/office/drawing/2010/main" val="0"/>
+              </a:ext>
+            </a:extLst>
+          </a:blip>
+          <a:stretch>
+            <a:fillRect/>
+          </a:stretch>
+        </p:blipFill>
+        <p:spPr>
+          <a:xfrm>
+            <a:off x="6611237" y="2554554"/>
+            <a:ext cx="4971163" cy="2393523"/>
           </a:xfrm>
           <a:prstGeom prst="rect">
             <a:avLst/>
@@ -3772,89 +5089,448 @@
           <a:lstStyle/>
           <a:p>
             <a:r>
-              <a:rPr lang="en-MY" dirty="0"/>
+              <a:rPr lang="en-MY" dirty="0">
+                <a:solidFill>
+                  <a:schemeClr val="bg1"/>
+                </a:solidFill>
+              </a:rPr>
               <a:t>Categorical Variables Analysis :</a:t>
             </a:r>
-            <a:endParaRPr lang="en-US" dirty="0"/>
+            <a:endParaRPr lang="en-US" dirty="0">
+              <a:solidFill>
+                <a:schemeClr val="bg1"/>
+              </a:solidFill>
+            </a:endParaRPr>
           </a:p>
         </p:txBody>
       </p:sp>
-      <p:pic>
-        <p:nvPicPr>
-          <p:cNvPr id="4" name="Picture 3" descr="A picture containing screenshot&#10;&#10;Description automatically generated">
+      <p:sp>
+        <p:nvSpPr>
+          <p:cNvPr id="5" name="Content Placeholder 2">
             <a:extLst>
               <a:ext uri="{FF2B5EF4-FFF2-40B4-BE49-F238E27FC236}">
-                <a16:creationId xmlns:a16="http://schemas.microsoft.com/office/drawing/2014/main" id="{5467A99C-0FD7-A547-BA13-969AF20D520B}"/>
+                <a16:creationId xmlns:a16="http://schemas.microsoft.com/office/drawing/2014/main" id="{F09D1C5F-7E78-A047-9BE1-7980CAF2A375}"/>
               </a:ext>
             </a:extLst>
           </p:cNvPr>
-          <p:cNvPicPr>
-            <a:picLocks noChangeAspect="1"/>
-          </p:cNvPicPr>
+          <p:cNvSpPr txBox="1">
+            <a:spLocks/>
+          </p:cNvSpPr>
           <p:nvPr/>
-        </p:nvPicPr>
-        <p:blipFill>
-          <a:blip r:embed="rId2">
-            <a:extLst>
-              <a:ext uri="{28A0092B-C50C-407E-A947-70E740481C1C}">
-                <a14:useLocalDpi xmlns:a14="http://schemas.microsoft.com/office/drawing/2010/main" val="0"/>
-              </a:ext>
-            </a:extLst>
-          </a:blip>
-          <a:stretch>
-            <a:fillRect/>
-          </a:stretch>
-        </p:blipFill>
+        </p:nvSpPr>
         <p:spPr>
           <a:xfrm>
-            <a:off x="0" y="1104900"/>
-            <a:ext cx="6049907" cy="2912918"/>
+            <a:off x="880533" y="934154"/>
+            <a:ext cx="10972800" cy="1312333"/>
           </a:xfrm>
           <a:prstGeom prst="rect">
             <a:avLst/>
           </a:prstGeom>
+          <a:noFill/>
+          <a:ln w="9525">
+            <a:noFill/>
+          </a:ln>
         </p:spPr>
-      </p:pic>
-      <p:pic>
-        <p:nvPicPr>
-          <p:cNvPr id="6" name="Picture 5" descr="A screenshot of a cell phone&#10;&#10;Description automatically generated">
-            <a:extLst>
-              <a:ext uri="{FF2B5EF4-FFF2-40B4-BE49-F238E27FC236}">
-                <a16:creationId xmlns:a16="http://schemas.microsoft.com/office/drawing/2014/main" id="{EC5164C0-6B80-B54D-A67C-42128DC38FB4}"/>
-              </a:ext>
-            </a:extLst>
-          </p:cNvPr>
-          <p:cNvPicPr>
-            <a:picLocks noChangeAspect="1"/>
-          </p:cNvPicPr>
-          <p:nvPr/>
-        </p:nvPicPr>
-        <p:blipFill>
-          <a:blip r:embed="rId3">
-            <a:extLst>
-              <a:ext uri="{28A0092B-C50C-407E-A947-70E740481C1C}">
-                <a14:useLocalDpi xmlns:a14="http://schemas.microsoft.com/office/drawing/2010/main" val="0"/>
-              </a:ext>
-            </a:extLst>
-          </a:blip>
-          <a:stretch>
-            <a:fillRect/>
-          </a:stretch>
-        </p:blipFill>
-        <p:spPr>
-          <a:xfrm>
-            <a:off x="0" y="4293650"/>
-            <a:ext cx="8081729" cy="2469417"/>
-          </a:xfrm>
-          <a:prstGeom prst="rect">
-            <a:avLst/>
-          </a:prstGeom>
-        </p:spPr>
-      </p:pic>
+        <p:txBody>
+          <a:bodyPr/>
+          <a:lstStyle>
+            <a:lvl1pPr marL="342900" lvl="0" indent="-342900" algn="l" defTabSz="914400" rtl="0" eaLnBrk="1" fontAlgn="base" latinLnBrk="0" hangingPunct="1">
+              <a:lnSpc>
+                <a:spcPct val="100000"/>
+              </a:lnSpc>
+              <a:spcBef>
+                <a:spcPct val="20000"/>
+              </a:spcBef>
+              <a:spcAft>
+                <a:spcPct val="0"/>
+              </a:spcAft>
+              <a:buChar char="•"/>
+              <a:defRPr sz="3200" b="0" i="0" u="none" kern="1200" baseline="0">
+                <a:solidFill>
+                  <a:schemeClr val="tx1"/>
+                </a:solidFill>
+                <a:latin typeface="+mn-lt"/>
+                <a:ea typeface="+mn-ea"/>
+                <a:cs typeface="+mn-cs"/>
+              </a:defRPr>
+            </a:lvl1pPr>
+            <a:lvl2pPr marL="742950" lvl="1" indent="-285750" algn="l" defTabSz="914400" rtl="0" eaLnBrk="1" fontAlgn="base" latinLnBrk="0" hangingPunct="1">
+              <a:lnSpc>
+                <a:spcPct val="100000"/>
+              </a:lnSpc>
+              <a:spcBef>
+                <a:spcPct val="20000"/>
+              </a:spcBef>
+              <a:spcAft>
+                <a:spcPct val="0"/>
+              </a:spcAft>
+              <a:buChar char="–"/>
+              <a:defRPr sz="2800" b="0" i="0" u="none" kern="1200" baseline="0">
+                <a:solidFill>
+                  <a:schemeClr val="tx1"/>
+                </a:solidFill>
+                <a:latin typeface="+mn-lt"/>
+                <a:ea typeface="+mn-ea"/>
+                <a:cs typeface="+mn-cs"/>
+              </a:defRPr>
+            </a:lvl2pPr>
+            <a:lvl3pPr marL="1143000" lvl="2" indent="-228600" algn="l" defTabSz="914400" rtl="0" eaLnBrk="1" fontAlgn="base" latinLnBrk="0" hangingPunct="1">
+              <a:lnSpc>
+                <a:spcPct val="100000"/>
+              </a:lnSpc>
+              <a:spcBef>
+                <a:spcPct val="20000"/>
+              </a:spcBef>
+              <a:spcAft>
+                <a:spcPct val="0"/>
+              </a:spcAft>
+              <a:buChar char="•"/>
+              <a:defRPr sz="2400" b="0" i="0" u="none" kern="1200" baseline="0">
+                <a:solidFill>
+                  <a:schemeClr val="tx1"/>
+                </a:solidFill>
+                <a:latin typeface="+mn-lt"/>
+                <a:ea typeface="+mn-ea"/>
+                <a:cs typeface="+mn-cs"/>
+              </a:defRPr>
+            </a:lvl3pPr>
+            <a:lvl4pPr marL="1600200" lvl="3" indent="-228600" algn="l" defTabSz="914400" rtl="0" eaLnBrk="1" fontAlgn="base" latinLnBrk="0" hangingPunct="1">
+              <a:lnSpc>
+                <a:spcPct val="100000"/>
+              </a:lnSpc>
+              <a:spcBef>
+                <a:spcPct val="20000"/>
+              </a:spcBef>
+              <a:spcAft>
+                <a:spcPct val="0"/>
+              </a:spcAft>
+              <a:buChar char="–"/>
+              <a:defRPr sz="2000" b="0" i="0" u="none" kern="1200" baseline="0">
+                <a:solidFill>
+                  <a:schemeClr val="tx1"/>
+                </a:solidFill>
+                <a:latin typeface="+mn-lt"/>
+                <a:ea typeface="+mn-ea"/>
+                <a:cs typeface="+mn-cs"/>
+              </a:defRPr>
+            </a:lvl4pPr>
+            <a:lvl5pPr marL="2057400" lvl="4" indent="-228600" algn="l" defTabSz="914400" rtl="0" eaLnBrk="1" fontAlgn="base" latinLnBrk="0" hangingPunct="1">
+              <a:lnSpc>
+                <a:spcPct val="100000"/>
+              </a:lnSpc>
+              <a:spcBef>
+                <a:spcPct val="20000"/>
+              </a:spcBef>
+              <a:spcAft>
+                <a:spcPct val="0"/>
+              </a:spcAft>
+              <a:buChar char="»"/>
+              <a:defRPr sz="2000" b="0" i="0" u="none" kern="1200" baseline="0">
+                <a:solidFill>
+                  <a:schemeClr val="tx1"/>
+                </a:solidFill>
+                <a:latin typeface="+mn-lt"/>
+                <a:ea typeface="+mn-ea"/>
+                <a:cs typeface="+mn-cs"/>
+              </a:defRPr>
+            </a:lvl5pPr>
+            <a:lvl6pPr marL="2514600" lvl="5" indent="-228600" algn="l" defTabSz="914400" rtl="0" eaLnBrk="1" fontAlgn="base" latinLnBrk="0" hangingPunct="1">
+              <a:lnSpc>
+                <a:spcPct val="100000"/>
+              </a:lnSpc>
+              <a:spcBef>
+                <a:spcPct val="20000"/>
+              </a:spcBef>
+              <a:spcAft>
+                <a:spcPct val="0"/>
+              </a:spcAft>
+              <a:buChar char="»"/>
+              <a:defRPr sz="2000" b="0" i="0" u="none" kern="1200" baseline="0">
+                <a:solidFill>
+                  <a:schemeClr val="tx1"/>
+                </a:solidFill>
+                <a:latin typeface="+mn-lt"/>
+                <a:ea typeface="+mn-ea"/>
+                <a:cs typeface="+mn-cs"/>
+              </a:defRPr>
+            </a:lvl6pPr>
+            <a:lvl7pPr marL="2971800" lvl="6" indent="-228600" algn="l" defTabSz="914400" rtl="0" eaLnBrk="1" fontAlgn="base" latinLnBrk="0" hangingPunct="1">
+              <a:lnSpc>
+                <a:spcPct val="100000"/>
+              </a:lnSpc>
+              <a:spcBef>
+                <a:spcPct val="20000"/>
+              </a:spcBef>
+              <a:spcAft>
+                <a:spcPct val="0"/>
+              </a:spcAft>
+              <a:buChar char="»"/>
+              <a:defRPr sz="2000" b="0" i="0" u="none" kern="1200" baseline="0">
+                <a:solidFill>
+                  <a:schemeClr val="tx1"/>
+                </a:solidFill>
+                <a:latin typeface="+mn-lt"/>
+                <a:ea typeface="+mn-ea"/>
+                <a:cs typeface="+mn-cs"/>
+              </a:defRPr>
+            </a:lvl7pPr>
+            <a:lvl8pPr marL="3429000" lvl="7" indent="-228600" algn="l" defTabSz="914400" rtl="0" eaLnBrk="1" fontAlgn="base" latinLnBrk="0" hangingPunct="1">
+              <a:lnSpc>
+                <a:spcPct val="100000"/>
+              </a:lnSpc>
+              <a:spcBef>
+                <a:spcPct val="20000"/>
+              </a:spcBef>
+              <a:spcAft>
+                <a:spcPct val="0"/>
+              </a:spcAft>
+              <a:buChar char="»"/>
+              <a:defRPr sz="2000" b="0" i="0" u="none" kern="1200" baseline="0">
+                <a:solidFill>
+                  <a:schemeClr val="tx1"/>
+                </a:solidFill>
+                <a:latin typeface="+mn-lt"/>
+                <a:ea typeface="+mn-ea"/>
+                <a:cs typeface="+mn-cs"/>
+              </a:defRPr>
+            </a:lvl8pPr>
+            <a:lvl9pPr marL="3886200" lvl="8" indent="-228600" algn="l" defTabSz="914400" rtl="0" eaLnBrk="1" fontAlgn="base" latinLnBrk="0" hangingPunct="1">
+              <a:lnSpc>
+                <a:spcPct val="100000"/>
+              </a:lnSpc>
+              <a:spcBef>
+                <a:spcPct val="20000"/>
+              </a:spcBef>
+              <a:spcAft>
+                <a:spcPct val="0"/>
+              </a:spcAft>
+              <a:buChar char="»"/>
+              <a:defRPr sz="2000" b="0" i="0" u="none" kern="1200" baseline="0">
+                <a:solidFill>
+                  <a:schemeClr val="tx1"/>
+                </a:solidFill>
+                <a:latin typeface="+mn-lt"/>
+                <a:ea typeface="+mn-ea"/>
+                <a:cs typeface="+mn-cs"/>
+              </a:defRPr>
+            </a:lvl9pPr>
+          </a:lstStyle>
+          <a:p>
+            <a:pPr marL="457200" indent="-457200">
+              <a:buFont typeface="+mj-lt"/>
+              <a:buAutoNum type="arabicPeriod"/>
+            </a:pPr>
+            <a:r>
+              <a:rPr lang="en-MY" sz="1800" dirty="0">
+                <a:solidFill>
+                  <a:schemeClr val="bg1"/>
+                </a:solidFill>
+              </a:rPr>
+              <a:t>The </a:t>
+            </a:r>
+            <a:r>
+              <a:rPr lang="en-MY" sz="1800" b="1" dirty="0">
+                <a:solidFill>
+                  <a:schemeClr val="bg1"/>
+                </a:solidFill>
+              </a:rPr>
+              <a:t>minor category crimes</a:t>
+            </a:r>
+            <a:r>
+              <a:rPr lang="en-MY" sz="1800" dirty="0">
+                <a:solidFill>
+                  <a:schemeClr val="bg1"/>
+                </a:solidFill>
+              </a:rPr>
+              <a:t> classification is very rich, with Theft and Handling being the most diversified with eight minor categories.</a:t>
+            </a:r>
+          </a:p>
+          <a:p>
+            <a:pPr marL="457200" indent="-457200">
+              <a:buFont typeface="+mj-lt"/>
+              <a:buAutoNum type="arabicPeriod"/>
+            </a:pPr>
+            <a:r>
+              <a:rPr lang="en-MY" sz="1800" dirty="0">
+                <a:solidFill>
+                  <a:schemeClr val="bg1"/>
+                </a:solidFill>
+              </a:rPr>
+              <a:t>The subclass of the total number of criminal activities for each major category crime among its minor categories.</a:t>
+            </a:r>
+          </a:p>
+          <a:p>
+            <a:pPr marL="457200" indent="-457200">
+              <a:buFont typeface="+mj-lt"/>
+              <a:buAutoNum type="arabicPeriod"/>
+            </a:pPr>
+            <a:r>
+              <a:rPr lang="en-MY" sz="1800" dirty="0">
+                <a:solidFill>
+                  <a:schemeClr val="bg1"/>
+                </a:solidFill>
+              </a:rPr>
+              <a:t>By observing the graphs it is possible to extract the most frequent minor category for each major category:</a:t>
+            </a:r>
+          </a:p>
+          <a:p>
+            <a:pPr marL="857250" lvl="1" indent="-457200">
+              <a:buFont typeface="+mj-lt"/>
+              <a:buAutoNum type="romanUcPeriod"/>
+            </a:pPr>
+            <a:r>
+              <a:rPr lang="en-MY" sz="1400" dirty="0">
+                <a:solidFill>
+                  <a:schemeClr val="bg1"/>
+                </a:solidFill>
+              </a:rPr>
+              <a:t>Theft and Handling -&gt; Other Theft</a:t>
+            </a:r>
+          </a:p>
+          <a:p>
+            <a:pPr marL="857250" lvl="1" indent="-457200">
+              <a:buFont typeface="+mj-lt"/>
+              <a:buAutoNum type="romanUcPeriod"/>
+            </a:pPr>
+            <a:r>
+              <a:rPr lang="en-MY" sz="1400" dirty="0">
+                <a:solidFill>
+                  <a:schemeClr val="bg1"/>
+                </a:solidFill>
+              </a:rPr>
+              <a:t>Violence Against the Person -&gt; </a:t>
+            </a:r>
+            <a:r>
+              <a:rPr lang="en-MY" sz="1400" dirty="0" err="1">
+                <a:solidFill>
+                  <a:schemeClr val="bg1"/>
+                </a:solidFill>
+              </a:rPr>
+              <a:t>Harrasment</a:t>
+            </a:r>
+            <a:endParaRPr lang="en-MY" sz="1400" dirty="0">
+              <a:solidFill>
+                <a:schemeClr val="bg1"/>
+              </a:solidFill>
+            </a:endParaRPr>
+          </a:p>
+          <a:p>
+            <a:pPr marL="857250" lvl="1" indent="-457200">
+              <a:buFont typeface="+mj-lt"/>
+              <a:buAutoNum type="romanUcPeriod"/>
+            </a:pPr>
+            <a:r>
+              <a:rPr lang="en-MY" sz="1400" dirty="0">
+                <a:solidFill>
+                  <a:schemeClr val="bg1"/>
+                </a:solidFill>
+              </a:rPr>
+              <a:t>Criminal Damage -&gt; Criminal Damage To Motor Vehicle</a:t>
+            </a:r>
+          </a:p>
+          <a:p>
+            <a:pPr marL="857250" lvl="1" indent="-457200">
+              <a:buFont typeface="+mj-lt"/>
+              <a:buAutoNum type="romanUcPeriod"/>
+            </a:pPr>
+            <a:r>
+              <a:rPr lang="en-MY" sz="1400" dirty="0">
+                <a:solidFill>
+                  <a:schemeClr val="bg1"/>
+                </a:solidFill>
+              </a:rPr>
+              <a:t>Robbery -&gt; Personal Robbery</a:t>
+            </a:r>
+          </a:p>
+          <a:p>
+            <a:pPr marL="857250" lvl="1" indent="-457200">
+              <a:buFont typeface="+mj-lt"/>
+              <a:buAutoNum type="romanUcPeriod"/>
+            </a:pPr>
+            <a:r>
+              <a:rPr lang="en-MY" sz="1400" dirty="0">
+                <a:solidFill>
+                  <a:schemeClr val="bg1"/>
+                </a:solidFill>
+              </a:rPr>
+              <a:t>Burglary -&gt; Burglary in a </a:t>
+            </a:r>
+            <a:r>
+              <a:rPr lang="en-MY" sz="1400" dirty="0" err="1">
+                <a:solidFill>
+                  <a:schemeClr val="bg1"/>
+                </a:solidFill>
+              </a:rPr>
+              <a:t>Dwellingv</a:t>
+            </a:r>
+            <a:endParaRPr lang="en-MY" sz="1400" dirty="0">
+              <a:solidFill>
+                <a:schemeClr val="bg1"/>
+              </a:solidFill>
+            </a:endParaRPr>
+          </a:p>
+          <a:p>
+            <a:pPr marL="857250" lvl="1" indent="-457200">
+              <a:buFont typeface="+mj-lt"/>
+              <a:buAutoNum type="romanUcPeriod"/>
+            </a:pPr>
+            <a:r>
+              <a:rPr lang="en-MY" sz="1400" dirty="0">
+                <a:solidFill>
+                  <a:schemeClr val="bg1"/>
+                </a:solidFill>
+              </a:rPr>
+              <a:t>Other Notifiable Offences -&gt; Other Notifiable</a:t>
+            </a:r>
+          </a:p>
+          <a:p>
+            <a:pPr marL="857250" lvl="1" indent="-457200">
+              <a:buFont typeface="+mj-lt"/>
+              <a:buAutoNum type="romanUcPeriod"/>
+            </a:pPr>
+            <a:r>
+              <a:rPr lang="en-MY" sz="1400" dirty="0">
+                <a:solidFill>
+                  <a:schemeClr val="bg1"/>
+                </a:solidFill>
+              </a:rPr>
+              <a:t>Drugs -&gt; Possession Of Drugs</a:t>
+            </a:r>
+          </a:p>
+          <a:p>
+            <a:pPr marL="857250" lvl="1" indent="-457200">
+              <a:buFont typeface="+mj-lt"/>
+              <a:buAutoNum type="romanUcPeriod"/>
+            </a:pPr>
+            <a:r>
+              <a:rPr lang="en-MY" sz="1400" dirty="0">
+                <a:solidFill>
+                  <a:schemeClr val="bg1"/>
+                </a:solidFill>
+              </a:rPr>
+              <a:t>Sexual Offences -&gt; Other Sexual</a:t>
+            </a:r>
+          </a:p>
+          <a:p>
+            <a:pPr marL="857250" lvl="1" indent="-457200">
+              <a:buFont typeface="+mj-lt"/>
+              <a:buAutoNum type="romanUcPeriod"/>
+            </a:pPr>
+            <a:r>
+              <a:rPr lang="en-MY" sz="1400" dirty="0">
+                <a:solidFill>
+                  <a:schemeClr val="bg1"/>
+                </a:solidFill>
+              </a:rPr>
+              <a:t>Fraud or Forgery -&gt; Counted per Victim</a:t>
+            </a:r>
+          </a:p>
+        </p:txBody>
+      </p:sp>
     </p:spTree>
     <p:extLst>
       <p:ext uri="{BB962C8B-B14F-4D97-AF65-F5344CB8AC3E}">
-        <p14:creationId xmlns:p14="http://schemas.microsoft.com/office/powerpoint/2010/main" val="1049750301"/>
+        <p14:creationId xmlns:p14="http://schemas.microsoft.com/office/powerpoint/2010/main" val="3014686049"/>
       </p:ext>
     </p:extLst>
   </p:cSld>
@@ -3902,19 +5578,27 @@
           <a:lstStyle/>
           <a:p>
             <a:r>
-              <a:rPr lang="en-MY" dirty="0"/>
+              <a:rPr lang="en-MY">
+                <a:solidFill>
+                  <a:schemeClr val="bg1"/>
+                </a:solidFill>
+              </a:rPr>
               <a:t>Categorical Variables Analysis :</a:t>
             </a:r>
-            <a:endParaRPr lang="en-US" dirty="0"/>
+            <a:endParaRPr lang="en-US" dirty="0">
+              <a:solidFill>
+                <a:schemeClr val="bg1"/>
+              </a:solidFill>
+            </a:endParaRPr>
           </a:p>
         </p:txBody>
       </p:sp>
       <p:pic>
         <p:nvPicPr>
-          <p:cNvPr id="4" name="Picture 3" descr="A close up of a map&#10;&#10;Description automatically generated">
+          <p:cNvPr id="5" name="Picture 4">
             <a:extLst>
               <a:ext uri="{FF2B5EF4-FFF2-40B4-BE49-F238E27FC236}">
-                <a16:creationId xmlns:a16="http://schemas.microsoft.com/office/drawing/2014/main" id="{D8BEF363-5567-D54A-B68C-E9F3B318D11F}"/>
+                <a16:creationId xmlns:a16="http://schemas.microsoft.com/office/drawing/2014/main" id="{4A9D9BBD-903D-9947-AA37-8ADC46CFC65B}"/>
               </a:ext>
             </a:extLst>
           </p:cNvPr>
@@ -3937,8 +5621,8 @@
         </p:blipFill>
         <p:spPr>
           <a:xfrm>
-            <a:off x="0" y="1215294"/>
-            <a:ext cx="8063345" cy="5642706"/>
+            <a:off x="3076274" y="1049866"/>
+            <a:ext cx="6039451" cy="4018845"/>
           </a:xfrm>
           <a:prstGeom prst="rect">
             <a:avLst/>
@@ -3996,53 +5680,296 @@
           <a:lstStyle/>
           <a:p>
             <a:r>
-              <a:rPr lang="en-MY" dirty="0"/>
+              <a:rPr lang="en-MY" dirty="0">
+                <a:solidFill>
+                  <a:schemeClr val="bg1"/>
+                </a:solidFill>
+              </a:rPr>
               <a:t>Categorical Variables Analysis :</a:t>
             </a:r>
-            <a:endParaRPr lang="en-US" dirty="0"/>
+            <a:endParaRPr lang="en-US" dirty="0">
+              <a:solidFill>
+                <a:schemeClr val="bg1"/>
+              </a:solidFill>
+            </a:endParaRPr>
           </a:p>
         </p:txBody>
       </p:sp>
-      <p:pic>
-        <p:nvPicPr>
-          <p:cNvPr id="4" name="Picture 3" descr="A close up of a map&#10;&#10;Description automatically generated">
+      <p:sp>
+        <p:nvSpPr>
+          <p:cNvPr id="5" name="Content Placeholder 2">
             <a:extLst>
               <a:ext uri="{FF2B5EF4-FFF2-40B4-BE49-F238E27FC236}">
-                <a16:creationId xmlns:a16="http://schemas.microsoft.com/office/drawing/2014/main" id="{E773ACAB-F311-DC4F-B010-8D73C95AE3FA}"/>
+                <a16:creationId xmlns:a16="http://schemas.microsoft.com/office/drawing/2014/main" id="{A00D42CA-0F31-8246-AF7C-B27BAE3F4210}"/>
               </a:ext>
             </a:extLst>
           </p:cNvPr>
-          <p:cNvPicPr>
-            <a:picLocks noChangeAspect="1"/>
-          </p:cNvPicPr>
+          <p:cNvSpPr txBox="1">
+            <a:spLocks/>
+          </p:cNvSpPr>
           <p:nvPr/>
-        </p:nvPicPr>
-        <p:blipFill>
-          <a:blip r:embed="rId2">
-            <a:extLst>
-              <a:ext uri="{28A0092B-C50C-407E-A947-70E740481C1C}">
-                <a14:useLocalDpi xmlns:a14="http://schemas.microsoft.com/office/drawing/2010/main" val="0"/>
-              </a:ext>
-            </a:extLst>
-          </a:blip>
-          <a:stretch>
-            <a:fillRect/>
-          </a:stretch>
-        </p:blipFill>
+        </p:nvSpPr>
         <p:spPr>
           <a:xfrm>
-            <a:off x="0" y="1911927"/>
-            <a:ext cx="7487705" cy="4946073"/>
+            <a:off x="880533" y="1080911"/>
+            <a:ext cx="10972800" cy="1312333"/>
           </a:xfrm>
           <a:prstGeom prst="rect">
             <a:avLst/>
           </a:prstGeom>
+          <a:noFill/>
+          <a:ln w="9525">
+            <a:noFill/>
+          </a:ln>
         </p:spPr>
-      </p:pic>
+        <p:txBody>
+          <a:bodyPr/>
+          <a:lstStyle>
+            <a:lvl1pPr marL="342900" lvl="0" indent="-342900" algn="l" defTabSz="914400" rtl="0" eaLnBrk="1" fontAlgn="base" latinLnBrk="0" hangingPunct="1">
+              <a:lnSpc>
+                <a:spcPct val="100000"/>
+              </a:lnSpc>
+              <a:spcBef>
+                <a:spcPct val="20000"/>
+              </a:spcBef>
+              <a:spcAft>
+                <a:spcPct val="0"/>
+              </a:spcAft>
+              <a:buChar char="•"/>
+              <a:defRPr sz="3200" b="0" i="0" u="none" kern="1200" baseline="0">
+                <a:solidFill>
+                  <a:schemeClr val="tx1"/>
+                </a:solidFill>
+                <a:latin typeface="+mn-lt"/>
+                <a:ea typeface="+mn-ea"/>
+                <a:cs typeface="+mn-cs"/>
+              </a:defRPr>
+            </a:lvl1pPr>
+            <a:lvl2pPr marL="742950" lvl="1" indent="-285750" algn="l" defTabSz="914400" rtl="0" eaLnBrk="1" fontAlgn="base" latinLnBrk="0" hangingPunct="1">
+              <a:lnSpc>
+                <a:spcPct val="100000"/>
+              </a:lnSpc>
+              <a:spcBef>
+                <a:spcPct val="20000"/>
+              </a:spcBef>
+              <a:spcAft>
+                <a:spcPct val="0"/>
+              </a:spcAft>
+              <a:buChar char="–"/>
+              <a:defRPr sz="2800" b="0" i="0" u="none" kern="1200" baseline="0">
+                <a:solidFill>
+                  <a:schemeClr val="tx1"/>
+                </a:solidFill>
+                <a:latin typeface="+mn-lt"/>
+                <a:ea typeface="+mn-ea"/>
+                <a:cs typeface="+mn-cs"/>
+              </a:defRPr>
+            </a:lvl2pPr>
+            <a:lvl3pPr marL="1143000" lvl="2" indent="-228600" algn="l" defTabSz="914400" rtl="0" eaLnBrk="1" fontAlgn="base" latinLnBrk="0" hangingPunct="1">
+              <a:lnSpc>
+                <a:spcPct val="100000"/>
+              </a:lnSpc>
+              <a:spcBef>
+                <a:spcPct val="20000"/>
+              </a:spcBef>
+              <a:spcAft>
+                <a:spcPct val="0"/>
+              </a:spcAft>
+              <a:buChar char="•"/>
+              <a:defRPr sz="2400" b="0" i="0" u="none" kern="1200" baseline="0">
+                <a:solidFill>
+                  <a:schemeClr val="tx1"/>
+                </a:solidFill>
+                <a:latin typeface="+mn-lt"/>
+                <a:ea typeface="+mn-ea"/>
+                <a:cs typeface="+mn-cs"/>
+              </a:defRPr>
+            </a:lvl3pPr>
+            <a:lvl4pPr marL="1600200" lvl="3" indent="-228600" algn="l" defTabSz="914400" rtl="0" eaLnBrk="1" fontAlgn="base" latinLnBrk="0" hangingPunct="1">
+              <a:lnSpc>
+                <a:spcPct val="100000"/>
+              </a:lnSpc>
+              <a:spcBef>
+                <a:spcPct val="20000"/>
+              </a:spcBef>
+              <a:spcAft>
+                <a:spcPct val="0"/>
+              </a:spcAft>
+              <a:buChar char="–"/>
+              <a:defRPr sz="2000" b="0" i="0" u="none" kern="1200" baseline="0">
+                <a:solidFill>
+                  <a:schemeClr val="tx1"/>
+                </a:solidFill>
+                <a:latin typeface="+mn-lt"/>
+                <a:ea typeface="+mn-ea"/>
+                <a:cs typeface="+mn-cs"/>
+              </a:defRPr>
+            </a:lvl4pPr>
+            <a:lvl5pPr marL="2057400" lvl="4" indent="-228600" algn="l" defTabSz="914400" rtl="0" eaLnBrk="1" fontAlgn="base" latinLnBrk="0" hangingPunct="1">
+              <a:lnSpc>
+                <a:spcPct val="100000"/>
+              </a:lnSpc>
+              <a:spcBef>
+                <a:spcPct val="20000"/>
+              </a:spcBef>
+              <a:spcAft>
+                <a:spcPct val="0"/>
+              </a:spcAft>
+              <a:buChar char="»"/>
+              <a:defRPr sz="2000" b="0" i="0" u="none" kern="1200" baseline="0">
+                <a:solidFill>
+                  <a:schemeClr val="tx1"/>
+                </a:solidFill>
+                <a:latin typeface="+mn-lt"/>
+                <a:ea typeface="+mn-ea"/>
+                <a:cs typeface="+mn-cs"/>
+              </a:defRPr>
+            </a:lvl5pPr>
+            <a:lvl6pPr marL="2514600" lvl="5" indent="-228600" algn="l" defTabSz="914400" rtl="0" eaLnBrk="1" fontAlgn="base" latinLnBrk="0" hangingPunct="1">
+              <a:lnSpc>
+                <a:spcPct val="100000"/>
+              </a:lnSpc>
+              <a:spcBef>
+                <a:spcPct val="20000"/>
+              </a:spcBef>
+              <a:spcAft>
+                <a:spcPct val="0"/>
+              </a:spcAft>
+              <a:buChar char="»"/>
+              <a:defRPr sz="2000" b="0" i="0" u="none" kern="1200" baseline="0">
+                <a:solidFill>
+                  <a:schemeClr val="tx1"/>
+                </a:solidFill>
+                <a:latin typeface="+mn-lt"/>
+                <a:ea typeface="+mn-ea"/>
+                <a:cs typeface="+mn-cs"/>
+              </a:defRPr>
+            </a:lvl6pPr>
+            <a:lvl7pPr marL="2971800" lvl="6" indent="-228600" algn="l" defTabSz="914400" rtl="0" eaLnBrk="1" fontAlgn="base" latinLnBrk="0" hangingPunct="1">
+              <a:lnSpc>
+                <a:spcPct val="100000"/>
+              </a:lnSpc>
+              <a:spcBef>
+                <a:spcPct val="20000"/>
+              </a:spcBef>
+              <a:spcAft>
+                <a:spcPct val="0"/>
+              </a:spcAft>
+              <a:buChar char="»"/>
+              <a:defRPr sz="2000" b="0" i="0" u="none" kern="1200" baseline="0">
+                <a:solidFill>
+                  <a:schemeClr val="tx1"/>
+                </a:solidFill>
+                <a:latin typeface="+mn-lt"/>
+                <a:ea typeface="+mn-ea"/>
+                <a:cs typeface="+mn-cs"/>
+              </a:defRPr>
+            </a:lvl7pPr>
+            <a:lvl8pPr marL="3429000" lvl="7" indent="-228600" algn="l" defTabSz="914400" rtl="0" eaLnBrk="1" fontAlgn="base" latinLnBrk="0" hangingPunct="1">
+              <a:lnSpc>
+                <a:spcPct val="100000"/>
+              </a:lnSpc>
+              <a:spcBef>
+                <a:spcPct val="20000"/>
+              </a:spcBef>
+              <a:spcAft>
+                <a:spcPct val="0"/>
+              </a:spcAft>
+              <a:buChar char="»"/>
+              <a:defRPr sz="2000" b="0" i="0" u="none" kern="1200" baseline="0">
+                <a:solidFill>
+                  <a:schemeClr val="tx1"/>
+                </a:solidFill>
+                <a:latin typeface="+mn-lt"/>
+                <a:ea typeface="+mn-ea"/>
+                <a:cs typeface="+mn-cs"/>
+              </a:defRPr>
+            </a:lvl8pPr>
+            <a:lvl9pPr marL="3886200" lvl="8" indent="-228600" algn="l" defTabSz="914400" rtl="0" eaLnBrk="1" fontAlgn="base" latinLnBrk="0" hangingPunct="1">
+              <a:lnSpc>
+                <a:spcPct val="100000"/>
+              </a:lnSpc>
+              <a:spcBef>
+                <a:spcPct val="20000"/>
+              </a:spcBef>
+              <a:spcAft>
+                <a:spcPct val="0"/>
+              </a:spcAft>
+              <a:buChar char="»"/>
+              <a:defRPr sz="2000" b="0" i="0" u="none" kern="1200" baseline="0">
+                <a:solidFill>
+                  <a:schemeClr val="tx1"/>
+                </a:solidFill>
+                <a:latin typeface="+mn-lt"/>
+                <a:ea typeface="+mn-ea"/>
+                <a:cs typeface="+mn-cs"/>
+              </a:defRPr>
+            </a:lvl9pPr>
+          </a:lstStyle>
+          <a:p>
+            <a:pPr marL="514350" indent="-514350">
+              <a:buFont typeface="+mj-lt"/>
+              <a:buAutoNum type="arabicPeriod"/>
+            </a:pPr>
+            <a:r>
+              <a:rPr lang="en-MY" sz="2400" dirty="0">
+                <a:solidFill>
+                  <a:schemeClr val="bg1"/>
+                </a:solidFill>
+              </a:rPr>
+              <a:t>From the geographic visualization proves what has been discovered so far.</a:t>
+            </a:r>
+          </a:p>
+          <a:p>
+            <a:pPr marL="514350" indent="-514350">
+              <a:buFont typeface="+mj-lt"/>
+              <a:buAutoNum type="arabicPeriod"/>
+            </a:pPr>
+            <a:r>
+              <a:rPr lang="en-MY" sz="2400" dirty="0">
+                <a:solidFill>
+                  <a:schemeClr val="bg1"/>
+                </a:solidFill>
+              </a:rPr>
+              <a:t>Westminster is confirmed as the most decrease of criminal activities among the boroughs, while City of London is confirmed as the least dense of criminal activities.</a:t>
+            </a:r>
+          </a:p>
+          <a:p>
+            <a:pPr marL="514350" indent="-514350">
+              <a:buFont typeface="+mj-lt"/>
+              <a:buAutoNum type="arabicPeriod"/>
+            </a:pPr>
+            <a:r>
+              <a:rPr lang="en-MY" sz="2400" dirty="0">
+                <a:solidFill>
+                  <a:schemeClr val="bg1"/>
+                </a:solidFill>
+              </a:rPr>
+              <a:t>The naive assumption that there is no correlation between the number of crimes committed during the window of time proposed by the dataset and the </a:t>
+            </a:r>
+            <a:r>
+              <a:rPr lang="en-MY" sz="2400" b="1" dirty="0">
+                <a:solidFill>
+                  <a:schemeClr val="bg1"/>
+                </a:solidFill>
+              </a:rPr>
+              <a:t>boroughs</a:t>
+            </a:r>
+            <a:r>
+              <a:rPr lang="en-MY" sz="2400" dirty="0">
+                <a:solidFill>
+                  <a:schemeClr val="bg1"/>
+                </a:solidFill>
+              </a:rPr>
+              <a:t> territorial extension.</a:t>
+            </a:r>
+          </a:p>
+        </p:txBody>
+      </p:sp>
     </p:spTree>
     <p:extLst>
       <p:ext uri="{BB962C8B-B14F-4D97-AF65-F5344CB8AC3E}">
-        <p14:creationId xmlns:p14="http://schemas.microsoft.com/office/powerpoint/2010/main" val="769810025"/>
+        <p14:creationId xmlns:p14="http://schemas.microsoft.com/office/powerpoint/2010/main" val="3768532166"/>
       </p:ext>
     </p:extLst>
   </p:cSld>
@@ -4090,19 +6017,27 @@
           <a:lstStyle/>
           <a:p>
             <a:r>
-              <a:rPr lang="en-MY" dirty="0"/>
+              <a:rPr lang="en-MY" dirty="0">
+                <a:solidFill>
+                  <a:schemeClr val="bg1"/>
+                </a:solidFill>
+              </a:rPr>
               <a:t>Categorical Variables Analysis :</a:t>
             </a:r>
-            <a:endParaRPr lang="en-US" dirty="0"/>
+            <a:endParaRPr lang="en-US" dirty="0">
+              <a:solidFill>
+                <a:schemeClr val="bg1"/>
+              </a:solidFill>
+            </a:endParaRPr>
           </a:p>
         </p:txBody>
       </p:sp>
       <p:pic>
         <p:nvPicPr>
-          <p:cNvPr id="4" name="Picture 3" descr="A screenshot of a cell phone&#10;&#10;Description automatically generated">
+          <p:cNvPr id="7" name="Picture 6" descr="A picture containing text, map&#10;&#10;Description automatically generated">
             <a:extLst>
               <a:ext uri="{FF2B5EF4-FFF2-40B4-BE49-F238E27FC236}">
-                <a16:creationId xmlns:a16="http://schemas.microsoft.com/office/drawing/2014/main" id="{C427CC56-BD28-AB43-AC37-DB57487D6570}"/>
+                <a16:creationId xmlns:a16="http://schemas.microsoft.com/office/drawing/2014/main" id="{DF5454A4-4B0F-8D4F-BA02-F9D4968EB96C}"/>
               </a:ext>
             </a:extLst>
           </p:cNvPr>
@@ -4125,44 +6060,8 @@
         </p:blipFill>
         <p:spPr>
           <a:xfrm>
-            <a:off x="0" y="2743200"/>
-            <a:ext cx="4795444" cy="4114800"/>
-          </a:xfrm>
-          <a:prstGeom prst="rect">
-            <a:avLst/>
-          </a:prstGeom>
-        </p:spPr>
-      </p:pic>
-      <p:pic>
-        <p:nvPicPr>
-          <p:cNvPr id="6" name="Picture 5" descr="A screenshot of a cell phone&#10;&#10;Description automatically generated">
-            <a:extLst>
-              <a:ext uri="{FF2B5EF4-FFF2-40B4-BE49-F238E27FC236}">
-                <a16:creationId xmlns:a16="http://schemas.microsoft.com/office/drawing/2014/main" id="{EFE4781E-97FA-AF4B-BC70-EC5C4F613E91}"/>
-              </a:ext>
-            </a:extLst>
-          </p:cNvPr>
-          <p:cNvPicPr>
-            <a:picLocks noChangeAspect="1"/>
-          </p:cNvPicPr>
-          <p:nvPr/>
-        </p:nvPicPr>
-        <p:blipFill>
-          <a:blip r:embed="rId3">
-            <a:extLst>
-              <a:ext uri="{28A0092B-C50C-407E-A947-70E740481C1C}">
-                <a14:useLocalDpi xmlns:a14="http://schemas.microsoft.com/office/drawing/2010/main" val="0"/>
-              </a:ext>
-            </a:extLst>
-          </a:blip>
-          <a:stretch>
-            <a:fillRect/>
-          </a:stretch>
-        </p:blipFill>
-        <p:spPr>
-          <a:xfrm>
-            <a:off x="4584086" y="1016260"/>
-            <a:ext cx="4111705" cy="3789218"/>
+            <a:off x="3061311" y="1082836"/>
+            <a:ext cx="5894326" cy="3985110"/>
           </a:xfrm>
           <a:prstGeom prst="rect">
             <a:avLst/>
@@ -4172,7 +6071,7 @@
     </p:spTree>
     <p:extLst>
       <p:ext uri="{BB962C8B-B14F-4D97-AF65-F5344CB8AC3E}">
-        <p14:creationId xmlns:p14="http://schemas.microsoft.com/office/powerpoint/2010/main" val="142535926"/>
+        <p14:creationId xmlns:p14="http://schemas.microsoft.com/office/powerpoint/2010/main" val="769810025"/>
       </p:ext>
     </p:extLst>
   </p:cSld>
@@ -4220,53 +6119,266 @@
           <a:lstStyle/>
           <a:p>
             <a:r>
-              <a:rPr lang="en-MY" dirty="0"/>
-              <a:t>Correlation</a:t>
-            </a:r>
-            <a:endParaRPr lang="en-US" dirty="0"/>
+              <a:rPr lang="en-MY" dirty="0">
+                <a:solidFill>
+                  <a:schemeClr val="bg1"/>
+                </a:solidFill>
+              </a:rPr>
+              <a:t>Categorical Variables Analysis :</a:t>
+            </a:r>
+            <a:endParaRPr lang="en-US" dirty="0">
+              <a:solidFill>
+                <a:schemeClr val="bg1"/>
+              </a:solidFill>
+            </a:endParaRPr>
           </a:p>
         </p:txBody>
       </p:sp>
-      <p:pic>
-        <p:nvPicPr>
-          <p:cNvPr id="4" name="Picture 3" descr="A screenshot of a cell phone&#10;&#10;Description automatically generated">
+      <p:sp>
+        <p:nvSpPr>
+          <p:cNvPr id="5" name="Content Placeholder 2">
             <a:extLst>
               <a:ext uri="{FF2B5EF4-FFF2-40B4-BE49-F238E27FC236}">
-                <a16:creationId xmlns:a16="http://schemas.microsoft.com/office/drawing/2014/main" id="{CBD16417-453E-9347-B995-C77F9F9CA6CC}"/>
+                <a16:creationId xmlns:a16="http://schemas.microsoft.com/office/drawing/2014/main" id="{A00D42CA-0F31-8246-AF7C-B27BAE3F4210}"/>
               </a:ext>
             </a:extLst>
           </p:cNvPr>
-          <p:cNvPicPr>
-            <a:picLocks noChangeAspect="1"/>
-          </p:cNvPicPr>
+          <p:cNvSpPr txBox="1">
+            <a:spLocks/>
+          </p:cNvSpPr>
           <p:nvPr/>
-        </p:nvPicPr>
-        <p:blipFill>
-          <a:blip r:embed="rId2">
-            <a:extLst>
-              <a:ext uri="{28A0092B-C50C-407E-A947-70E740481C1C}">
-                <a14:useLocalDpi xmlns:a14="http://schemas.microsoft.com/office/drawing/2010/main" val="0"/>
-              </a:ext>
-            </a:extLst>
-          </a:blip>
-          <a:stretch>
-            <a:fillRect/>
-          </a:stretch>
-        </p:blipFill>
+        </p:nvSpPr>
         <p:spPr>
           <a:xfrm>
-            <a:off x="160321" y="1237933"/>
-            <a:ext cx="9413170" cy="3479393"/>
+            <a:off x="880533" y="1080911"/>
+            <a:ext cx="10972800" cy="1312333"/>
           </a:xfrm>
           <a:prstGeom prst="rect">
             <a:avLst/>
           </a:prstGeom>
+          <a:noFill/>
+          <a:ln w="9525">
+            <a:noFill/>
+          </a:ln>
         </p:spPr>
-      </p:pic>
+        <p:txBody>
+          <a:bodyPr/>
+          <a:lstStyle>
+            <a:lvl1pPr marL="342900" lvl="0" indent="-342900" algn="l" defTabSz="914400" rtl="0" eaLnBrk="1" fontAlgn="base" latinLnBrk="0" hangingPunct="1">
+              <a:lnSpc>
+                <a:spcPct val="100000"/>
+              </a:lnSpc>
+              <a:spcBef>
+                <a:spcPct val="20000"/>
+              </a:spcBef>
+              <a:spcAft>
+                <a:spcPct val="0"/>
+              </a:spcAft>
+              <a:buChar char="•"/>
+              <a:defRPr sz="3200" b="0" i="0" u="none" kern="1200" baseline="0">
+                <a:solidFill>
+                  <a:schemeClr val="tx1"/>
+                </a:solidFill>
+                <a:latin typeface="+mn-lt"/>
+                <a:ea typeface="+mn-ea"/>
+                <a:cs typeface="+mn-cs"/>
+              </a:defRPr>
+            </a:lvl1pPr>
+            <a:lvl2pPr marL="742950" lvl="1" indent="-285750" algn="l" defTabSz="914400" rtl="0" eaLnBrk="1" fontAlgn="base" latinLnBrk="0" hangingPunct="1">
+              <a:lnSpc>
+                <a:spcPct val="100000"/>
+              </a:lnSpc>
+              <a:spcBef>
+                <a:spcPct val="20000"/>
+              </a:spcBef>
+              <a:spcAft>
+                <a:spcPct val="0"/>
+              </a:spcAft>
+              <a:buChar char="–"/>
+              <a:defRPr sz="2800" b="0" i="0" u="none" kern="1200" baseline="0">
+                <a:solidFill>
+                  <a:schemeClr val="tx1"/>
+                </a:solidFill>
+                <a:latin typeface="+mn-lt"/>
+                <a:ea typeface="+mn-ea"/>
+                <a:cs typeface="+mn-cs"/>
+              </a:defRPr>
+            </a:lvl2pPr>
+            <a:lvl3pPr marL="1143000" lvl="2" indent="-228600" algn="l" defTabSz="914400" rtl="0" eaLnBrk="1" fontAlgn="base" latinLnBrk="0" hangingPunct="1">
+              <a:lnSpc>
+                <a:spcPct val="100000"/>
+              </a:lnSpc>
+              <a:spcBef>
+                <a:spcPct val="20000"/>
+              </a:spcBef>
+              <a:spcAft>
+                <a:spcPct val="0"/>
+              </a:spcAft>
+              <a:buChar char="•"/>
+              <a:defRPr sz="2400" b="0" i="0" u="none" kern="1200" baseline="0">
+                <a:solidFill>
+                  <a:schemeClr val="tx1"/>
+                </a:solidFill>
+                <a:latin typeface="+mn-lt"/>
+                <a:ea typeface="+mn-ea"/>
+                <a:cs typeface="+mn-cs"/>
+              </a:defRPr>
+            </a:lvl3pPr>
+            <a:lvl4pPr marL="1600200" lvl="3" indent="-228600" algn="l" defTabSz="914400" rtl="0" eaLnBrk="1" fontAlgn="base" latinLnBrk="0" hangingPunct="1">
+              <a:lnSpc>
+                <a:spcPct val="100000"/>
+              </a:lnSpc>
+              <a:spcBef>
+                <a:spcPct val="20000"/>
+              </a:spcBef>
+              <a:spcAft>
+                <a:spcPct val="0"/>
+              </a:spcAft>
+              <a:buChar char="–"/>
+              <a:defRPr sz="2000" b="0" i="0" u="none" kern="1200" baseline="0">
+                <a:solidFill>
+                  <a:schemeClr val="tx1"/>
+                </a:solidFill>
+                <a:latin typeface="+mn-lt"/>
+                <a:ea typeface="+mn-ea"/>
+                <a:cs typeface="+mn-cs"/>
+              </a:defRPr>
+            </a:lvl4pPr>
+            <a:lvl5pPr marL="2057400" lvl="4" indent="-228600" algn="l" defTabSz="914400" rtl="0" eaLnBrk="1" fontAlgn="base" latinLnBrk="0" hangingPunct="1">
+              <a:lnSpc>
+                <a:spcPct val="100000"/>
+              </a:lnSpc>
+              <a:spcBef>
+                <a:spcPct val="20000"/>
+              </a:spcBef>
+              <a:spcAft>
+                <a:spcPct val="0"/>
+              </a:spcAft>
+              <a:buChar char="»"/>
+              <a:defRPr sz="2000" b="0" i="0" u="none" kern="1200" baseline="0">
+                <a:solidFill>
+                  <a:schemeClr val="tx1"/>
+                </a:solidFill>
+                <a:latin typeface="+mn-lt"/>
+                <a:ea typeface="+mn-ea"/>
+                <a:cs typeface="+mn-cs"/>
+              </a:defRPr>
+            </a:lvl5pPr>
+            <a:lvl6pPr marL="2514600" lvl="5" indent="-228600" algn="l" defTabSz="914400" rtl="0" eaLnBrk="1" fontAlgn="base" latinLnBrk="0" hangingPunct="1">
+              <a:lnSpc>
+                <a:spcPct val="100000"/>
+              </a:lnSpc>
+              <a:spcBef>
+                <a:spcPct val="20000"/>
+              </a:spcBef>
+              <a:spcAft>
+                <a:spcPct val="0"/>
+              </a:spcAft>
+              <a:buChar char="»"/>
+              <a:defRPr sz="2000" b="0" i="0" u="none" kern="1200" baseline="0">
+                <a:solidFill>
+                  <a:schemeClr val="tx1"/>
+                </a:solidFill>
+                <a:latin typeface="+mn-lt"/>
+                <a:ea typeface="+mn-ea"/>
+                <a:cs typeface="+mn-cs"/>
+              </a:defRPr>
+            </a:lvl6pPr>
+            <a:lvl7pPr marL="2971800" lvl="6" indent="-228600" algn="l" defTabSz="914400" rtl="0" eaLnBrk="1" fontAlgn="base" latinLnBrk="0" hangingPunct="1">
+              <a:lnSpc>
+                <a:spcPct val="100000"/>
+              </a:lnSpc>
+              <a:spcBef>
+                <a:spcPct val="20000"/>
+              </a:spcBef>
+              <a:spcAft>
+                <a:spcPct val="0"/>
+              </a:spcAft>
+              <a:buChar char="»"/>
+              <a:defRPr sz="2000" b="0" i="0" u="none" kern="1200" baseline="0">
+                <a:solidFill>
+                  <a:schemeClr val="tx1"/>
+                </a:solidFill>
+                <a:latin typeface="+mn-lt"/>
+                <a:ea typeface="+mn-ea"/>
+                <a:cs typeface="+mn-cs"/>
+              </a:defRPr>
+            </a:lvl7pPr>
+            <a:lvl8pPr marL="3429000" lvl="7" indent="-228600" algn="l" defTabSz="914400" rtl="0" eaLnBrk="1" fontAlgn="base" latinLnBrk="0" hangingPunct="1">
+              <a:lnSpc>
+                <a:spcPct val="100000"/>
+              </a:lnSpc>
+              <a:spcBef>
+                <a:spcPct val="20000"/>
+              </a:spcBef>
+              <a:spcAft>
+                <a:spcPct val="0"/>
+              </a:spcAft>
+              <a:buChar char="»"/>
+              <a:defRPr sz="2000" b="0" i="0" u="none" kern="1200" baseline="0">
+                <a:solidFill>
+                  <a:schemeClr val="tx1"/>
+                </a:solidFill>
+                <a:latin typeface="+mn-lt"/>
+                <a:ea typeface="+mn-ea"/>
+                <a:cs typeface="+mn-cs"/>
+              </a:defRPr>
+            </a:lvl8pPr>
+            <a:lvl9pPr marL="3886200" lvl="8" indent="-228600" algn="l" defTabSz="914400" rtl="0" eaLnBrk="1" fontAlgn="base" latinLnBrk="0" hangingPunct="1">
+              <a:lnSpc>
+                <a:spcPct val="100000"/>
+              </a:lnSpc>
+              <a:spcBef>
+                <a:spcPct val="20000"/>
+              </a:spcBef>
+              <a:spcAft>
+                <a:spcPct val="0"/>
+              </a:spcAft>
+              <a:buChar char="»"/>
+              <a:defRPr sz="2000" b="0" i="0" u="none" kern="1200" baseline="0">
+                <a:solidFill>
+                  <a:schemeClr val="tx1"/>
+                </a:solidFill>
+                <a:latin typeface="+mn-lt"/>
+                <a:ea typeface="+mn-ea"/>
+                <a:cs typeface="+mn-cs"/>
+              </a:defRPr>
+            </a:lvl9pPr>
+          </a:lstStyle>
+          <a:p>
+            <a:pPr marL="514350" indent="-514350">
+              <a:buFont typeface="+mj-lt"/>
+              <a:buAutoNum type="arabicPeriod"/>
+            </a:pPr>
+            <a:r>
+              <a:rPr lang="en-MY" sz="2400" dirty="0">
+                <a:solidFill>
+                  <a:schemeClr val="bg1"/>
+                </a:solidFill>
+              </a:rPr>
+              <a:t>This visualization shows a general very low score for the ratio between the number of crimes committed in a district and its population.</a:t>
+            </a:r>
+          </a:p>
+          <a:p>
+            <a:pPr marL="514350" indent="-514350">
+              <a:buFont typeface="+mj-lt"/>
+              <a:buAutoNum type="arabicPeriod"/>
+            </a:pPr>
+            <a:r>
+              <a:rPr lang="en-MY" sz="2400" dirty="0">
+                <a:solidFill>
+                  <a:schemeClr val="bg1"/>
+                </a:solidFill>
+              </a:rPr>
+              <a:t>This means that, for a certain window of time, the number of criminal activities are fewer than the population density - in a way confirms the fact that the period of time investigated by the dataset is a quite safe window of time.</a:t>
+            </a:r>
+          </a:p>
+        </p:txBody>
+      </p:sp>
     </p:spTree>
     <p:extLst>
       <p:ext uri="{BB962C8B-B14F-4D97-AF65-F5344CB8AC3E}">
-        <p14:creationId xmlns:p14="http://schemas.microsoft.com/office/powerpoint/2010/main" val="3610757962"/>
+        <p14:creationId xmlns:p14="http://schemas.microsoft.com/office/powerpoint/2010/main" val="29216701"/>
       </p:ext>
     </p:extLst>
   </p:cSld>
@@ -4314,7 +6426,11 @@
           <a:lstStyle/>
           <a:p>
             <a:r>
-              <a:rPr lang="en-US"/>
+              <a:rPr lang="en-US" dirty="0">
+                <a:solidFill>
+                  <a:schemeClr val="bg1"/>
+                </a:solidFill>
+              </a:rPr>
               <a:t>4W 1H Question</a:t>
             </a:r>
           </a:p>
@@ -4333,7 +6449,7 @@
         <p:spPr>
           <a:xfrm>
             <a:off x="609600" y="986155"/>
-            <a:ext cx="10972800" cy="4525963"/>
+            <a:ext cx="10972800" cy="4112787"/>
           </a:xfrm>
         </p:spPr>
         <p:txBody>
@@ -4341,8 +6457,20 @@
           <a:lstStyle/>
           <a:p>
             <a:r>
-              <a:rPr lang="en-US" sz="2000"/>
-              <a:t>What : </a:t>
+              <a:rPr lang="en-US" sz="1800" b="1" u="sng" dirty="0">
+                <a:solidFill>
+                  <a:schemeClr val="bg1"/>
+                </a:solidFill>
+              </a:rPr>
+              <a:t>What</a:t>
+            </a:r>
+            <a:r>
+              <a:rPr lang="en-US" sz="1800" dirty="0">
+                <a:solidFill>
+                  <a:schemeClr val="bg1"/>
+                </a:solidFill>
+              </a:rPr>
+              <a:t> : </a:t>
             </a:r>
           </a:p>
           <a:p>
@@ -4350,14 +6478,30 @@
               <a:buNone/>
             </a:pPr>
             <a:r>
-              <a:rPr lang="en-US" sz="2000"/>
+              <a:rPr lang="en-US" sz="1800" dirty="0">
+                <a:solidFill>
+                  <a:schemeClr val="bg1"/>
+                </a:solidFill>
+              </a:rPr>
               <a:t>	This is an analytical study to categories the crime and also to produce insight info to prevent or reduce the crime in future.</a:t>
             </a:r>
           </a:p>
           <a:p>
             <a:r>
-              <a:rPr lang="en-US" sz="2000"/>
-              <a:t>Why :</a:t>
+              <a:rPr lang="en-US" sz="1800" b="1" u="sng" dirty="0">
+                <a:solidFill>
+                  <a:schemeClr val="bg1"/>
+                </a:solidFill>
+              </a:rPr>
+              <a:t>Why</a:t>
+            </a:r>
+            <a:r>
+              <a:rPr lang="en-US" sz="1800" dirty="0">
+                <a:solidFill>
+                  <a:schemeClr val="bg1"/>
+                </a:solidFill>
+              </a:rPr>
+              <a:t> :</a:t>
             </a:r>
           </a:p>
           <a:p>
@@ -4365,14 +6509,38 @@
               <a:buNone/>
             </a:pPr>
             <a:r>
-              <a:rPr lang="en-US" sz="2000"/>
-              <a:t>	To produce valueble/useable insight from historical raw data which may helps to prevent crimes which mostly people get involved</a:t>
-            </a:r>
-          </a:p>
-          <a:p>
-            <a:r>
-              <a:rPr lang="en-US" sz="2000"/>
-              <a:t>Where :</a:t>
+              <a:rPr lang="en-US" sz="1800" dirty="0">
+                <a:solidFill>
+                  <a:schemeClr val="bg1"/>
+                </a:solidFill>
+              </a:rPr>
+              <a:t>	To produce valuable and useable insight from historical raw data which may helps to prevent crimes which mostly people get involved</a:t>
+            </a:r>
+          </a:p>
+          <a:p>
+            <a:r>
+              <a:rPr lang="en-US" sz="1800" b="1" u="sng" dirty="0">
+                <a:solidFill>
+                  <a:schemeClr val="bg1"/>
+                </a:solidFill>
+              </a:rPr>
+              <a:t>Where</a:t>
+            </a:r>
+            <a:r>
+              <a:rPr lang="en-US" sz="1800" b="1" dirty="0">
+                <a:solidFill>
+                  <a:schemeClr val="bg1"/>
+                </a:solidFill>
+              </a:rPr>
+              <a:t> </a:t>
+            </a:r>
+            <a:r>
+              <a:rPr lang="en-US" sz="1800" dirty="0">
+                <a:solidFill>
+                  <a:schemeClr val="bg1"/>
+                </a:solidFill>
+              </a:rPr>
+              <a:t>:</a:t>
             </a:r>
           </a:p>
           <a:p>
@@ -4380,14 +6548,30 @@
               <a:buNone/>
             </a:pPr>
             <a:r>
-              <a:rPr lang="en-US" sz="2000"/>
+              <a:rPr lang="en-US" sz="1800" dirty="0">
+                <a:solidFill>
+                  <a:schemeClr val="bg1"/>
+                </a:solidFill>
+              </a:rPr>
               <a:t>	Raw data of criminal report in London City (UK)</a:t>
             </a:r>
           </a:p>
           <a:p>
             <a:r>
-              <a:rPr lang="en-US" sz="2000"/>
-              <a:t>When : </a:t>
+              <a:rPr lang="en-US" sz="1800" b="1" u="sng" dirty="0">
+                <a:solidFill>
+                  <a:schemeClr val="bg1"/>
+                </a:solidFill>
+              </a:rPr>
+              <a:t>When</a:t>
+            </a:r>
+            <a:r>
+              <a:rPr lang="en-US" sz="1800" dirty="0">
+                <a:solidFill>
+                  <a:schemeClr val="bg1"/>
+                </a:solidFill>
+              </a:rPr>
+              <a:t> : </a:t>
             </a:r>
           </a:p>
           <a:p>
@@ -4395,37 +6579,1303 @@
               <a:buNone/>
             </a:pPr>
             <a:r>
-              <a:rPr lang="en-US" sz="2000"/>
+              <a:rPr lang="en-US" sz="1800" dirty="0">
+                <a:solidFill>
+                  <a:schemeClr val="bg1"/>
+                </a:solidFill>
+              </a:rPr>
               <a:t>	Criminal record from Jan 2008 - Dec 2016</a:t>
             </a:r>
-            <a:endParaRPr lang="en-US"/>
-          </a:p>
-          <a:p>
-            <a:r>
-              <a:rPr lang="en-US" sz="2000"/>
-              <a:t>How:</a:t>
-            </a:r>
-            <a:endParaRPr lang="en-US"/>
+            <a:endParaRPr lang="en-US" sz="2800" dirty="0">
+              <a:solidFill>
+                <a:schemeClr val="bg1"/>
+              </a:solidFill>
+            </a:endParaRPr>
+          </a:p>
+          <a:p>
+            <a:r>
+              <a:rPr lang="en-US" sz="1800" b="1" u="sng" dirty="0">
+                <a:solidFill>
+                  <a:schemeClr val="bg1"/>
+                </a:solidFill>
+              </a:rPr>
+              <a:t>How</a:t>
+            </a:r>
+            <a:r>
+              <a:rPr lang="en-US" sz="1800" dirty="0">
+                <a:solidFill>
+                  <a:schemeClr val="bg1"/>
+                </a:solidFill>
+              </a:rPr>
+              <a:t> :</a:t>
+            </a:r>
+            <a:endParaRPr lang="en-US" sz="2800" dirty="0">
+              <a:solidFill>
+                <a:schemeClr val="bg1"/>
+              </a:solidFill>
+            </a:endParaRPr>
           </a:p>
           <a:p>
             <a:pPr marL="0" indent="0">
               <a:buNone/>
             </a:pPr>
             <a:r>
-              <a:rPr lang="en-US"/>
+              <a:rPr lang="en-US" sz="2800" dirty="0">
+                <a:solidFill>
+                  <a:schemeClr val="bg1"/>
+                </a:solidFill>
+              </a:rPr>
               <a:t>	</a:t>
             </a:r>
             <a:r>
-              <a:rPr lang="en-US" sz="2000"/>
-              <a:t>Use few analytical tools to process the raw data and comeout with useful insight/prediction.</a:t>
-            </a:r>
-          </a:p>
-          <a:p>
-            <a:endParaRPr lang="en-US" sz="2000"/>
+              <a:rPr lang="en-US" sz="1800" dirty="0">
+                <a:solidFill>
+                  <a:schemeClr val="bg1"/>
+                </a:solidFill>
+              </a:rPr>
+              <a:t>Use few analytical tools to process the raw data and come out with useful insight and prediction.</a:t>
+            </a:r>
+          </a:p>
+          <a:p>
+            <a:endParaRPr lang="en-US" sz="1800" dirty="0">
+              <a:solidFill>
+                <a:schemeClr val="bg1"/>
+              </a:solidFill>
+            </a:endParaRPr>
           </a:p>
         </p:txBody>
       </p:sp>
     </p:spTree>
+  </p:cSld>
+  <p:clrMapOvr>
+    <a:masterClrMapping/>
+  </p:clrMapOvr>
+</p:sld>
+</file>
+
+<file path=ppt/slides/slide20.xml><?xml version="1.0" encoding="utf-8"?>
+<p:sld xmlns:a="http://schemas.openxmlformats.org/drawingml/2006/main" xmlns:r="http://schemas.openxmlformats.org/officeDocument/2006/relationships" xmlns:p="http://schemas.openxmlformats.org/presentationml/2006/main">
+  <p:cSld>
+    <p:spTree>
+      <p:nvGrpSpPr>
+        <p:cNvPr id="1" name=""/>
+        <p:cNvGrpSpPr/>
+        <p:nvPr/>
+      </p:nvGrpSpPr>
+      <p:grpSpPr>
+        <a:xfrm>
+          <a:off x="0" y="0"/>
+          <a:ext cx="0" cy="0"/>
+          <a:chOff x="0" y="0"/>
+          <a:chExt cx="0" cy="0"/>
+        </a:xfrm>
+      </p:grpSpPr>
+      <p:sp>
+        <p:nvSpPr>
+          <p:cNvPr id="2" name="Title 1"/>
+          <p:cNvSpPr>
+            <a:spLocks noGrp="1"/>
+          </p:cNvSpPr>
+          <p:nvPr>
+            <p:ph type="title"/>
+          </p:nvPr>
+        </p:nvSpPr>
+        <p:spPr>
+          <a:xfrm>
+            <a:off x="609600" y="94933"/>
+            <a:ext cx="10972800" cy="1143000"/>
+          </a:xfrm>
+        </p:spPr>
+        <p:txBody>
+          <a:bodyPr/>
+          <a:lstStyle/>
+          <a:p>
+            <a:r>
+              <a:rPr lang="en-MY" dirty="0">
+                <a:solidFill>
+                  <a:schemeClr val="bg1"/>
+                </a:solidFill>
+              </a:rPr>
+              <a:t>Categorical Variables Analysis :</a:t>
+            </a:r>
+            <a:endParaRPr lang="en-US" dirty="0">
+              <a:solidFill>
+                <a:schemeClr val="bg1"/>
+              </a:solidFill>
+            </a:endParaRPr>
+          </a:p>
+        </p:txBody>
+      </p:sp>
+      <p:pic>
+        <p:nvPicPr>
+          <p:cNvPr id="4" name="Picture 3">
+            <a:extLst>
+              <a:ext uri="{FF2B5EF4-FFF2-40B4-BE49-F238E27FC236}">
+                <a16:creationId xmlns:a16="http://schemas.microsoft.com/office/drawing/2014/main" id="{C427CC56-BD28-AB43-AC37-DB57487D6570}"/>
+              </a:ext>
+            </a:extLst>
+          </p:cNvPr>
+          <p:cNvPicPr>
+            <a:picLocks noChangeAspect="1"/>
+          </p:cNvPicPr>
+          <p:nvPr/>
+        </p:nvPicPr>
+        <p:blipFill>
+          <a:blip r:embed="rId2">
+            <a:extLst>
+              <a:ext uri="{28A0092B-C50C-407E-A947-70E740481C1C}">
+                <a14:useLocalDpi xmlns:a14="http://schemas.microsoft.com/office/drawing/2010/main" val="0"/>
+              </a:ext>
+            </a:extLst>
+          </a:blip>
+          <a:srcRect/>
+          <a:stretch/>
+        </p:blipFill>
+        <p:spPr>
+          <a:xfrm>
+            <a:off x="1938168" y="1075141"/>
+            <a:ext cx="3766242" cy="3903697"/>
+          </a:xfrm>
+          <a:prstGeom prst="rect">
+            <a:avLst/>
+          </a:prstGeom>
+        </p:spPr>
+      </p:pic>
+      <p:pic>
+        <p:nvPicPr>
+          <p:cNvPr id="6" name="Picture 5">
+            <a:extLst>
+              <a:ext uri="{FF2B5EF4-FFF2-40B4-BE49-F238E27FC236}">
+                <a16:creationId xmlns:a16="http://schemas.microsoft.com/office/drawing/2014/main" id="{EFE4781E-97FA-AF4B-BC70-EC5C4F613E91}"/>
+              </a:ext>
+            </a:extLst>
+          </p:cNvPr>
+          <p:cNvPicPr>
+            <a:picLocks noChangeAspect="1"/>
+          </p:cNvPicPr>
+          <p:nvPr/>
+        </p:nvPicPr>
+        <p:blipFill>
+          <a:blip r:embed="rId3">
+            <a:extLst>
+              <a:ext uri="{28A0092B-C50C-407E-A947-70E740481C1C}">
+                <a14:useLocalDpi xmlns:a14="http://schemas.microsoft.com/office/drawing/2010/main" val="0"/>
+              </a:ext>
+            </a:extLst>
+          </a:blip>
+          <a:srcRect/>
+          <a:stretch/>
+        </p:blipFill>
+        <p:spPr>
+          <a:xfrm>
+            <a:off x="6439036" y="1190503"/>
+            <a:ext cx="4111705" cy="3672973"/>
+          </a:xfrm>
+          <a:prstGeom prst="rect">
+            <a:avLst/>
+          </a:prstGeom>
+        </p:spPr>
+      </p:pic>
+    </p:spTree>
+    <p:extLst>
+      <p:ext uri="{BB962C8B-B14F-4D97-AF65-F5344CB8AC3E}">
+        <p14:creationId xmlns:p14="http://schemas.microsoft.com/office/powerpoint/2010/main" val="142535926"/>
+      </p:ext>
+    </p:extLst>
+  </p:cSld>
+  <p:clrMapOvr>
+    <a:masterClrMapping/>
+  </p:clrMapOvr>
+</p:sld>
+</file>
+
+<file path=ppt/slides/slide21.xml><?xml version="1.0" encoding="utf-8"?>
+<p:sld xmlns:a="http://schemas.openxmlformats.org/drawingml/2006/main" xmlns:r="http://schemas.openxmlformats.org/officeDocument/2006/relationships" xmlns:p="http://schemas.openxmlformats.org/presentationml/2006/main">
+  <p:cSld>
+    <p:spTree>
+      <p:nvGrpSpPr>
+        <p:cNvPr id="1" name=""/>
+        <p:cNvGrpSpPr/>
+        <p:nvPr/>
+      </p:nvGrpSpPr>
+      <p:grpSpPr>
+        <a:xfrm>
+          <a:off x="0" y="0"/>
+          <a:ext cx="0" cy="0"/>
+          <a:chOff x="0" y="0"/>
+          <a:chExt cx="0" cy="0"/>
+        </a:xfrm>
+      </p:grpSpPr>
+      <p:sp>
+        <p:nvSpPr>
+          <p:cNvPr id="2" name="Title 1"/>
+          <p:cNvSpPr>
+            <a:spLocks noGrp="1"/>
+          </p:cNvSpPr>
+          <p:nvPr>
+            <p:ph type="title"/>
+          </p:nvPr>
+        </p:nvSpPr>
+        <p:spPr>
+          <a:xfrm>
+            <a:off x="609600" y="94933"/>
+            <a:ext cx="10972800" cy="1143000"/>
+          </a:xfrm>
+        </p:spPr>
+        <p:txBody>
+          <a:bodyPr/>
+          <a:lstStyle/>
+          <a:p>
+            <a:r>
+              <a:rPr lang="en-MY" dirty="0">
+                <a:solidFill>
+                  <a:schemeClr val="bg1"/>
+                </a:solidFill>
+              </a:rPr>
+              <a:t>Categorical Variables Analysis :</a:t>
+            </a:r>
+            <a:endParaRPr lang="en-US" dirty="0">
+              <a:solidFill>
+                <a:schemeClr val="bg1"/>
+              </a:solidFill>
+            </a:endParaRPr>
+          </a:p>
+        </p:txBody>
+      </p:sp>
+      <p:sp>
+        <p:nvSpPr>
+          <p:cNvPr id="5" name="Content Placeholder 2">
+            <a:extLst>
+              <a:ext uri="{FF2B5EF4-FFF2-40B4-BE49-F238E27FC236}">
+                <a16:creationId xmlns:a16="http://schemas.microsoft.com/office/drawing/2014/main" id="{A00D42CA-0F31-8246-AF7C-B27BAE3F4210}"/>
+              </a:ext>
+            </a:extLst>
+          </p:cNvPr>
+          <p:cNvSpPr txBox="1">
+            <a:spLocks/>
+          </p:cNvSpPr>
+          <p:nvPr/>
+        </p:nvSpPr>
+        <p:spPr>
+          <a:xfrm>
+            <a:off x="880533" y="1080911"/>
+            <a:ext cx="10972800" cy="1312333"/>
+          </a:xfrm>
+          <a:prstGeom prst="rect">
+            <a:avLst/>
+          </a:prstGeom>
+          <a:noFill/>
+          <a:ln w="9525">
+            <a:noFill/>
+          </a:ln>
+        </p:spPr>
+        <p:txBody>
+          <a:bodyPr/>
+          <a:lstStyle>
+            <a:lvl1pPr marL="342900" lvl="0" indent="-342900" algn="l" defTabSz="914400" rtl="0" eaLnBrk="1" fontAlgn="base" latinLnBrk="0" hangingPunct="1">
+              <a:lnSpc>
+                <a:spcPct val="100000"/>
+              </a:lnSpc>
+              <a:spcBef>
+                <a:spcPct val="20000"/>
+              </a:spcBef>
+              <a:spcAft>
+                <a:spcPct val="0"/>
+              </a:spcAft>
+              <a:buChar char="•"/>
+              <a:defRPr sz="3200" b="0" i="0" u="none" kern="1200" baseline="0">
+                <a:solidFill>
+                  <a:schemeClr val="tx1"/>
+                </a:solidFill>
+                <a:latin typeface="+mn-lt"/>
+                <a:ea typeface="+mn-ea"/>
+                <a:cs typeface="+mn-cs"/>
+              </a:defRPr>
+            </a:lvl1pPr>
+            <a:lvl2pPr marL="742950" lvl="1" indent="-285750" algn="l" defTabSz="914400" rtl="0" eaLnBrk="1" fontAlgn="base" latinLnBrk="0" hangingPunct="1">
+              <a:lnSpc>
+                <a:spcPct val="100000"/>
+              </a:lnSpc>
+              <a:spcBef>
+                <a:spcPct val="20000"/>
+              </a:spcBef>
+              <a:spcAft>
+                <a:spcPct val="0"/>
+              </a:spcAft>
+              <a:buChar char="–"/>
+              <a:defRPr sz="2800" b="0" i="0" u="none" kern="1200" baseline="0">
+                <a:solidFill>
+                  <a:schemeClr val="tx1"/>
+                </a:solidFill>
+                <a:latin typeface="+mn-lt"/>
+                <a:ea typeface="+mn-ea"/>
+                <a:cs typeface="+mn-cs"/>
+              </a:defRPr>
+            </a:lvl2pPr>
+            <a:lvl3pPr marL="1143000" lvl="2" indent="-228600" algn="l" defTabSz="914400" rtl="0" eaLnBrk="1" fontAlgn="base" latinLnBrk="0" hangingPunct="1">
+              <a:lnSpc>
+                <a:spcPct val="100000"/>
+              </a:lnSpc>
+              <a:spcBef>
+                <a:spcPct val="20000"/>
+              </a:spcBef>
+              <a:spcAft>
+                <a:spcPct val="0"/>
+              </a:spcAft>
+              <a:buChar char="•"/>
+              <a:defRPr sz="2400" b="0" i="0" u="none" kern="1200" baseline="0">
+                <a:solidFill>
+                  <a:schemeClr val="tx1"/>
+                </a:solidFill>
+                <a:latin typeface="+mn-lt"/>
+                <a:ea typeface="+mn-ea"/>
+                <a:cs typeface="+mn-cs"/>
+              </a:defRPr>
+            </a:lvl3pPr>
+            <a:lvl4pPr marL="1600200" lvl="3" indent="-228600" algn="l" defTabSz="914400" rtl="0" eaLnBrk="1" fontAlgn="base" latinLnBrk="0" hangingPunct="1">
+              <a:lnSpc>
+                <a:spcPct val="100000"/>
+              </a:lnSpc>
+              <a:spcBef>
+                <a:spcPct val="20000"/>
+              </a:spcBef>
+              <a:spcAft>
+                <a:spcPct val="0"/>
+              </a:spcAft>
+              <a:buChar char="–"/>
+              <a:defRPr sz="2000" b="0" i="0" u="none" kern="1200" baseline="0">
+                <a:solidFill>
+                  <a:schemeClr val="tx1"/>
+                </a:solidFill>
+                <a:latin typeface="+mn-lt"/>
+                <a:ea typeface="+mn-ea"/>
+                <a:cs typeface="+mn-cs"/>
+              </a:defRPr>
+            </a:lvl4pPr>
+            <a:lvl5pPr marL="2057400" lvl="4" indent="-228600" algn="l" defTabSz="914400" rtl="0" eaLnBrk="1" fontAlgn="base" latinLnBrk="0" hangingPunct="1">
+              <a:lnSpc>
+                <a:spcPct val="100000"/>
+              </a:lnSpc>
+              <a:spcBef>
+                <a:spcPct val="20000"/>
+              </a:spcBef>
+              <a:spcAft>
+                <a:spcPct val="0"/>
+              </a:spcAft>
+              <a:buChar char="»"/>
+              <a:defRPr sz="2000" b="0" i="0" u="none" kern="1200" baseline="0">
+                <a:solidFill>
+                  <a:schemeClr val="tx1"/>
+                </a:solidFill>
+                <a:latin typeface="+mn-lt"/>
+                <a:ea typeface="+mn-ea"/>
+                <a:cs typeface="+mn-cs"/>
+              </a:defRPr>
+            </a:lvl5pPr>
+            <a:lvl6pPr marL="2514600" lvl="5" indent="-228600" algn="l" defTabSz="914400" rtl="0" eaLnBrk="1" fontAlgn="base" latinLnBrk="0" hangingPunct="1">
+              <a:lnSpc>
+                <a:spcPct val="100000"/>
+              </a:lnSpc>
+              <a:spcBef>
+                <a:spcPct val="20000"/>
+              </a:spcBef>
+              <a:spcAft>
+                <a:spcPct val="0"/>
+              </a:spcAft>
+              <a:buChar char="»"/>
+              <a:defRPr sz="2000" b="0" i="0" u="none" kern="1200" baseline="0">
+                <a:solidFill>
+                  <a:schemeClr val="tx1"/>
+                </a:solidFill>
+                <a:latin typeface="+mn-lt"/>
+                <a:ea typeface="+mn-ea"/>
+                <a:cs typeface="+mn-cs"/>
+              </a:defRPr>
+            </a:lvl6pPr>
+            <a:lvl7pPr marL="2971800" lvl="6" indent="-228600" algn="l" defTabSz="914400" rtl="0" eaLnBrk="1" fontAlgn="base" latinLnBrk="0" hangingPunct="1">
+              <a:lnSpc>
+                <a:spcPct val="100000"/>
+              </a:lnSpc>
+              <a:spcBef>
+                <a:spcPct val="20000"/>
+              </a:spcBef>
+              <a:spcAft>
+                <a:spcPct val="0"/>
+              </a:spcAft>
+              <a:buChar char="»"/>
+              <a:defRPr sz="2000" b="0" i="0" u="none" kern="1200" baseline="0">
+                <a:solidFill>
+                  <a:schemeClr val="tx1"/>
+                </a:solidFill>
+                <a:latin typeface="+mn-lt"/>
+                <a:ea typeface="+mn-ea"/>
+                <a:cs typeface="+mn-cs"/>
+              </a:defRPr>
+            </a:lvl7pPr>
+            <a:lvl8pPr marL="3429000" lvl="7" indent="-228600" algn="l" defTabSz="914400" rtl="0" eaLnBrk="1" fontAlgn="base" latinLnBrk="0" hangingPunct="1">
+              <a:lnSpc>
+                <a:spcPct val="100000"/>
+              </a:lnSpc>
+              <a:spcBef>
+                <a:spcPct val="20000"/>
+              </a:spcBef>
+              <a:spcAft>
+                <a:spcPct val="0"/>
+              </a:spcAft>
+              <a:buChar char="»"/>
+              <a:defRPr sz="2000" b="0" i="0" u="none" kern="1200" baseline="0">
+                <a:solidFill>
+                  <a:schemeClr val="tx1"/>
+                </a:solidFill>
+                <a:latin typeface="+mn-lt"/>
+                <a:ea typeface="+mn-ea"/>
+                <a:cs typeface="+mn-cs"/>
+              </a:defRPr>
+            </a:lvl8pPr>
+            <a:lvl9pPr marL="3886200" lvl="8" indent="-228600" algn="l" defTabSz="914400" rtl="0" eaLnBrk="1" fontAlgn="base" latinLnBrk="0" hangingPunct="1">
+              <a:lnSpc>
+                <a:spcPct val="100000"/>
+              </a:lnSpc>
+              <a:spcBef>
+                <a:spcPct val="20000"/>
+              </a:spcBef>
+              <a:spcAft>
+                <a:spcPct val="0"/>
+              </a:spcAft>
+              <a:buChar char="»"/>
+              <a:defRPr sz="2000" b="0" i="0" u="none" kern="1200" baseline="0">
+                <a:solidFill>
+                  <a:schemeClr val="tx1"/>
+                </a:solidFill>
+                <a:latin typeface="+mn-lt"/>
+                <a:ea typeface="+mn-ea"/>
+                <a:cs typeface="+mn-cs"/>
+              </a:defRPr>
+            </a:lvl9pPr>
+          </a:lstStyle>
+          <a:p>
+            <a:pPr marL="514350" indent="-514350">
+              <a:buFont typeface="+mj-lt"/>
+              <a:buAutoNum type="arabicPeriod"/>
+            </a:pPr>
+            <a:r>
+              <a:rPr lang="en-MY" sz="2400" dirty="0">
+                <a:solidFill>
+                  <a:schemeClr val="bg1"/>
+                </a:solidFill>
+              </a:rPr>
+              <a:t>Despite being Lambeth the most popular borough among the cropped dataset's records, the most dangerous is actually Westminster, as depicted in the visualizations.</a:t>
+            </a:r>
+          </a:p>
+          <a:p>
+            <a:pPr marL="514350" indent="-514350">
+              <a:buFont typeface="+mj-lt"/>
+              <a:buAutoNum type="arabicPeriod"/>
+            </a:pPr>
+            <a:r>
+              <a:rPr lang="en-MY" sz="2400" dirty="0">
+                <a:solidFill>
+                  <a:schemeClr val="bg1"/>
+                </a:solidFill>
+              </a:rPr>
+              <a:t>Theft and Handling is the most frequent major category crime and Other Theft is the most frequent minor category crime.</a:t>
+            </a:r>
+          </a:p>
+        </p:txBody>
+      </p:sp>
+    </p:spTree>
+    <p:extLst>
+      <p:ext uri="{BB962C8B-B14F-4D97-AF65-F5344CB8AC3E}">
+        <p14:creationId xmlns:p14="http://schemas.microsoft.com/office/powerpoint/2010/main" val="492547667"/>
+      </p:ext>
+    </p:extLst>
+  </p:cSld>
+  <p:clrMapOvr>
+    <a:masterClrMapping/>
+  </p:clrMapOvr>
+</p:sld>
+</file>
+
+<file path=ppt/slides/slide22.xml><?xml version="1.0" encoding="utf-8"?>
+<p:sld xmlns:a="http://schemas.openxmlformats.org/drawingml/2006/main" xmlns:r="http://schemas.openxmlformats.org/officeDocument/2006/relationships" xmlns:p="http://schemas.openxmlformats.org/presentationml/2006/main">
+  <p:cSld>
+    <p:spTree>
+      <p:nvGrpSpPr>
+        <p:cNvPr id="1" name=""/>
+        <p:cNvGrpSpPr/>
+        <p:nvPr/>
+      </p:nvGrpSpPr>
+      <p:grpSpPr>
+        <a:xfrm>
+          <a:off x="0" y="0"/>
+          <a:ext cx="0" cy="0"/>
+          <a:chOff x="0" y="0"/>
+          <a:chExt cx="0" cy="0"/>
+        </a:xfrm>
+      </p:grpSpPr>
+      <p:sp>
+        <p:nvSpPr>
+          <p:cNvPr id="2" name="Title 1"/>
+          <p:cNvSpPr>
+            <a:spLocks noGrp="1"/>
+          </p:cNvSpPr>
+          <p:nvPr>
+            <p:ph type="title"/>
+          </p:nvPr>
+        </p:nvSpPr>
+        <p:spPr>
+          <a:xfrm>
+            <a:off x="609600" y="94933"/>
+            <a:ext cx="10972800" cy="1143000"/>
+          </a:xfrm>
+        </p:spPr>
+        <p:txBody>
+          <a:bodyPr/>
+          <a:lstStyle/>
+          <a:p>
+            <a:r>
+              <a:rPr lang="en-MY" dirty="0">
+                <a:solidFill>
+                  <a:schemeClr val="bg1"/>
+                </a:solidFill>
+              </a:rPr>
+              <a:t>Correlation</a:t>
+            </a:r>
+            <a:endParaRPr lang="en-US" dirty="0">
+              <a:solidFill>
+                <a:schemeClr val="bg1"/>
+              </a:solidFill>
+            </a:endParaRPr>
+          </a:p>
+        </p:txBody>
+      </p:sp>
+      <p:pic>
+        <p:nvPicPr>
+          <p:cNvPr id="4" name="Picture 3" descr="A screenshot of a cell phone&#10;&#10;Description automatically generated">
+            <a:extLst>
+              <a:ext uri="{FF2B5EF4-FFF2-40B4-BE49-F238E27FC236}">
+                <a16:creationId xmlns:a16="http://schemas.microsoft.com/office/drawing/2014/main" id="{CBD16417-453E-9347-B995-C77F9F9CA6CC}"/>
+              </a:ext>
+            </a:extLst>
+          </p:cNvPr>
+          <p:cNvPicPr>
+            <a:picLocks noChangeAspect="1"/>
+          </p:cNvPicPr>
+          <p:nvPr/>
+        </p:nvPicPr>
+        <p:blipFill rotWithShape="1">
+          <a:blip r:embed="rId2">
+            <a:extLst>
+              <a:ext uri="{28A0092B-C50C-407E-A947-70E740481C1C}">
+                <a14:useLocalDpi xmlns:a14="http://schemas.microsoft.com/office/drawing/2010/main" val="0"/>
+              </a:ext>
+            </a:extLst>
+          </a:blip>
+          <a:srcRect r="27828" b="33053"/>
+          <a:stretch/>
+        </p:blipFill>
+        <p:spPr>
+          <a:xfrm>
+            <a:off x="3128160" y="1023444"/>
+            <a:ext cx="5935679" cy="2035186"/>
+          </a:xfrm>
+          <a:prstGeom prst="rect">
+            <a:avLst/>
+          </a:prstGeom>
+        </p:spPr>
+      </p:pic>
+      <p:sp>
+        <p:nvSpPr>
+          <p:cNvPr id="5" name="Content Placeholder 2">
+            <a:extLst>
+              <a:ext uri="{FF2B5EF4-FFF2-40B4-BE49-F238E27FC236}">
+                <a16:creationId xmlns:a16="http://schemas.microsoft.com/office/drawing/2014/main" id="{11562206-BE61-D54E-BF89-21CE4FC61745}"/>
+              </a:ext>
+            </a:extLst>
+          </p:cNvPr>
+          <p:cNvSpPr txBox="1">
+            <a:spLocks/>
+          </p:cNvSpPr>
+          <p:nvPr/>
+        </p:nvSpPr>
+        <p:spPr>
+          <a:xfrm>
+            <a:off x="982132" y="3172928"/>
+            <a:ext cx="10972800" cy="1312333"/>
+          </a:xfrm>
+          <a:prstGeom prst="rect">
+            <a:avLst/>
+          </a:prstGeom>
+          <a:noFill/>
+          <a:ln w="9525">
+            <a:noFill/>
+          </a:ln>
+        </p:spPr>
+        <p:txBody>
+          <a:bodyPr/>
+          <a:lstStyle>
+            <a:lvl1pPr marL="342900" lvl="0" indent="-342900" algn="l" defTabSz="914400" rtl="0" eaLnBrk="1" fontAlgn="base" latinLnBrk="0" hangingPunct="1">
+              <a:lnSpc>
+                <a:spcPct val="100000"/>
+              </a:lnSpc>
+              <a:spcBef>
+                <a:spcPct val="20000"/>
+              </a:spcBef>
+              <a:spcAft>
+                <a:spcPct val="0"/>
+              </a:spcAft>
+              <a:buChar char="•"/>
+              <a:defRPr sz="3200" b="0" i="0" u="none" kern="1200" baseline="0">
+                <a:solidFill>
+                  <a:schemeClr val="tx1"/>
+                </a:solidFill>
+                <a:latin typeface="+mn-lt"/>
+                <a:ea typeface="+mn-ea"/>
+                <a:cs typeface="+mn-cs"/>
+              </a:defRPr>
+            </a:lvl1pPr>
+            <a:lvl2pPr marL="742950" lvl="1" indent="-285750" algn="l" defTabSz="914400" rtl="0" eaLnBrk="1" fontAlgn="base" latinLnBrk="0" hangingPunct="1">
+              <a:lnSpc>
+                <a:spcPct val="100000"/>
+              </a:lnSpc>
+              <a:spcBef>
+                <a:spcPct val="20000"/>
+              </a:spcBef>
+              <a:spcAft>
+                <a:spcPct val="0"/>
+              </a:spcAft>
+              <a:buChar char="–"/>
+              <a:defRPr sz="2800" b="0" i="0" u="none" kern="1200" baseline="0">
+                <a:solidFill>
+                  <a:schemeClr val="tx1"/>
+                </a:solidFill>
+                <a:latin typeface="+mn-lt"/>
+                <a:ea typeface="+mn-ea"/>
+                <a:cs typeface="+mn-cs"/>
+              </a:defRPr>
+            </a:lvl2pPr>
+            <a:lvl3pPr marL="1143000" lvl="2" indent="-228600" algn="l" defTabSz="914400" rtl="0" eaLnBrk="1" fontAlgn="base" latinLnBrk="0" hangingPunct="1">
+              <a:lnSpc>
+                <a:spcPct val="100000"/>
+              </a:lnSpc>
+              <a:spcBef>
+                <a:spcPct val="20000"/>
+              </a:spcBef>
+              <a:spcAft>
+                <a:spcPct val="0"/>
+              </a:spcAft>
+              <a:buChar char="•"/>
+              <a:defRPr sz="2400" b="0" i="0" u="none" kern="1200" baseline="0">
+                <a:solidFill>
+                  <a:schemeClr val="tx1"/>
+                </a:solidFill>
+                <a:latin typeface="+mn-lt"/>
+                <a:ea typeface="+mn-ea"/>
+                <a:cs typeface="+mn-cs"/>
+              </a:defRPr>
+            </a:lvl3pPr>
+            <a:lvl4pPr marL="1600200" lvl="3" indent="-228600" algn="l" defTabSz="914400" rtl="0" eaLnBrk="1" fontAlgn="base" latinLnBrk="0" hangingPunct="1">
+              <a:lnSpc>
+                <a:spcPct val="100000"/>
+              </a:lnSpc>
+              <a:spcBef>
+                <a:spcPct val="20000"/>
+              </a:spcBef>
+              <a:spcAft>
+                <a:spcPct val="0"/>
+              </a:spcAft>
+              <a:buChar char="–"/>
+              <a:defRPr sz="2000" b="0" i="0" u="none" kern="1200" baseline="0">
+                <a:solidFill>
+                  <a:schemeClr val="tx1"/>
+                </a:solidFill>
+                <a:latin typeface="+mn-lt"/>
+                <a:ea typeface="+mn-ea"/>
+                <a:cs typeface="+mn-cs"/>
+              </a:defRPr>
+            </a:lvl4pPr>
+            <a:lvl5pPr marL="2057400" lvl="4" indent="-228600" algn="l" defTabSz="914400" rtl="0" eaLnBrk="1" fontAlgn="base" latinLnBrk="0" hangingPunct="1">
+              <a:lnSpc>
+                <a:spcPct val="100000"/>
+              </a:lnSpc>
+              <a:spcBef>
+                <a:spcPct val="20000"/>
+              </a:spcBef>
+              <a:spcAft>
+                <a:spcPct val="0"/>
+              </a:spcAft>
+              <a:buChar char="»"/>
+              <a:defRPr sz="2000" b="0" i="0" u="none" kern="1200" baseline="0">
+                <a:solidFill>
+                  <a:schemeClr val="tx1"/>
+                </a:solidFill>
+                <a:latin typeface="+mn-lt"/>
+                <a:ea typeface="+mn-ea"/>
+                <a:cs typeface="+mn-cs"/>
+              </a:defRPr>
+            </a:lvl5pPr>
+            <a:lvl6pPr marL="2514600" lvl="5" indent="-228600" algn="l" defTabSz="914400" rtl="0" eaLnBrk="1" fontAlgn="base" latinLnBrk="0" hangingPunct="1">
+              <a:lnSpc>
+                <a:spcPct val="100000"/>
+              </a:lnSpc>
+              <a:spcBef>
+                <a:spcPct val="20000"/>
+              </a:spcBef>
+              <a:spcAft>
+                <a:spcPct val="0"/>
+              </a:spcAft>
+              <a:buChar char="»"/>
+              <a:defRPr sz="2000" b="0" i="0" u="none" kern="1200" baseline="0">
+                <a:solidFill>
+                  <a:schemeClr val="tx1"/>
+                </a:solidFill>
+                <a:latin typeface="+mn-lt"/>
+                <a:ea typeface="+mn-ea"/>
+                <a:cs typeface="+mn-cs"/>
+              </a:defRPr>
+            </a:lvl6pPr>
+            <a:lvl7pPr marL="2971800" lvl="6" indent="-228600" algn="l" defTabSz="914400" rtl="0" eaLnBrk="1" fontAlgn="base" latinLnBrk="0" hangingPunct="1">
+              <a:lnSpc>
+                <a:spcPct val="100000"/>
+              </a:lnSpc>
+              <a:spcBef>
+                <a:spcPct val="20000"/>
+              </a:spcBef>
+              <a:spcAft>
+                <a:spcPct val="0"/>
+              </a:spcAft>
+              <a:buChar char="»"/>
+              <a:defRPr sz="2000" b="0" i="0" u="none" kern="1200" baseline="0">
+                <a:solidFill>
+                  <a:schemeClr val="tx1"/>
+                </a:solidFill>
+                <a:latin typeface="+mn-lt"/>
+                <a:ea typeface="+mn-ea"/>
+                <a:cs typeface="+mn-cs"/>
+              </a:defRPr>
+            </a:lvl7pPr>
+            <a:lvl8pPr marL="3429000" lvl="7" indent="-228600" algn="l" defTabSz="914400" rtl="0" eaLnBrk="1" fontAlgn="base" latinLnBrk="0" hangingPunct="1">
+              <a:lnSpc>
+                <a:spcPct val="100000"/>
+              </a:lnSpc>
+              <a:spcBef>
+                <a:spcPct val="20000"/>
+              </a:spcBef>
+              <a:spcAft>
+                <a:spcPct val="0"/>
+              </a:spcAft>
+              <a:buChar char="»"/>
+              <a:defRPr sz="2000" b="0" i="0" u="none" kern="1200" baseline="0">
+                <a:solidFill>
+                  <a:schemeClr val="tx1"/>
+                </a:solidFill>
+                <a:latin typeface="+mn-lt"/>
+                <a:ea typeface="+mn-ea"/>
+                <a:cs typeface="+mn-cs"/>
+              </a:defRPr>
+            </a:lvl8pPr>
+            <a:lvl9pPr marL="3886200" lvl="8" indent="-228600" algn="l" defTabSz="914400" rtl="0" eaLnBrk="1" fontAlgn="base" latinLnBrk="0" hangingPunct="1">
+              <a:lnSpc>
+                <a:spcPct val="100000"/>
+              </a:lnSpc>
+              <a:spcBef>
+                <a:spcPct val="20000"/>
+              </a:spcBef>
+              <a:spcAft>
+                <a:spcPct val="0"/>
+              </a:spcAft>
+              <a:buChar char="»"/>
+              <a:defRPr sz="2000" b="0" i="0" u="none" kern="1200" baseline="0">
+                <a:solidFill>
+                  <a:schemeClr val="tx1"/>
+                </a:solidFill>
+                <a:latin typeface="+mn-lt"/>
+                <a:ea typeface="+mn-ea"/>
+                <a:cs typeface="+mn-cs"/>
+              </a:defRPr>
+            </a:lvl9pPr>
+          </a:lstStyle>
+          <a:p>
+            <a:pPr marL="514350" indent="-514350">
+              <a:buFont typeface="+mj-lt"/>
+              <a:buAutoNum type="arabicPeriod"/>
+            </a:pPr>
+            <a:r>
+              <a:rPr lang="en-MY" sz="2000" dirty="0">
+                <a:solidFill>
+                  <a:schemeClr val="bg1"/>
+                </a:solidFill>
+              </a:rPr>
+              <a:t>The results returned by the correlation analysis are not surprising as expected.</a:t>
+            </a:r>
+          </a:p>
+          <a:p>
+            <a:pPr marL="514350" indent="-514350">
+              <a:buFont typeface="+mj-lt"/>
+              <a:buAutoNum type="arabicPeriod"/>
+            </a:pPr>
+            <a:r>
+              <a:rPr lang="en-MY" sz="2000" dirty="0">
+                <a:solidFill>
+                  <a:schemeClr val="bg1"/>
+                </a:solidFill>
+              </a:rPr>
+              <a:t>The dataset is composed by a set of variables that are all </a:t>
+            </a:r>
+            <a:r>
+              <a:rPr lang="en-MY" sz="2000" b="1" dirty="0">
+                <a:solidFill>
+                  <a:schemeClr val="bg1"/>
+                </a:solidFill>
+              </a:rPr>
+              <a:t>depending</a:t>
+            </a:r>
+            <a:r>
+              <a:rPr lang="en-MY" sz="2000" dirty="0">
+                <a:solidFill>
+                  <a:schemeClr val="bg1"/>
+                </a:solidFill>
+              </a:rPr>
+              <a:t> on each other.</a:t>
+            </a:r>
+          </a:p>
+          <a:p>
+            <a:pPr marL="514350" indent="-514350">
+              <a:buFont typeface="+mj-lt"/>
+              <a:buAutoNum type="arabicPeriod"/>
+            </a:pPr>
+            <a:r>
+              <a:rPr lang="en-MY" sz="2000" dirty="0">
+                <a:solidFill>
+                  <a:schemeClr val="bg1"/>
+                </a:solidFill>
+              </a:rPr>
+              <a:t>In the correlation table above, the majority of variables have a relation with the other variables that can be classified as </a:t>
+            </a:r>
+            <a:r>
+              <a:rPr lang="en-MY" sz="2000" b="1" dirty="0">
+                <a:solidFill>
+                  <a:schemeClr val="bg1"/>
+                </a:solidFill>
+              </a:rPr>
+              <a:t>dependent</a:t>
+            </a:r>
+            <a:r>
+              <a:rPr lang="en-MY" sz="2000" dirty="0">
+                <a:solidFill>
+                  <a:schemeClr val="bg1"/>
+                </a:solidFill>
+              </a:rPr>
+              <a:t>, while the variables </a:t>
+            </a:r>
+            <a:r>
+              <a:rPr lang="en-MY" sz="2000" b="1" dirty="0" err="1">
+                <a:solidFill>
+                  <a:schemeClr val="bg1"/>
+                </a:solidFill>
+              </a:rPr>
+              <a:t>lsoa_code</a:t>
+            </a:r>
+            <a:r>
+              <a:rPr lang="en-MY" sz="2000" dirty="0">
+                <a:solidFill>
+                  <a:schemeClr val="bg1"/>
+                </a:solidFill>
+              </a:rPr>
+              <a:t> and </a:t>
+            </a:r>
+            <a:r>
+              <a:rPr lang="en-MY" sz="2000" b="1" dirty="0">
+                <a:solidFill>
+                  <a:schemeClr val="bg1"/>
+                </a:solidFill>
+              </a:rPr>
+              <a:t>month</a:t>
+            </a:r>
+            <a:r>
+              <a:rPr lang="en-MY" sz="2000" dirty="0">
+                <a:solidFill>
+                  <a:schemeClr val="bg1"/>
+                </a:solidFill>
+              </a:rPr>
+              <a:t> are classified as </a:t>
+            </a:r>
+            <a:r>
+              <a:rPr lang="en-MY" sz="2000" b="1" dirty="0">
+                <a:solidFill>
+                  <a:schemeClr val="bg1"/>
+                </a:solidFill>
+              </a:rPr>
+              <a:t>independent</a:t>
+            </a:r>
+            <a:r>
+              <a:rPr lang="en-MY" sz="2000" dirty="0">
+                <a:solidFill>
+                  <a:schemeClr val="bg1"/>
+                </a:solidFill>
+              </a:rPr>
+              <a:t>.</a:t>
+            </a:r>
+          </a:p>
+        </p:txBody>
+      </p:sp>
+    </p:spTree>
+    <p:extLst>
+      <p:ext uri="{BB962C8B-B14F-4D97-AF65-F5344CB8AC3E}">
+        <p14:creationId xmlns:p14="http://schemas.microsoft.com/office/powerpoint/2010/main" val="3610757962"/>
+      </p:ext>
+    </p:extLst>
+  </p:cSld>
+  <p:clrMapOvr>
+    <a:masterClrMapping/>
+  </p:clrMapOvr>
+</p:sld>
+</file>
+
+<file path=ppt/slides/slide23.xml><?xml version="1.0" encoding="utf-8"?>
+<p:sld xmlns:a="http://schemas.openxmlformats.org/drawingml/2006/main" xmlns:r="http://schemas.openxmlformats.org/officeDocument/2006/relationships" xmlns:p="http://schemas.openxmlformats.org/presentationml/2006/main">
+  <p:cSld>
+    <p:spTree>
+      <p:nvGrpSpPr>
+        <p:cNvPr id="1" name=""/>
+        <p:cNvGrpSpPr/>
+        <p:nvPr/>
+      </p:nvGrpSpPr>
+      <p:grpSpPr>
+        <a:xfrm>
+          <a:off x="0" y="0"/>
+          <a:ext cx="0" cy="0"/>
+          <a:chOff x="0" y="0"/>
+          <a:chExt cx="0" cy="0"/>
+        </a:xfrm>
+      </p:grpSpPr>
+      <p:sp>
+        <p:nvSpPr>
+          <p:cNvPr id="2" name="Title 1"/>
+          <p:cNvSpPr>
+            <a:spLocks noGrp="1"/>
+          </p:cNvSpPr>
+          <p:nvPr>
+            <p:ph type="title"/>
+          </p:nvPr>
+        </p:nvSpPr>
+        <p:spPr>
+          <a:xfrm>
+            <a:off x="609600" y="94933"/>
+            <a:ext cx="10972800" cy="1143000"/>
+          </a:xfrm>
+        </p:spPr>
+        <p:txBody>
+          <a:bodyPr/>
+          <a:lstStyle/>
+          <a:p>
+            <a:r>
+              <a:rPr lang="en-MY" dirty="0">
+                <a:solidFill>
+                  <a:schemeClr val="bg1"/>
+                </a:solidFill>
+              </a:rPr>
+              <a:t>Conclusion</a:t>
+            </a:r>
+            <a:endParaRPr lang="en-US" dirty="0">
+              <a:solidFill>
+                <a:schemeClr val="bg1"/>
+              </a:solidFill>
+            </a:endParaRPr>
+          </a:p>
+        </p:txBody>
+      </p:sp>
+      <p:sp>
+        <p:nvSpPr>
+          <p:cNvPr id="5" name="Content Placeholder 2">
+            <a:extLst>
+              <a:ext uri="{FF2B5EF4-FFF2-40B4-BE49-F238E27FC236}">
+                <a16:creationId xmlns:a16="http://schemas.microsoft.com/office/drawing/2014/main" id="{ED1D1682-2E89-D349-A538-1A20E6CEB576}"/>
+              </a:ext>
+            </a:extLst>
+          </p:cNvPr>
+          <p:cNvSpPr txBox="1">
+            <a:spLocks/>
+          </p:cNvSpPr>
+          <p:nvPr/>
+        </p:nvSpPr>
+        <p:spPr>
+          <a:xfrm>
+            <a:off x="880533" y="1080911"/>
+            <a:ext cx="10972800" cy="1312333"/>
+          </a:xfrm>
+          <a:prstGeom prst="rect">
+            <a:avLst/>
+          </a:prstGeom>
+          <a:noFill/>
+          <a:ln w="9525">
+            <a:noFill/>
+          </a:ln>
+        </p:spPr>
+        <p:txBody>
+          <a:bodyPr/>
+          <a:lstStyle>
+            <a:lvl1pPr marL="342900" lvl="0" indent="-342900" algn="l" defTabSz="914400" rtl="0" eaLnBrk="1" fontAlgn="base" latinLnBrk="0" hangingPunct="1">
+              <a:lnSpc>
+                <a:spcPct val="100000"/>
+              </a:lnSpc>
+              <a:spcBef>
+                <a:spcPct val="20000"/>
+              </a:spcBef>
+              <a:spcAft>
+                <a:spcPct val="0"/>
+              </a:spcAft>
+              <a:buChar char="•"/>
+              <a:defRPr sz="3200" b="0" i="0" u="none" kern="1200" baseline="0">
+                <a:solidFill>
+                  <a:schemeClr val="tx1"/>
+                </a:solidFill>
+                <a:latin typeface="+mn-lt"/>
+                <a:ea typeface="+mn-ea"/>
+                <a:cs typeface="+mn-cs"/>
+              </a:defRPr>
+            </a:lvl1pPr>
+            <a:lvl2pPr marL="742950" lvl="1" indent="-285750" algn="l" defTabSz="914400" rtl="0" eaLnBrk="1" fontAlgn="base" latinLnBrk="0" hangingPunct="1">
+              <a:lnSpc>
+                <a:spcPct val="100000"/>
+              </a:lnSpc>
+              <a:spcBef>
+                <a:spcPct val="20000"/>
+              </a:spcBef>
+              <a:spcAft>
+                <a:spcPct val="0"/>
+              </a:spcAft>
+              <a:buChar char="–"/>
+              <a:defRPr sz="2800" b="0" i="0" u="none" kern="1200" baseline="0">
+                <a:solidFill>
+                  <a:schemeClr val="tx1"/>
+                </a:solidFill>
+                <a:latin typeface="+mn-lt"/>
+                <a:ea typeface="+mn-ea"/>
+                <a:cs typeface="+mn-cs"/>
+              </a:defRPr>
+            </a:lvl2pPr>
+            <a:lvl3pPr marL="1143000" lvl="2" indent="-228600" algn="l" defTabSz="914400" rtl="0" eaLnBrk="1" fontAlgn="base" latinLnBrk="0" hangingPunct="1">
+              <a:lnSpc>
+                <a:spcPct val="100000"/>
+              </a:lnSpc>
+              <a:spcBef>
+                <a:spcPct val="20000"/>
+              </a:spcBef>
+              <a:spcAft>
+                <a:spcPct val="0"/>
+              </a:spcAft>
+              <a:buChar char="•"/>
+              <a:defRPr sz="2400" b="0" i="0" u="none" kern="1200" baseline="0">
+                <a:solidFill>
+                  <a:schemeClr val="tx1"/>
+                </a:solidFill>
+                <a:latin typeface="+mn-lt"/>
+                <a:ea typeface="+mn-ea"/>
+                <a:cs typeface="+mn-cs"/>
+              </a:defRPr>
+            </a:lvl3pPr>
+            <a:lvl4pPr marL="1600200" lvl="3" indent="-228600" algn="l" defTabSz="914400" rtl="0" eaLnBrk="1" fontAlgn="base" latinLnBrk="0" hangingPunct="1">
+              <a:lnSpc>
+                <a:spcPct val="100000"/>
+              </a:lnSpc>
+              <a:spcBef>
+                <a:spcPct val="20000"/>
+              </a:spcBef>
+              <a:spcAft>
+                <a:spcPct val="0"/>
+              </a:spcAft>
+              <a:buChar char="–"/>
+              <a:defRPr sz="2000" b="0" i="0" u="none" kern="1200" baseline="0">
+                <a:solidFill>
+                  <a:schemeClr val="tx1"/>
+                </a:solidFill>
+                <a:latin typeface="+mn-lt"/>
+                <a:ea typeface="+mn-ea"/>
+                <a:cs typeface="+mn-cs"/>
+              </a:defRPr>
+            </a:lvl4pPr>
+            <a:lvl5pPr marL="2057400" lvl="4" indent="-228600" algn="l" defTabSz="914400" rtl="0" eaLnBrk="1" fontAlgn="base" latinLnBrk="0" hangingPunct="1">
+              <a:lnSpc>
+                <a:spcPct val="100000"/>
+              </a:lnSpc>
+              <a:spcBef>
+                <a:spcPct val="20000"/>
+              </a:spcBef>
+              <a:spcAft>
+                <a:spcPct val="0"/>
+              </a:spcAft>
+              <a:buChar char="»"/>
+              <a:defRPr sz="2000" b="0" i="0" u="none" kern="1200" baseline="0">
+                <a:solidFill>
+                  <a:schemeClr val="tx1"/>
+                </a:solidFill>
+                <a:latin typeface="+mn-lt"/>
+                <a:ea typeface="+mn-ea"/>
+                <a:cs typeface="+mn-cs"/>
+              </a:defRPr>
+            </a:lvl5pPr>
+            <a:lvl6pPr marL="2514600" lvl="5" indent="-228600" algn="l" defTabSz="914400" rtl="0" eaLnBrk="1" fontAlgn="base" latinLnBrk="0" hangingPunct="1">
+              <a:lnSpc>
+                <a:spcPct val="100000"/>
+              </a:lnSpc>
+              <a:spcBef>
+                <a:spcPct val="20000"/>
+              </a:spcBef>
+              <a:spcAft>
+                <a:spcPct val="0"/>
+              </a:spcAft>
+              <a:buChar char="»"/>
+              <a:defRPr sz="2000" b="0" i="0" u="none" kern="1200" baseline="0">
+                <a:solidFill>
+                  <a:schemeClr val="tx1"/>
+                </a:solidFill>
+                <a:latin typeface="+mn-lt"/>
+                <a:ea typeface="+mn-ea"/>
+                <a:cs typeface="+mn-cs"/>
+              </a:defRPr>
+            </a:lvl6pPr>
+            <a:lvl7pPr marL="2971800" lvl="6" indent="-228600" algn="l" defTabSz="914400" rtl="0" eaLnBrk="1" fontAlgn="base" latinLnBrk="0" hangingPunct="1">
+              <a:lnSpc>
+                <a:spcPct val="100000"/>
+              </a:lnSpc>
+              <a:spcBef>
+                <a:spcPct val="20000"/>
+              </a:spcBef>
+              <a:spcAft>
+                <a:spcPct val="0"/>
+              </a:spcAft>
+              <a:buChar char="»"/>
+              <a:defRPr sz="2000" b="0" i="0" u="none" kern="1200" baseline="0">
+                <a:solidFill>
+                  <a:schemeClr val="tx1"/>
+                </a:solidFill>
+                <a:latin typeface="+mn-lt"/>
+                <a:ea typeface="+mn-ea"/>
+                <a:cs typeface="+mn-cs"/>
+              </a:defRPr>
+            </a:lvl7pPr>
+            <a:lvl8pPr marL="3429000" lvl="7" indent="-228600" algn="l" defTabSz="914400" rtl="0" eaLnBrk="1" fontAlgn="base" latinLnBrk="0" hangingPunct="1">
+              <a:lnSpc>
+                <a:spcPct val="100000"/>
+              </a:lnSpc>
+              <a:spcBef>
+                <a:spcPct val="20000"/>
+              </a:spcBef>
+              <a:spcAft>
+                <a:spcPct val="0"/>
+              </a:spcAft>
+              <a:buChar char="»"/>
+              <a:defRPr sz="2000" b="0" i="0" u="none" kern="1200" baseline="0">
+                <a:solidFill>
+                  <a:schemeClr val="tx1"/>
+                </a:solidFill>
+                <a:latin typeface="+mn-lt"/>
+                <a:ea typeface="+mn-ea"/>
+                <a:cs typeface="+mn-cs"/>
+              </a:defRPr>
+            </a:lvl8pPr>
+            <a:lvl9pPr marL="3886200" lvl="8" indent="-228600" algn="l" defTabSz="914400" rtl="0" eaLnBrk="1" fontAlgn="base" latinLnBrk="0" hangingPunct="1">
+              <a:lnSpc>
+                <a:spcPct val="100000"/>
+              </a:lnSpc>
+              <a:spcBef>
+                <a:spcPct val="20000"/>
+              </a:spcBef>
+              <a:spcAft>
+                <a:spcPct val="0"/>
+              </a:spcAft>
+              <a:buChar char="»"/>
+              <a:defRPr sz="2000" b="0" i="0" u="none" kern="1200" baseline="0">
+                <a:solidFill>
+                  <a:schemeClr val="tx1"/>
+                </a:solidFill>
+                <a:latin typeface="+mn-lt"/>
+                <a:ea typeface="+mn-ea"/>
+                <a:cs typeface="+mn-cs"/>
+              </a:defRPr>
+            </a:lvl9pPr>
+          </a:lstStyle>
+          <a:p>
+            <a:pPr marL="457200" indent="-457200">
+              <a:buFont typeface="+mj-lt"/>
+              <a:buAutoNum type="arabicPeriod"/>
+            </a:pPr>
+            <a:r>
+              <a:rPr lang="en-MY" sz="2400" dirty="0">
+                <a:solidFill>
+                  <a:schemeClr val="bg1"/>
+                </a:solidFill>
+              </a:rPr>
+              <a:t>Lambeth the most popular borough among the cropped dataset's records.</a:t>
+            </a:r>
+          </a:p>
+          <a:p>
+            <a:pPr marL="457200" indent="-457200">
+              <a:buFont typeface="+mj-lt"/>
+              <a:buAutoNum type="arabicPeriod"/>
+            </a:pPr>
+            <a:r>
+              <a:rPr lang="en-MY" sz="2400" dirty="0">
+                <a:solidFill>
+                  <a:schemeClr val="bg1"/>
+                </a:solidFill>
+              </a:rPr>
+              <a:t>The most dangerous is actually Westminster, as depicted in the visualizations.</a:t>
+            </a:r>
+          </a:p>
+          <a:p>
+            <a:pPr marL="457200" indent="-457200">
+              <a:buFont typeface="+mj-lt"/>
+              <a:buAutoNum type="arabicPeriod"/>
+            </a:pPr>
+            <a:r>
+              <a:rPr lang="en-MY" sz="2400" dirty="0">
+                <a:solidFill>
+                  <a:schemeClr val="bg1"/>
+                </a:solidFill>
+              </a:rPr>
+              <a:t>Theft and Handling is the most frequent major category crime and Other Theft is the most frequent minor category crime.</a:t>
+            </a:r>
+          </a:p>
+          <a:p>
+            <a:pPr marL="457200" indent="-457200">
+              <a:buFont typeface="+mj-lt"/>
+              <a:buAutoNum type="arabicPeriod"/>
+            </a:pPr>
+            <a:r>
+              <a:rPr lang="en-MY" sz="2400" dirty="0">
+                <a:solidFill>
+                  <a:schemeClr val="bg1"/>
+                </a:solidFill>
+              </a:rPr>
+              <a:t>The variables in datasets are all depending on each other, the majority of variables have a relation with the other variables that can be classified as dependent, while the variables </a:t>
+            </a:r>
+            <a:r>
+              <a:rPr lang="en-MY" sz="2400" dirty="0" err="1">
+                <a:solidFill>
+                  <a:schemeClr val="bg1"/>
+                </a:solidFill>
+              </a:rPr>
+              <a:t>lsoa_code</a:t>
+            </a:r>
+            <a:r>
+              <a:rPr lang="en-MY" sz="2400" dirty="0">
+                <a:solidFill>
+                  <a:schemeClr val="bg1"/>
+                </a:solidFill>
+              </a:rPr>
+              <a:t> and month are classified as independent.</a:t>
+            </a:r>
+          </a:p>
+        </p:txBody>
+      </p:sp>
+    </p:spTree>
+    <p:extLst>
+      <p:ext uri="{BB962C8B-B14F-4D97-AF65-F5344CB8AC3E}">
+        <p14:creationId xmlns:p14="http://schemas.microsoft.com/office/powerpoint/2010/main" val="3079691909"/>
+      </p:ext>
+    </p:extLst>
   </p:cSld>
   <p:clrMapOvr>
     <a:masterClrMapping/>
@@ -4471,7 +7921,11 @@
           <a:lstStyle/>
           <a:p>
             <a:r>
-              <a:rPr lang="en-US"/>
+              <a:rPr lang="en-US" dirty="0">
+                <a:solidFill>
+                  <a:schemeClr val="bg1"/>
+                </a:solidFill>
+              </a:rPr>
               <a:t>Overview</a:t>
             </a:r>
           </a:p>
@@ -4490,7 +7944,7 @@
         <p:spPr>
           <a:xfrm>
             <a:off x="609600" y="986155"/>
-            <a:ext cx="10878207" cy="2135417"/>
+            <a:ext cx="10878207" cy="4190279"/>
           </a:xfrm>
         </p:spPr>
         <p:txBody>
@@ -4498,345 +7952,260 @@
           <a:lstStyle/>
           <a:p>
             <a:r>
-              <a:rPr lang="en-US" sz="2000" dirty="0"/>
+              <a:rPr lang="en-US" sz="2000" dirty="0">
+                <a:solidFill>
+                  <a:schemeClr val="bg1"/>
+                </a:solidFill>
+              </a:rPr>
               <a:t>We have use </a:t>
             </a:r>
             <a:r>
-              <a:rPr lang="en-US" sz="2000" b="1" dirty="0"/>
+              <a:rPr lang="en-US" sz="2000" b="1" dirty="0">
+                <a:solidFill>
+                  <a:schemeClr val="bg1"/>
+                </a:solidFill>
+              </a:rPr>
               <a:t>data of criminal records </a:t>
             </a:r>
             <a:r>
-              <a:rPr lang="en-US" sz="2000" dirty="0"/>
+              <a:rPr lang="en-US" sz="2000" dirty="0">
+                <a:solidFill>
+                  <a:schemeClr val="bg1"/>
+                </a:solidFill>
+              </a:rPr>
               <a:t>happening in </a:t>
             </a:r>
             <a:r>
-              <a:rPr lang="en-US" sz="2000" b="1" dirty="0"/>
+              <a:rPr lang="en-US" sz="2000" b="1" dirty="0">
+                <a:solidFill>
+                  <a:schemeClr val="bg1"/>
+                </a:solidFill>
+              </a:rPr>
               <a:t>London city</a:t>
             </a:r>
             <a:r>
-              <a:rPr lang="en-US" sz="2000" dirty="0"/>
+              <a:rPr lang="en-US" sz="2000" dirty="0">
+                <a:solidFill>
+                  <a:schemeClr val="bg1"/>
+                </a:solidFill>
+              </a:rPr>
               <a:t> during Ja</a:t>
             </a:r>
             <a:r>
-              <a:rPr lang="en-US" sz="2000" b="1" dirty="0"/>
+              <a:rPr lang="en-US" sz="2000" b="1" dirty="0">
+                <a:solidFill>
+                  <a:schemeClr val="bg1"/>
+                </a:solidFill>
+              </a:rPr>
               <a:t>n 2008 until 2016 </a:t>
             </a:r>
             <a:r>
-              <a:rPr lang="en-US" sz="2000" dirty="0"/>
+              <a:rPr lang="en-US" sz="2000" dirty="0">
+                <a:solidFill>
+                  <a:schemeClr val="bg1"/>
+                </a:solidFill>
+              </a:rPr>
               <a:t>to analyze and produce some useful insight from the raw data.</a:t>
             </a:r>
           </a:p>
           <a:p>
-            <a:r>
-              <a:rPr lang="en-US" sz="2000" dirty="0"/>
+            <a:pPr>
+              <a:lnSpc>
+                <a:spcPct val="150000"/>
+              </a:lnSpc>
+            </a:pPr>
+            <a:r>
+              <a:rPr lang="en-US" sz="2000" dirty="0">
+                <a:solidFill>
+                  <a:schemeClr val="bg1"/>
+                </a:solidFill>
+              </a:rPr>
               <a:t>We have categories the crime by </a:t>
             </a:r>
             <a:r>
-              <a:rPr lang="en-US" sz="2000" b="1" dirty="0"/>
+              <a:rPr lang="en-US" sz="2000" b="1" dirty="0">
+                <a:solidFill>
+                  <a:schemeClr val="bg1"/>
+                </a:solidFill>
+              </a:rPr>
               <a:t>month</a:t>
             </a:r>
             <a:r>
-              <a:rPr lang="en-US" sz="2000" dirty="0"/>
+              <a:rPr lang="en-US" sz="2000" dirty="0">
+                <a:solidFill>
+                  <a:schemeClr val="bg1"/>
+                </a:solidFill>
+              </a:rPr>
               <a:t>, </a:t>
             </a:r>
             <a:r>
-              <a:rPr lang="en-US" sz="2000" b="1" dirty="0"/>
+              <a:rPr lang="en-US" sz="2000" b="1" dirty="0">
+                <a:solidFill>
+                  <a:schemeClr val="bg1"/>
+                </a:solidFill>
+              </a:rPr>
               <a:t>year</a:t>
             </a:r>
             <a:r>
-              <a:rPr lang="en-US" sz="2000" dirty="0"/>
+              <a:rPr lang="en-US" sz="2000" dirty="0">
+                <a:solidFill>
+                  <a:schemeClr val="bg1"/>
+                </a:solidFill>
+              </a:rPr>
               <a:t>, </a:t>
             </a:r>
             <a:r>
-              <a:rPr lang="en-US" sz="2000" b="1" dirty="0"/>
+              <a:rPr lang="en-US" sz="2000" b="1" dirty="0">
+                <a:solidFill>
+                  <a:schemeClr val="bg1"/>
+                </a:solidFill>
+              </a:rPr>
               <a:t>severity of crime</a:t>
             </a:r>
             <a:r>
-              <a:rPr lang="en-US" sz="2000" dirty="0"/>
+              <a:rPr lang="en-US" sz="2000" dirty="0">
+                <a:solidFill>
+                  <a:schemeClr val="bg1"/>
+                </a:solidFill>
+              </a:rPr>
               <a:t>, type of most happening </a:t>
             </a:r>
             <a:r>
-              <a:rPr lang="en-US" sz="2000" b="1" dirty="0"/>
+              <a:rPr lang="en-US" sz="2000" b="1" dirty="0">
+                <a:solidFill>
+                  <a:schemeClr val="bg1"/>
+                </a:solidFill>
+              </a:rPr>
               <a:t>crime</a:t>
             </a:r>
             <a:r>
-              <a:rPr lang="en-US" sz="2000" dirty="0"/>
+              <a:rPr lang="en-US" sz="2000" dirty="0">
+                <a:solidFill>
+                  <a:schemeClr val="bg1"/>
+                </a:solidFill>
+              </a:rPr>
               <a:t> in city, etc.</a:t>
             </a:r>
           </a:p>
           <a:p>
             <a:r>
-              <a:rPr lang="en-US" sz="2000" dirty="0"/>
+              <a:rPr lang="en-US" sz="2000" dirty="0">
+                <a:solidFill>
+                  <a:schemeClr val="bg1"/>
+                </a:solidFill>
+              </a:rPr>
               <a:t>This help to focus on the dangerous crime and prevent it moreover it could bring awareness among people around the city.</a:t>
             </a:r>
           </a:p>
-        </p:txBody>
-      </p:sp>
-      <p:sp>
-        <p:nvSpPr>
-          <p:cNvPr id="4" name="Content Placeholder 2">
-            <a:extLst>
-              <a:ext uri="{FF2B5EF4-FFF2-40B4-BE49-F238E27FC236}">
-                <a16:creationId xmlns:a16="http://schemas.microsoft.com/office/drawing/2014/main" id="{E5D1BDCD-7679-534A-B1F2-DB9589378A75}"/>
-              </a:ext>
-            </a:extLst>
-          </p:cNvPr>
-          <p:cNvSpPr txBox="1">
-            <a:spLocks/>
-          </p:cNvSpPr>
-          <p:nvPr/>
-        </p:nvSpPr>
-        <p:spPr>
-          <a:xfrm>
-            <a:off x="609600" y="2983121"/>
-            <a:ext cx="7062952" cy="3207473"/>
-          </a:xfrm>
-          <a:prstGeom prst="rect">
-            <a:avLst/>
-          </a:prstGeom>
-          <a:noFill/>
-          <a:ln w="9525">
-            <a:noFill/>
-          </a:ln>
-        </p:spPr>
-        <p:txBody>
-          <a:bodyPr/>
-          <a:lstStyle>
-            <a:lvl1pPr marL="342900" lvl="0" indent="-342900" algn="l" defTabSz="914400" rtl="0" eaLnBrk="1" fontAlgn="base" latinLnBrk="0" hangingPunct="1">
-              <a:lnSpc>
-                <a:spcPct val="100000"/>
-              </a:lnSpc>
-              <a:spcBef>
-                <a:spcPct val="20000"/>
-              </a:spcBef>
-              <a:spcAft>
-                <a:spcPct val="0"/>
-              </a:spcAft>
-              <a:buChar char="•"/>
-              <a:defRPr sz="3200" b="0" i="0" u="none" kern="1200" baseline="0">
-                <a:solidFill>
-                  <a:schemeClr val="tx1"/>
-                </a:solidFill>
-                <a:latin typeface="+mn-lt"/>
-                <a:ea typeface="+mn-ea"/>
-                <a:cs typeface="+mn-cs"/>
-              </a:defRPr>
-            </a:lvl1pPr>
-            <a:lvl2pPr marL="742950" lvl="1" indent="-285750" algn="l" defTabSz="914400" rtl="0" eaLnBrk="1" fontAlgn="base" latinLnBrk="0" hangingPunct="1">
-              <a:lnSpc>
-                <a:spcPct val="100000"/>
-              </a:lnSpc>
-              <a:spcBef>
-                <a:spcPct val="20000"/>
-              </a:spcBef>
-              <a:spcAft>
-                <a:spcPct val="0"/>
-              </a:spcAft>
-              <a:buChar char="–"/>
-              <a:defRPr sz="2800" b="0" i="0" u="none" kern="1200" baseline="0">
-                <a:solidFill>
-                  <a:schemeClr val="tx1"/>
-                </a:solidFill>
-                <a:latin typeface="+mn-lt"/>
-                <a:ea typeface="+mn-ea"/>
-                <a:cs typeface="+mn-cs"/>
-              </a:defRPr>
-            </a:lvl2pPr>
-            <a:lvl3pPr marL="1143000" lvl="2" indent="-228600" algn="l" defTabSz="914400" rtl="0" eaLnBrk="1" fontAlgn="base" latinLnBrk="0" hangingPunct="1">
-              <a:lnSpc>
-                <a:spcPct val="100000"/>
-              </a:lnSpc>
-              <a:spcBef>
-                <a:spcPct val="20000"/>
-              </a:spcBef>
-              <a:spcAft>
-                <a:spcPct val="0"/>
-              </a:spcAft>
-              <a:buChar char="•"/>
-              <a:defRPr sz="2400" b="0" i="0" u="none" kern="1200" baseline="0">
-                <a:solidFill>
-                  <a:schemeClr val="tx1"/>
-                </a:solidFill>
-                <a:latin typeface="+mn-lt"/>
-                <a:ea typeface="+mn-ea"/>
-                <a:cs typeface="+mn-cs"/>
-              </a:defRPr>
-            </a:lvl3pPr>
-            <a:lvl4pPr marL="1600200" lvl="3" indent="-228600" algn="l" defTabSz="914400" rtl="0" eaLnBrk="1" fontAlgn="base" latinLnBrk="0" hangingPunct="1">
-              <a:lnSpc>
-                <a:spcPct val="100000"/>
-              </a:lnSpc>
-              <a:spcBef>
-                <a:spcPct val="20000"/>
-              </a:spcBef>
-              <a:spcAft>
-                <a:spcPct val="0"/>
-              </a:spcAft>
-              <a:buChar char="–"/>
-              <a:defRPr sz="2000" b="0" i="0" u="none" kern="1200" baseline="0">
-                <a:solidFill>
-                  <a:schemeClr val="tx1"/>
-                </a:solidFill>
-                <a:latin typeface="+mn-lt"/>
-                <a:ea typeface="+mn-ea"/>
-                <a:cs typeface="+mn-cs"/>
-              </a:defRPr>
-            </a:lvl4pPr>
-            <a:lvl5pPr marL="2057400" lvl="4" indent="-228600" algn="l" defTabSz="914400" rtl="0" eaLnBrk="1" fontAlgn="base" latinLnBrk="0" hangingPunct="1">
-              <a:lnSpc>
-                <a:spcPct val="100000"/>
-              </a:lnSpc>
-              <a:spcBef>
-                <a:spcPct val="20000"/>
-              </a:spcBef>
-              <a:spcAft>
-                <a:spcPct val="0"/>
-              </a:spcAft>
-              <a:buChar char="»"/>
-              <a:defRPr sz="2000" b="0" i="0" u="none" kern="1200" baseline="0">
-                <a:solidFill>
-                  <a:schemeClr val="tx1"/>
-                </a:solidFill>
-                <a:latin typeface="+mn-lt"/>
-                <a:ea typeface="+mn-ea"/>
-                <a:cs typeface="+mn-cs"/>
-              </a:defRPr>
-            </a:lvl5pPr>
-            <a:lvl6pPr marL="2514600" lvl="5" indent="-228600" algn="l" defTabSz="914400" rtl="0" eaLnBrk="1" fontAlgn="base" latinLnBrk="0" hangingPunct="1">
-              <a:lnSpc>
-                <a:spcPct val="100000"/>
-              </a:lnSpc>
-              <a:spcBef>
-                <a:spcPct val="20000"/>
-              </a:spcBef>
-              <a:spcAft>
-                <a:spcPct val="0"/>
-              </a:spcAft>
-              <a:buChar char="»"/>
-              <a:defRPr sz="2000" b="0" i="0" u="none" kern="1200" baseline="0">
-                <a:solidFill>
-                  <a:schemeClr val="tx1"/>
-                </a:solidFill>
-                <a:latin typeface="+mn-lt"/>
-                <a:ea typeface="+mn-ea"/>
-                <a:cs typeface="+mn-cs"/>
-              </a:defRPr>
-            </a:lvl6pPr>
-            <a:lvl7pPr marL="2971800" lvl="6" indent="-228600" algn="l" defTabSz="914400" rtl="0" eaLnBrk="1" fontAlgn="base" latinLnBrk="0" hangingPunct="1">
-              <a:lnSpc>
-                <a:spcPct val="100000"/>
-              </a:lnSpc>
-              <a:spcBef>
-                <a:spcPct val="20000"/>
-              </a:spcBef>
-              <a:spcAft>
-                <a:spcPct val="0"/>
-              </a:spcAft>
-              <a:buChar char="»"/>
-              <a:defRPr sz="2000" b="0" i="0" u="none" kern="1200" baseline="0">
-                <a:solidFill>
-                  <a:schemeClr val="tx1"/>
-                </a:solidFill>
-                <a:latin typeface="+mn-lt"/>
-                <a:ea typeface="+mn-ea"/>
-                <a:cs typeface="+mn-cs"/>
-              </a:defRPr>
-            </a:lvl7pPr>
-            <a:lvl8pPr marL="3429000" lvl="7" indent="-228600" algn="l" defTabSz="914400" rtl="0" eaLnBrk="1" fontAlgn="base" latinLnBrk="0" hangingPunct="1">
-              <a:lnSpc>
-                <a:spcPct val="100000"/>
-              </a:lnSpc>
-              <a:spcBef>
-                <a:spcPct val="20000"/>
-              </a:spcBef>
-              <a:spcAft>
-                <a:spcPct val="0"/>
-              </a:spcAft>
-              <a:buChar char="»"/>
-              <a:defRPr sz="2000" b="0" i="0" u="none" kern="1200" baseline="0">
-                <a:solidFill>
-                  <a:schemeClr val="tx1"/>
-                </a:solidFill>
-                <a:latin typeface="+mn-lt"/>
-                <a:ea typeface="+mn-ea"/>
-                <a:cs typeface="+mn-cs"/>
-              </a:defRPr>
-            </a:lvl8pPr>
-            <a:lvl9pPr marL="3886200" lvl="8" indent="-228600" algn="l" defTabSz="914400" rtl="0" eaLnBrk="1" fontAlgn="base" latinLnBrk="0" hangingPunct="1">
-              <a:lnSpc>
-                <a:spcPct val="100000"/>
-              </a:lnSpc>
-              <a:spcBef>
-                <a:spcPct val="20000"/>
-              </a:spcBef>
-              <a:spcAft>
-                <a:spcPct val="0"/>
-              </a:spcAft>
-              <a:buChar char="»"/>
-              <a:defRPr sz="2000" b="0" i="0" u="none" kern="1200" baseline="0">
-                <a:solidFill>
-                  <a:schemeClr val="tx1"/>
-                </a:solidFill>
-                <a:latin typeface="+mn-lt"/>
-                <a:ea typeface="+mn-ea"/>
-                <a:cs typeface="+mn-cs"/>
-              </a:defRPr>
-            </a:lvl9pPr>
-          </a:lstStyle>
-          <a:p>
-            <a:r>
-              <a:rPr lang="en-US" sz="2000" dirty="0"/>
+          <a:p>
+            <a:r>
+              <a:rPr lang="en-US" sz="2000" dirty="0">
+                <a:solidFill>
+                  <a:schemeClr val="bg1"/>
+                </a:solidFill>
+              </a:rPr>
               <a:t>We also produce </a:t>
             </a:r>
             <a:r>
-              <a:rPr lang="en-US" sz="2000" b="1" dirty="0"/>
+              <a:rPr lang="en-US" sz="2000" b="1" dirty="0">
+                <a:solidFill>
+                  <a:schemeClr val="bg1"/>
+                </a:solidFill>
+              </a:rPr>
               <a:t>visualization</a:t>
             </a:r>
             <a:r>
-              <a:rPr lang="en-US" sz="2000" dirty="0"/>
+              <a:rPr lang="en-US" sz="2000" dirty="0">
+                <a:solidFill>
+                  <a:schemeClr val="bg1"/>
+                </a:solidFill>
+              </a:rPr>
               <a:t> of crime based on </a:t>
             </a:r>
             <a:r>
-              <a:rPr lang="en-US" sz="2000" b="1" dirty="0"/>
-              <a:t>boroughs</a:t>
-            </a:r>
-            <a:r>
-              <a:rPr lang="en-US" sz="2000" dirty="0"/>
-              <a:t> of the city and the population against it.</a:t>
-            </a:r>
-          </a:p>
-          <a:p>
-            <a:r>
-              <a:rPr lang="en-US" sz="2000" dirty="0"/>
+              <a:rPr lang="en-US" sz="2000" b="1" dirty="0">
+                <a:solidFill>
+                  <a:schemeClr val="bg1"/>
+                </a:solidFill>
+              </a:rPr>
+              <a:t>boroughs </a:t>
+            </a:r>
+            <a:r>
+              <a:rPr lang="en-US" sz="2000" dirty="0">
+                <a:solidFill>
+                  <a:schemeClr val="bg1"/>
+                </a:solidFill>
+              </a:rPr>
+              <a:t>(district) of the city and the population against it.</a:t>
+            </a:r>
+          </a:p>
+          <a:p>
+            <a:r>
+              <a:rPr lang="en-US" sz="2000" dirty="0">
+                <a:solidFill>
+                  <a:schemeClr val="bg1"/>
+                </a:solidFill>
+              </a:rPr>
               <a:t>Hence, </a:t>
             </a:r>
             <a:r>
-              <a:rPr lang="en-US" sz="2000" b="1" dirty="0"/>
+              <a:rPr lang="en-US" sz="2000" b="1" dirty="0">
+                <a:solidFill>
+                  <a:schemeClr val="bg1"/>
+                </a:solidFill>
+              </a:rPr>
               <a:t>graph</a:t>
             </a:r>
             <a:r>
-              <a:rPr lang="en-US" sz="2000" dirty="0"/>
+              <a:rPr lang="en-US" sz="2000" dirty="0">
+                <a:solidFill>
+                  <a:schemeClr val="bg1"/>
+                </a:solidFill>
+              </a:rPr>
               <a:t> has been </a:t>
             </a:r>
             <a:r>
-              <a:rPr lang="en-US" sz="2000" b="1" dirty="0"/>
+              <a:rPr lang="en-US" sz="2000" b="1" dirty="0">
+                <a:solidFill>
+                  <a:schemeClr val="bg1"/>
+                </a:solidFill>
+              </a:rPr>
               <a:t>plotted</a:t>
             </a:r>
             <a:r>
-              <a:rPr lang="en-US" sz="2000" dirty="0"/>
+              <a:rPr lang="en-US" sz="2000" dirty="0">
+                <a:solidFill>
+                  <a:schemeClr val="bg1"/>
+                </a:solidFill>
+              </a:rPr>
               <a:t> on </a:t>
             </a:r>
             <a:r>
-              <a:rPr lang="en-US" sz="2000" b="1" dirty="0"/>
+              <a:rPr lang="en-US" sz="2000" b="1" dirty="0">
+                <a:solidFill>
+                  <a:schemeClr val="bg1"/>
+                </a:solidFill>
+              </a:rPr>
               <a:t>minor crimes against major crimes</a:t>
             </a:r>
             <a:r>
-              <a:rPr lang="en-US" sz="2000" dirty="0"/>
+              <a:rPr lang="en-US" sz="2000" dirty="0">
+                <a:solidFill>
+                  <a:schemeClr val="bg1"/>
+                </a:solidFill>
+              </a:rPr>
               <a:t> to show each major category crime among its minor category crime.</a:t>
             </a:r>
           </a:p>
           <a:p>
-            <a:endParaRPr lang="en-US" sz="2000" dirty="0"/>
+            <a:pPr marL="0" indent="0">
+              <a:buNone/>
+            </a:pPr>
+            <a:endParaRPr lang="en-US" sz="2000" dirty="0">
+              <a:solidFill>
+                <a:schemeClr val="bg1"/>
+              </a:solidFill>
+            </a:endParaRPr>
           </a:p>
         </p:txBody>
       </p:sp>
@@ -4886,7 +8255,11 @@
           <a:lstStyle/>
           <a:p>
             <a:r>
-              <a:rPr lang="en-US"/>
+              <a:rPr lang="en-US" dirty="0">
+                <a:solidFill>
+                  <a:schemeClr val="bg1"/>
+                </a:solidFill>
+              </a:rPr>
               <a:t>Motivation</a:t>
             </a:r>
           </a:p>
@@ -4912,17 +8285,32 @@
           <a:bodyPr/>
           <a:lstStyle/>
           <a:p>
-            <a:endParaRPr lang="en-US" sz="2000" dirty="0"/>
-          </a:p>
-          <a:p>
-            <a:r>
-              <a:rPr lang="en-US" sz="2000" dirty="0"/>
+            <a:pPr>
+              <a:lnSpc>
+                <a:spcPct val="150000"/>
+              </a:lnSpc>
+            </a:pPr>
+            <a:r>
+              <a:rPr lang="en-US" sz="2000" dirty="0">
+                <a:solidFill>
+                  <a:schemeClr val="bg1"/>
+                </a:solidFill>
+              </a:rPr>
               <a:t>Currently there are few bodies official and nonofficial teams are working to streamline the crime management processes and to improve current method of crime management.</a:t>
             </a:r>
           </a:p>
           <a:p>
-            <a:r>
-              <a:rPr lang="en-US" sz="2000" dirty="0"/>
+            <a:pPr>
+              <a:lnSpc>
+                <a:spcPct val="150000"/>
+              </a:lnSpc>
+            </a:pPr>
+            <a:r>
+              <a:rPr lang="en-US" sz="2000" dirty="0">
+                <a:solidFill>
+                  <a:schemeClr val="bg1"/>
+                </a:solidFill>
+              </a:rPr>
               <a:t>As such, the outcome of this analysis will enable them to focus on specific problems or area and formulate the targeted solutions</a:t>
             </a:r>
           </a:p>
@@ -4969,8 +8357,12 @@
           <a:lstStyle/>
           <a:p>
             <a:r>
-              <a:rPr lang="en-US"/>
-              <a:t>Objectiive</a:t>
+              <a:rPr lang="en-US" dirty="0">
+                <a:solidFill>
+                  <a:schemeClr val="bg1"/>
+                </a:solidFill>
+              </a:rPr>
+              <a:t>Objective</a:t>
             </a:r>
           </a:p>
         </p:txBody>
@@ -4995,301 +8387,167 @@
           <a:bodyPr/>
           <a:lstStyle/>
           <a:p>
-            <a:endParaRPr lang="en-US" sz="2000" dirty="0"/>
-          </a:p>
-          <a:p>
-            <a:r>
-              <a:rPr lang="en-US" sz="2000" dirty="0"/>
+            <a:r>
+              <a:rPr lang="en-US" sz="2000" dirty="0">
+                <a:solidFill>
+                  <a:schemeClr val="bg1"/>
+                </a:solidFill>
+              </a:rPr>
               <a:t>Aim to produce useful insight by using </a:t>
             </a:r>
             <a:r>
-              <a:rPr lang="en-US" sz="2000" b="1" dirty="0"/>
+              <a:rPr lang="en-US" sz="2000" b="1" dirty="0">
+                <a:solidFill>
+                  <a:schemeClr val="bg1"/>
+                </a:solidFill>
+              </a:rPr>
               <a:t>clustering data analytical.</a:t>
             </a:r>
           </a:p>
           <a:p>
-            <a:endParaRPr lang="en-US" sz="2000" dirty="0"/>
-          </a:p>
-          <a:p>
-            <a:r>
-              <a:rPr lang="en-US" sz="2000" dirty="0"/>
+            <a:endParaRPr lang="en-US" sz="2000" dirty="0">
+              <a:solidFill>
+                <a:schemeClr val="bg1"/>
+              </a:solidFill>
+            </a:endParaRPr>
+          </a:p>
+          <a:p>
+            <a:r>
+              <a:rPr lang="en-US" sz="2000" dirty="0">
+                <a:solidFill>
+                  <a:schemeClr val="bg1"/>
+                </a:solidFill>
+              </a:rPr>
               <a:t>To </a:t>
             </a:r>
             <a:r>
-              <a:rPr lang="en-US" sz="2000" b="1" dirty="0"/>
+              <a:rPr lang="en-US" sz="2000" b="1" dirty="0">
+                <a:solidFill>
+                  <a:schemeClr val="bg1"/>
+                </a:solidFill>
+              </a:rPr>
               <a:t>visualize</a:t>
             </a:r>
             <a:r>
-              <a:rPr lang="en-US" sz="2000" dirty="0"/>
+              <a:rPr lang="en-US" sz="2000" dirty="0">
+                <a:solidFill>
+                  <a:schemeClr val="bg1"/>
+                </a:solidFill>
+              </a:rPr>
               <a:t> crime rate by </a:t>
             </a:r>
             <a:r>
-              <a:rPr lang="en-US" sz="2000" b="1" dirty="0"/>
+              <a:rPr lang="en-US" sz="2000" b="1" dirty="0">
+                <a:solidFill>
+                  <a:schemeClr val="bg1"/>
+                </a:solidFill>
+              </a:rPr>
               <a:t>borough</a:t>
             </a:r>
             <a:r>
-              <a:rPr lang="en-US" sz="2000" dirty="0"/>
+              <a:rPr lang="en-US" sz="2000" dirty="0">
+                <a:solidFill>
+                  <a:schemeClr val="bg1"/>
+                </a:solidFill>
+              </a:rPr>
               <a:t>, </a:t>
             </a:r>
             <a:r>
-              <a:rPr lang="en-US" sz="2000" b="1" dirty="0"/>
+              <a:rPr lang="en-US" sz="2000" b="1" dirty="0">
+                <a:solidFill>
+                  <a:schemeClr val="bg1"/>
+                </a:solidFill>
+              </a:rPr>
               <a:t>major category</a:t>
             </a:r>
             <a:r>
-              <a:rPr lang="en-US" sz="2000" dirty="0"/>
+              <a:rPr lang="en-US" sz="2000" dirty="0">
+                <a:solidFill>
+                  <a:schemeClr val="bg1"/>
+                </a:solidFill>
+              </a:rPr>
               <a:t>, </a:t>
             </a:r>
             <a:r>
-              <a:rPr lang="en-US" sz="2000" b="1" dirty="0"/>
+              <a:rPr lang="en-US" sz="2000" b="1" dirty="0">
+                <a:solidFill>
+                  <a:schemeClr val="bg1"/>
+                </a:solidFill>
+              </a:rPr>
               <a:t>minor category </a:t>
             </a:r>
             <a:r>
-              <a:rPr lang="en-US" sz="2000" dirty="0"/>
+              <a:rPr lang="en-US" sz="2000" dirty="0">
+                <a:solidFill>
+                  <a:schemeClr val="bg1"/>
+                </a:solidFill>
+              </a:rPr>
               <a:t>and </a:t>
             </a:r>
             <a:r>
-              <a:rPr lang="en-US" sz="2000" b="1" dirty="0"/>
+              <a:rPr lang="en-US" sz="2000" b="1" dirty="0">
+                <a:solidFill>
+                  <a:schemeClr val="bg1"/>
+                </a:solidFill>
+              </a:rPr>
               <a:t>populations.</a:t>
             </a:r>
-            <a:endParaRPr lang="en-US" sz="2000" dirty="0"/>
-          </a:p>
-        </p:txBody>
-      </p:sp>
-      <p:sp>
-        <p:nvSpPr>
-          <p:cNvPr id="4" name="Content Placeholder 2">
-            <a:extLst>
-              <a:ext uri="{FF2B5EF4-FFF2-40B4-BE49-F238E27FC236}">
-                <a16:creationId xmlns:a16="http://schemas.microsoft.com/office/drawing/2014/main" id="{BD2E9089-16AC-1943-868B-BBA819209C96}"/>
-              </a:ext>
-            </a:extLst>
-          </p:cNvPr>
-          <p:cNvSpPr txBox="1">
-            <a:spLocks/>
-          </p:cNvSpPr>
-          <p:nvPr/>
-        </p:nvSpPr>
-        <p:spPr>
-          <a:xfrm>
-            <a:off x="609600" y="2998076"/>
-            <a:ext cx="6894786" cy="2697164"/>
-          </a:xfrm>
-          <a:prstGeom prst="rect">
-            <a:avLst/>
-          </a:prstGeom>
-          <a:noFill/>
-          <a:ln w="9525">
-            <a:noFill/>
-          </a:ln>
-        </p:spPr>
-        <p:txBody>
-          <a:bodyPr/>
-          <a:lstStyle>
-            <a:lvl1pPr marL="342900" lvl="0" indent="-342900" algn="l" defTabSz="914400" rtl="0" eaLnBrk="1" fontAlgn="base" latinLnBrk="0" hangingPunct="1">
-              <a:lnSpc>
-                <a:spcPct val="100000"/>
-              </a:lnSpc>
-              <a:spcBef>
-                <a:spcPct val="20000"/>
-              </a:spcBef>
-              <a:spcAft>
-                <a:spcPct val="0"/>
-              </a:spcAft>
-              <a:buChar char="•"/>
-              <a:defRPr sz="3200" b="0" i="0" u="none" kern="1200" baseline="0">
-                <a:solidFill>
-                  <a:schemeClr val="tx1"/>
-                </a:solidFill>
-                <a:latin typeface="+mn-lt"/>
-                <a:ea typeface="+mn-ea"/>
-                <a:cs typeface="+mn-cs"/>
-              </a:defRPr>
-            </a:lvl1pPr>
-            <a:lvl2pPr marL="742950" lvl="1" indent="-285750" algn="l" defTabSz="914400" rtl="0" eaLnBrk="1" fontAlgn="base" latinLnBrk="0" hangingPunct="1">
-              <a:lnSpc>
-                <a:spcPct val="100000"/>
-              </a:lnSpc>
-              <a:spcBef>
-                <a:spcPct val="20000"/>
-              </a:spcBef>
-              <a:spcAft>
-                <a:spcPct val="0"/>
-              </a:spcAft>
-              <a:buChar char="–"/>
-              <a:defRPr sz="2800" b="0" i="0" u="none" kern="1200" baseline="0">
-                <a:solidFill>
-                  <a:schemeClr val="tx1"/>
-                </a:solidFill>
-                <a:latin typeface="+mn-lt"/>
-                <a:ea typeface="+mn-ea"/>
-                <a:cs typeface="+mn-cs"/>
-              </a:defRPr>
-            </a:lvl2pPr>
-            <a:lvl3pPr marL="1143000" lvl="2" indent="-228600" algn="l" defTabSz="914400" rtl="0" eaLnBrk="1" fontAlgn="base" latinLnBrk="0" hangingPunct="1">
-              <a:lnSpc>
-                <a:spcPct val="100000"/>
-              </a:lnSpc>
-              <a:spcBef>
-                <a:spcPct val="20000"/>
-              </a:spcBef>
-              <a:spcAft>
-                <a:spcPct val="0"/>
-              </a:spcAft>
-              <a:buChar char="•"/>
-              <a:defRPr sz="2400" b="0" i="0" u="none" kern="1200" baseline="0">
-                <a:solidFill>
-                  <a:schemeClr val="tx1"/>
-                </a:solidFill>
-                <a:latin typeface="+mn-lt"/>
-                <a:ea typeface="+mn-ea"/>
-                <a:cs typeface="+mn-cs"/>
-              </a:defRPr>
-            </a:lvl3pPr>
-            <a:lvl4pPr marL="1600200" lvl="3" indent="-228600" algn="l" defTabSz="914400" rtl="0" eaLnBrk="1" fontAlgn="base" latinLnBrk="0" hangingPunct="1">
-              <a:lnSpc>
-                <a:spcPct val="100000"/>
-              </a:lnSpc>
-              <a:spcBef>
-                <a:spcPct val="20000"/>
-              </a:spcBef>
-              <a:spcAft>
-                <a:spcPct val="0"/>
-              </a:spcAft>
-              <a:buChar char="–"/>
-              <a:defRPr sz="2000" b="0" i="0" u="none" kern="1200" baseline="0">
-                <a:solidFill>
-                  <a:schemeClr val="tx1"/>
-                </a:solidFill>
-                <a:latin typeface="+mn-lt"/>
-                <a:ea typeface="+mn-ea"/>
-                <a:cs typeface="+mn-cs"/>
-              </a:defRPr>
-            </a:lvl4pPr>
-            <a:lvl5pPr marL="2057400" lvl="4" indent="-228600" algn="l" defTabSz="914400" rtl="0" eaLnBrk="1" fontAlgn="base" latinLnBrk="0" hangingPunct="1">
-              <a:lnSpc>
-                <a:spcPct val="100000"/>
-              </a:lnSpc>
-              <a:spcBef>
-                <a:spcPct val="20000"/>
-              </a:spcBef>
-              <a:spcAft>
-                <a:spcPct val="0"/>
-              </a:spcAft>
-              <a:buChar char="»"/>
-              <a:defRPr sz="2000" b="0" i="0" u="none" kern="1200" baseline="0">
-                <a:solidFill>
-                  <a:schemeClr val="tx1"/>
-                </a:solidFill>
-                <a:latin typeface="+mn-lt"/>
-                <a:ea typeface="+mn-ea"/>
-                <a:cs typeface="+mn-cs"/>
-              </a:defRPr>
-            </a:lvl5pPr>
-            <a:lvl6pPr marL="2514600" lvl="5" indent="-228600" algn="l" defTabSz="914400" rtl="0" eaLnBrk="1" fontAlgn="base" latinLnBrk="0" hangingPunct="1">
-              <a:lnSpc>
-                <a:spcPct val="100000"/>
-              </a:lnSpc>
-              <a:spcBef>
-                <a:spcPct val="20000"/>
-              </a:spcBef>
-              <a:spcAft>
-                <a:spcPct val="0"/>
-              </a:spcAft>
-              <a:buChar char="»"/>
-              <a:defRPr sz="2000" b="0" i="0" u="none" kern="1200" baseline="0">
-                <a:solidFill>
-                  <a:schemeClr val="tx1"/>
-                </a:solidFill>
-                <a:latin typeface="+mn-lt"/>
-                <a:ea typeface="+mn-ea"/>
-                <a:cs typeface="+mn-cs"/>
-              </a:defRPr>
-            </a:lvl6pPr>
-            <a:lvl7pPr marL="2971800" lvl="6" indent="-228600" algn="l" defTabSz="914400" rtl="0" eaLnBrk="1" fontAlgn="base" latinLnBrk="0" hangingPunct="1">
-              <a:lnSpc>
-                <a:spcPct val="100000"/>
-              </a:lnSpc>
-              <a:spcBef>
-                <a:spcPct val="20000"/>
-              </a:spcBef>
-              <a:spcAft>
-                <a:spcPct val="0"/>
-              </a:spcAft>
-              <a:buChar char="»"/>
-              <a:defRPr sz="2000" b="0" i="0" u="none" kern="1200" baseline="0">
-                <a:solidFill>
-                  <a:schemeClr val="tx1"/>
-                </a:solidFill>
-                <a:latin typeface="+mn-lt"/>
-                <a:ea typeface="+mn-ea"/>
-                <a:cs typeface="+mn-cs"/>
-              </a:defRPr>
-            </a:lvl7pPr>
-            <a:lvl8pPr marL="3429000" lvl="7" indent="-228600" algn="l" defTabSz="914400" rtl="0" eaLnBrk="1" fontAlgn="base" latinLnBrk="0" hangingPunct="1">
-              <a:lnSpc>
-                <a:spcPct val="100000"/>
-              </a:lnSpc>
-              <a:spcBef>
-                <a:spcPct val="20000"/>
-              </a:spcBef>
-              <a:spcAft>
-                <a:spcPct val="0"/>
-              </a:spcAft>
-              <a:buChar char="»"/>
-              <a:defRPr sz="2000" b="0" i="0" u="none" kern="1200" baseline="0">
-                <a:solidFill>
-                  <a:schemeClr val="tx1"/>
-                </a:solidFill>
-                <a:latin typeface="+mn-lt"/>
-                <a:ea typeface="+mn-ea"/>
-                <a:cs typeface="+mn-cs"/>
-              </a:defRPr>
-            </a:lvl8pPr>
-            <a:lvl9pPr marL="3886200" lvl="8" indent="-228600" algn="l" defTabSz="914400" rtl="0" eaLnBrk="1" fontAlgn="base" latinLnBrk="0" hangingPunct="1">
-              <a:lnSpc>
-                <a:spcPct val="100000"/>
-              </a:lnSpc>
-              <a:spcBef>
-                <a:spcPct val="20000"/>
-              </a:spcBef>
-              <a:spcAft>
-                <a:spcPct val="0"/>
-              </a:spcAft>
-              <a:buChar char="»"/>
-              <a:defRPr sz="2000" b="0" i="0" u="none" kern="1200" baseline="0">
-                <a:solidFill>
-                  <a:schemeClr val="tx1"/>
-                </a:solidFill>
-                <a:latin typeface="+mn-lt"/>
-                <a:ea typeface="+mn-ea"/>
-                <a:cs typeface="+mn-cs"/>
-              </a:defRPr>
-            </a:lvl9pPr>
-          </a:lstStyle>
-          <a:p>
-            <a:endParaRPr lang="en-US" sz="2000" b="1" dirty="0"/>
-          </a:p>
-          <a:p>
-            <a:r>
-              <a:rPr lang="en-US" sz="2000" dirty="0"/>
+          </a:p>
+          <a:p>
+            <a:endParaRPr lang="en-US" sz="2000" b="1" dirty="0">
+              <a:solidFill>
+                <a:schemeClr val="bg1"/>
+              </a:solidFill>
+            </a:endParaRPr>
+          </a:p>
+          <a:p>
+            <a:r>
+              <a:rPr lang="en-US" sz="2000" dirty="0">
+                <a:solidFill>
+                  <a:schemeClr val="bg1"/>
+                </a:solidFill>
+              </a:rPr>
               <a:t>To summaries the top categories of </a:t>
             </a:r>
             <a:r>
-              <a:rPr lang="en-US" sz="2000" b="1" dirty="0"/>
+              <a:rPr lang="en-US" sz="2000" b="1" dirty="0">
+                <a:solidFill>
+                  <a:schemeClr val="bg1"/>
+                </a:solidFill>
+              </a:rPr>
               <a:t>crime by borough </a:t>
             </a:r>
             <a:r>
-              <a:rPr lang="en-US" sz="2000" dirty="0"/>
+              <a:rPr lang="en-US" sz="2000" dirty="0">
+                <a:solidFill>
+                  <a:schemeClr val="bg1"/>
+                </a:solidFill>
+              </a:rPr>
               <a:t>and </a:t>
             </a:r>
             <a:r>
-              <a:rPr lang="en-US" sz="2000" b="1" dirty="0"/>
+              <a:rPr lang="en-US" sz="2000" b="1" dirty="0">
+                <a:solidFill>
+                  <a:schemeClr val="bg1"/>
+                </a:solidFill>
+              </a:rPr>
               <a:t>identify top problem spots</a:t>
             </a:r>
             <a:r>
-              <a:rPr lang="en-US" sz="2000" dirty="0"/>
+              <a:rPr lang="en-US" sz="2000" dirty="0">
+                <a:solidFill>
+                  <a:schemeClr val="bg1"/>
+                </a:solidFill>
+              </a:rPr>
               <a:t>.</a:t>
             </a:r>
+          </a:p>
+          <a:p>
+            <a:endParaRPr lang="en-US" sz="2000" dirty="0">
+              <a:solidFill>
+                <a:schemeClr val="bg1"/>
+              </a:solidFill>
+            </a:endParaRPr>
           </a:p>
         </p:txBody>
       </p:sp>
@@ -5339,8 +8597,12 @@
           <a:lstStyle/>
           <a:p>
             <a:r>
-              <a:rPr lang="en-US" dirty="0"/>
-              <a:t>Data Set</a:t>
+              <a:rPr lang="en-US" dirty="0">
+                <a:solidFill>
+                  <a:schemeClr val="bg1"/>
+                </a:solidFill>
+              </a:rPr>
+              <a:t>Dataset</a:t>
             </a:r>
           </a:p>
         </p:txBody>
@@ -5588,370 +8850,357 @@
               <a:buNone/>
             </a:pPr>
             <a:r>
-              <a:rPr lang="en-MY" sz="2000" dirty="0"/>
+              <a:rPr lang="en-MY" sz="2000" dirty="0">
+                <a:solidFill>
+                  <a:schemeClr val="bg1"/>
+                </a:solidFill>
+                <a:latin typeface="Arial" panose="020B0604020202020204" pitchFamily="34" charset="0"/>
+                <a:cs typeface="Arial" panose="020B0604020202020204" pitchFamily="34" charset="0"/>
+              </a:rPr>
               <a:t>The dataset is consisting by 7 variables: </a:t>
             </a:r>
           </a:p>
           <a:p>
             <a:r>
-              <a:rPr lang="en-MY" sz="2000" b="1" dirty="0" err="1"/>
+              <a:rPr lang="en-MY" sz="2000" b="1" dirty="0" err="1">
+                <a:solidFill>
+                  <a:schemeClr val="bg1"/>
+                </a:solidFill>
+                <a:latin typeface="Arial" panose="020B0604020202020204" pitchFamily="34" charset="0"/>
+                <a:cs typeface="Arial" panose="020B0604020202020204" pitchFamily="34" charset="0"/>
+              </a:rPr>
               <a:t>lsoa_code</a:t>
             </a:r>
             <a:r>
-              <a:rPr lang="en-MY" sz="2000" dirty="0"/>
-              <a:t>: code for Lower Super Output Area in Greater London.</a:t>
-            </a:r>
-          </a:p>
-          <a:p>
-            <a:r>
-              <a:rPr lang="en-MY" sz="2000" b="1" dirty="0"/>
+              <a:rPr lang="en-MY" sz="2000" dirty="0">
+                <a:solidFill>
+                  <a:schemeClr val="bg1"/>
+                </a:solidFill>
+                <a:latin typeface="Arial" panose="020B0604020202020204" pitchFamily="34" charset="0"/>
+                <a:cs typeface="Arial" panose="020B0604020202020204" pitchFamily="34" charset="0"/>
+              </a:rPr>
+              <a:t>: LSOA in London (United Kingdom)</a:t>
+            </a:r>
+          </a:p>
+          <a:p>
+            <a:r>
+              <a:rPr lang="en-MY" sz="2000" b="1" dirty="0">
+                <a:solidFill>
+                  <a:schemeClr val="bg1"/>
+                </a:solidFill>
+                <a:latin typeface="Arial" panose="020B0604020202020204" pitchFamily="34" charset="0"/>
+                <a:cs typeface="Arial" panose="020B0604020202020204" pitchFamily="34" charset="0"/>
+              </a:rPr>
               <a:t>borough</a:t>
             </a:r>
             <a:r>
-              <a:rPr lang="en-MY" sz="2000" dirty="0"/>
-              <a:t>: common name for London borough.</a:t>
-            </a:r>
-          </a:p>
-          <a:p>
-            <a:r>
-              <a:rPr lang="en-MY" sz="2000" b="1" dirty="0" err="1"/>
+              <a:rPr lang="en-MY" sz="2000" dirty="0">
+                <a:solidFill>
+                  <a:schemeClr val="bg1"/>
+                </a:solidFill>
+                <a:latin typeface="Arial" panose="020B0604020202020204" pitchFamily="34" charset="0"/>
+                <a:cs typeface="Arial" panose="020B0604020202020204" pitchFamily="34" charset="0"/>
+              </a:rPr>
+              <a:t>: borough (district) names of in London (United Kingdom)</a:t>
+            </a:r>
+          </a:p>
+          <a:p>
+            <a:r>
+              <a:rPr lang="en-MY" sz="2000" b="1" dirty="0" err="1">
+                <a:solidFill>
+                  <a:schemeClr val="bg1"/>
+                </a:solidFill>
+                <a:latin typeface="Arial" panose="020B0604020202020204" pitchFamily="34" charset="0"/>
+                <a:cs typeface="Arial" panose="020B0604020202020204" pitchFamily="34" charset="0"/>
+              </a:rPr>
               <a:t>major_category</a:t>
             </a:r>
             <a:r>
-              <a:rPr lang="en-MY" sz="2000" dirty="0"/>
-              <a:t>: high level categorization of crime.</a:t>
-            </a:r>
-          </a:p>
-          <a:p>
-            <a:r>
-              <a:rPr lang="en-MY" sz="2000" b="1" dirty="0" err="1"/>
+              <a:rPr lang="en-MY" sz="2000" dirty="0">
+                <a:solidFill>
+                  <a:schemeClr val="bg1"/>
+                </a:solidFill>
+                <a:latin typeface="Arial" panose="020B0604020202020204" pitchFamily="34" charset="0"/>
+                <a:cs typeface="Arial" panose="020B0604020202020204" pitchFamily="34" charset="0"/>
+              </a:rPr>
+              <a:t>: categorization of high level crime</a:t>
+            </a:r>
+            <a:br>
+              <a:rPr lang="en-MY" sz="2000" dirty="0">
+                <a:solidFill>
+                  <a:schemeClr val="bg1"/>
+                </a:solidFill>
+                <a:latin typeface="Arial" panose="020B0604020202020204" pitchFamily="34" charset="0"/>
+                <a:cs typeface="Arial" panose="020B0604020202020204" pitchFamily="34" charset="0"/>
+              </a:rPr>
+            </a:br>
+            <a:r>
+              <a:rPr lang="en-MY" sz="2000" b="1" dirty="0" err="1">
+                <a:solidFill>
+                  <a:schemeClr val="bg1"/>
+                </a:solidFill>
+                <a:latin typeface="Arial" panose="020B0604020202020204" pitchFamily="34" charset="0"/>
+                <a:cs typeface="Arial" panose="020B0604020202020204" pitchFamily="34" charset="0"/>
+              </a:rPr>
               <a:t>minor_category</a:t>
             </a:r>
             <a:r>
-              <a:rPr lang="en-MY" sz="2000" dirty="0"/>
-              <a:t>: low level categorization of crime within major category.</a:t>
-            </a:r>
-          </a:p>
-          <a:p>
-            <a:r>
-              <a:rPr lang="en-MY" sz="2000" b="1" dirty="0"/>
+              <a:rPr lang="en-MY" sz="2000" dirty="0">
+                <a:solidFill>
+                  <a:schemeClr val="bg1"/>
+                </a:solidFill>
+                <a:latin typeface="Arial" panose="020B0604020202020204" pitchFamily="34" charset="0"/>
+                <a:cs typeface="Arial" panose="020B0604020202020204" pitchFamily="34" charset="0"/>
+              </a:rPr>
+              <a:t>: categorization of low level crime</a:t>
+            </a:r>
+          </a:p>
+          <a:p>
+            <a:r>
+              <a:rPr lang="en-MY" sz="2000" b="1" dirty="0">
+                <a:solidFill>
+                  <a:schemeClr val="bg1"/>
+                </a:solidFill>
+                <a:latin typeface="Arial" panose="020B0604020202020204" pitchFamily="34" charset="0"/>
+                <a:cs typeface="Arial" panose="020B0604020202020204" pitchFamily="34" charset="0"/>
+              </a:rPr>
+              <a:t>value</a:t>
+            </a:r>
+            <a:r>
+              <a:rPr lang="en-MY" sz="2000" dirty="0">
+                <a:solidFill>
+                  <a:schemeClr val="bg1"/>
+                </a:solidFill>
+                <a:latin typeface="Arial" panose="020B0604020202020204" pitchFamily="34" charset="0"/>
+                <a:cs typeface="Arial" panose="020B0604020202020204" pitchFamily="34" charset="0"/>
+              </a:rPr>
+              <a:t>: monthly reported count of categorical crime in given borough (district)\</a:t>
+            </a:r>
+          </a:p>
+          <a:p>
+            <a:r>
+              <a:rPr lang="en-MY" sz="2000" b="1" dirty="0">
+                <a:solidFill>
+                  <a:schemeClr val="bg1"/>
+                </a:solidFill>
+                <a:latin typeface="Arial" panose="020B0604020202020204" pitchFamily="34" charset="0"/>
+                <a:cs typeface="Arial" panose="020B0604020202020204" pitchFamily="34" charset="0"/>
+              </a:rPr>
               <a:t>year</a:t>
             </a:r>
             <a:r>
-              <a:rPr lang="en-MY" sz="2000" dirty="0"/>
-              <a:t>: year of reported counts, 2008 − 2016.</a:t>
-            </a:r>
-          </a:p>
-          <a:p>
-            <a:r>
-              <a:rPr lang="en-MY" sz="2000" b="1" dirty="0"/>
+              <a:rPr lang="en-MY" sz="2000" dirty="0">
+                <a:solidFill>
+                  <a:schemeClr val="bg1"/>
+                </a:solidFill>
+                <a:latin typeface="Arial" panose="020B0604020202020204" pitchFamily="34" charset="0"/>
+                <a:cs typeface="Arial" panose="020B0604020202020204" pitchFamily="34" charset="0"/>
+              </a:rPr>
+              <a:t>: year of reported counts, 2008-2016</a:t>
+            </a:r>
+          </a:p>
+          <a:p>
+            <a:r>
+              <a:rPr lang="en-MY" sz="2000" b="1" dirty="0">
+                <a:solidFill>
+                  <a:schemeClr val="bg1"/>
+                </a:solidFill>
+                <a:latin typeface="Arial" panose="020B0604020202020204" pitchFamily="34" charset="0"/>
+                <a:cs typeface="Arial" panose="020B0604020202020204" pitchFamily="34" charset="0"/>
+              </a:rPr>
               <a:t>month</a:t>
             </a:r>
             <a:r>
-              <a:rPr lang="en-MY" sz="2000" dirty="0"/>
-              <a:t>: month of reported counts, 1 − 12.</a:t>
-            </a:r>
-          </a:p>
-          <a:p>
-            <a:r>
-              <a:rPr lang="en-MY" sz="2000" b="1" dirty="0"/>
-              <a:t>value</a:t>
-            </a:r>
-            <a:r>
-              <a:rPr lang="en-MY" sz="2000" dirty="0"/>
-              <a:t>: monthly reported count of categorical crime in given borough.</a:t>
-            </a:r>
+              <a:rPr lang="en-MY" sz="2000" dirty="0">
+                <a:solidFill>
+                  <a:schemeClr val="bg1"/>
+                </a:solidFill>
+                <a:latin typeface="Arial" panose="020B0604020202020204" pitchFamily="34" charset="0"/>
+                <a:cs typeface="Arial" panose="020B0604020202020204" pitchFamily="34" charset="0"/>
+              </a:rPr>
+              <a:t>: month of reported counts, 1-12 (January-December) </a:t>
+            </a:r>
+          </a:p>
+          <a:p>
+            <a:r>
+              <a:rPr lang="en-MY" sz="2000" i="1" dirty="0">
+                <a:solidFill>
+                  <a:schemeClr val="bg1"/>
+                </a:solidFill>
+                <a:latin typeface="Arial" panose="020B0604020202020204" pitchFamily="34" charset="0"/>
+                <a:cs typeface="Arial" panose="020B0604020202020204" pitchFamily="34" charset="0"/>
+              </a:rPr>
+              <a:t>The variables </a:t>
+            </a:r>
+            <a:r>
+              <a:rPr lang="en-MY" sz="2000" b="1" i="1" dirty="0" err="1">
+                <a:solidFill>
+                  <a:schemeClr val="bg1"/>
+                </a:solidFill>
+                <a:latin typeface="Arial" panose="020B0604020202020204" pitchFamily="34" charset="0"/>
+                <a:cs typeface="Arial" panose="020B0604020202020204" pitchFamily="34" charset="0"/>
+              </a:rPr>
+              <a:t>lsoa_code</a:t>
+            </a:r>
+            <a:r>
+              <a:rPr lang="en-MY" sz="2000" i="1" dirty="0">
+                <a:solidFill>
+                  <a:schemeClr val="bg1"/>
+                </a:solidFill>
+                <a:latin typeface="Arial" panose="020B0604020202020204" pitchFamily="34" charset="0"/>
+                <a:cs typeface="Arial" panose="020B0604020202020204" pitchFamily="34" charset="0"/>
+              </a:rPr>
+              <a:t>, </a:t>
+            </a:r>
+            <a:r>
+              <a:rPr lang="en-MY" sz="2000" b="1" i="1" dirty="0">
+                <a:solidFill>
+                  <a:schemeClr val="bg1"/>
+                </a:solidFill>
+                <a:latin typeface="Arial" panose="020B0604020202020204" pitchFamily="34" charset="0"/>
+                <a:cs typeface="Arial" panose="020B0604020202020204" pitchFamily="34" charset="0"/>
+              </a:rPr>
+              <a:t>borough</a:t>
+            </a:r>
+            <a:r>
+              <a:rPr lang="en-MY" sz="2000" i="1" dirty="0">
+                <a:solidFill>
+                  <a:schemeClr val="bg1"/>
+                </a:solidFill>
+                <a:latin typeface="Arial" panose="020B0604020202020204" pitchFamily="34" charset="0"/>
+                <a:cs typeface="Arial" panose="020B0604020202020204" pitchFamily="34" charset="0"/>
+              </a:rPr>
+              <a:t>, </a:t>
+            </a:r>
+            <a:r>
+              <a:rPr lang="en-MY" sz="2000" b="1" i="1" dirty="0" err="1">
+                <a:solidFill>
+                  <a:schemeClr val="bg1"/>
+                </a:solidFill>
+                <a:latin typeface="Arial" panose="020B0604020202020204" pitchFamily="34" charset="0"/>
+                <a:cs typeface="Arial" panose="020B0604020202020204" pitchFamily="34" charset="0"/>
+              </a:rPr>
+              <a:t>major_category</a:t>
+            </a:r>
+            <a:r>
+              <a:rPr lang="en-MY" sz="2000" i="1" dirty="0">
+                <a:solidFill>
+                  <a:schemeClr val="bg1"/>
+                </a:solidFill>
+                <a:latin typeface="Arial" panose="020B0604020202020204" pitchFamily="34" charset="0"/>
+                <a:cs typeface="Arial" panose="020B0604020202020204" pitchFamily="34" charset="0"/>
+              </a:rPr>
+              <a:t>, </a:t>
+            </a:r>
+            <a:r>
+              <a:rPr lang="en-MY" sz="2000" b="1" i="1" dirty="0" err="1">
+                <a:solidFill>
+                  <a:schemeClr val="bg1"/>
+                </a:solidFill>
+                <a:latin typeface="Arial" panose="020B0604020202020204" pitchFamily="34" charset="0"/>
+                <a:cs typeface="Arial" panose="020B0604020202020204" pitchFamily="34" charset="0"/>
+              </a:rPr>
+              <a:t>minor_category</a:t>
+            </a:r>
+            <a:r>
+              <a:rPr lang="en-MY" sz="2000" i="1" dirty="0">
+                <a:solidFill>
+                  <a:schemeClr val="bg1"/>
+                </a:solidFill>
+                <a:latin typeface="Arial" panose="020B0604020202020204" pitchFamily="34" charset="0"/>
+                <a:cs typeface="Arial" panose="020B0604020202020204" pitchFamily="34" charset="0"/>
+              </a:rPr>
+              <a:t>, </a:t>
+            </a:r>
+            <a:r>
+              <a:rPr lang="en-MY" sz="2000" b="1" i="1" dirty="0">
+                <a:solidFill>
+                  <a:schemeClr val="bg1"/>
+                </a:solidFill>
+                <a:latin typeface="Arial" panose="020B0604020202020204" pitchFamily="34" charset="0"/>
+                <a:cs typeface="Arial" panose="020B0604020202020204" pitchFamily="34" charset="0"/>
+              </a:rPr>
+              <a:t>year</a:t>
+            </a:r>
+            <a:r>
+              <a:rPr lang="en-MY" sz="2000" i="1" dirty="0">
+                <a:solidFill>
+                  <a:schemeClr val="bg1"/>
+                </a:solidFill>
+                <a:latin typeface="Arial" panose="020B0604020202020204" pitchFamily="34" charset="0"/>
+                <a:cs typeface="Arial" panose="020B0604020202020204" pitchFamily="34" charset="0"/>
+              </a:rPr>
+              <a:t> and </a:t>
+            </a:r>
+            <a:r>
+              <a:rPr lang="en-MY" sz="2000" b="1" i="1" dirty="0">
+                <a:solidFill>
+                  <a:schemeClr val="bg1"/>
+                </a:solidFill>
+                <a:latin typeface="Arial" panose="020B0604020202020204" pitchFamily="34" charset="0"/>
+                <a:cs typeface="Arial" panose="020B0604020202020204" pitchFamily="34" charset="0"/>
+              </a:rPr>
+              <a:t>month</a:t>
+            </a:r>
+            <a:r>
+              <a:rPr lang="en-MY" sz="2000" i="1" dirty="0">
+                <a:solidFill>
+                  <a:schemeClr val="bg1"/>
+                </a:solidFill>
+                <a:latin typeface="Arial" panose="020B0604020202020204" pitchFamily="34" charset="0"/>
+                <a:cs typeface="Arial" panose="020B0604020202020204" pitchFamily="34" charset="0"/>
+              </a:rPr>
+              <a:t> are </a:t>
+            </a:r>
+            <a:r>
+              <a:rPr lang="en-MY" sz="2000" b="1" i="1" u="sng" dirty="0">
+                <a:solidFill>
+                  <a:schemeClr val="bg1"/>
+                </a:solidFill>
+                <a:latin typeface="Arial" panose="020B0604020202020204" pitchFamily="34" charset="0"/>
+                <a:cs typeface="Arial" panose="020B0604020202020204" pitchFamily="34" charset="0"/>
+              </a:rPr>
+              <a:t>categorical</a:t>
+            </a:r>
+            <a:r>
+              <a:rPr lang="en-MY" sz="2000" i="1" dirty="0">
+                <a:solidFill>
+                  <a:schemeClr val="bg1"/>
+                </a:solidFill>
+                <a:latin typeface="Arial" panose="020B0604020202020204" pitchFamily="34" charset="0"/>
+                <a:cs typeface="Arial" panose="020B0604020202020204" pitchFamily="34" charset="0"/>
+              </a:rPr>
+              <a:t> variables, while value is a </a:t>
+            </a:r>
+            <a:r>
+              <a:rPr lang="en-MY" sz="2000" b="1" i="1" u="sng" dirty="0">
+                <a:solidFill>
+                  <a:schemeClr val="bg1"/>
+                </a:solidFill>
+                <a:latin typeface="Arial" panose="020B0604020202020204" pitchFamily="34" charset="0"/>
+                <a:cs typeface="Arial" panose="020B0604020202020204" pitchFamily="34" charset="0"/>
+              </a:rPr>
+              <a:t>discrete numerical </a:t>
+            </a:r>
+            <a:r>
+              <a:rPr lang="en-MY" sz="2000" i="1" dirty="0">
+                <a:solidFill>
+                  <a:schemeClr val="bg1"/>
+                </a:solidFill>
+                <a:latin typeface="Arial" panose="020B0604020202020204" pitchFamily="34" charset="0"/>
+                <a:cs typeface="Arial" panose="020B0604020202020204" pitchFamily="34" charset="0"/>
+              </a:rPr>
+              <a:t>variable. </a:t>
+            </a:r>
+          </a:p>
+          <a:p>
             <a:endParaRPr lang="en-MY" sz="2000" dirty="0">
+              <a:solidFill>
+                <a:schemeClr val="bg1"/>
+              </a:solidFill>
               <a:effectLst/>
-            </a:endParaRPr>
-          </a:p>
-        </p:txBody>
-      </p:sp>
-      <p:sp>
-        <p:nvSpPr>
-          <p:cNvPr id="7" name="Content Placeholder 2">
-            <a:extLst>
-              <a:ext uri="{FF2B5EF4-FFF2-40B4-BE49-F238E27FC236}">
-                <a16:creationId xmlns:a16="http://schemas.microsoft.com/office/drawing/2014/main" id="{50C822ED-5B85-5349-81D3-F1354409C1F5}"/>
-              </a:ext>
-            </a:extLst>
-          </p:cNvPr>
-          <p:cNvSpPr txBox="1">
-            <a:spLocks/>
-          </p:cNvSpPr>
-          <p:nvPr/>
-        </p:nvSpPr>
-        <p:spPr>
-          <a:xfrm>
-            <a:off x="609600" y="4639510"/>
-            <a:ext cx="6863255" cy="1336128"/>
-          </a:xfrm>
-          <a:prstGeom prst="rect">
-            <a:avLst/>
-          </a:prstGeom>
-          <a:noFill/>
-          <a:ln w="9525">
-            <a:noFill/>
-          </a:ln>
-        </p:spPr>
-        <p:txBody>
-          <a:bodyPr/>
-          <a:lstStyle>
-            <a:lvl1pPr marL="342900" lvl="0" indent="-342900" algn="l" defTabSz="914400" rtl="0" eaLnBrk="1" fontAlgn="base" latinLnBrk="0" hangingPunct="1">
-              <a:lnSpc>
-                <a:spcPct val="100000"/>
-              </a:lnSpc>
-              <a:spcBef>
-                <a:spcPct val="20000"/>
-              </a:spcBef>
-              <a:spcAft>
-                <a:spcPct val="0"/>
-              </a:spcAft>
-              <a:buChar char="•"/>
-              <a:defRPr sz="3200" b="0" i="0" u="none" kern="1200" baseline="0">
-                <a:solidFill>
-                  <a:schemeClr val="tx1"/>
-                </a:solidFill>
-                <a:latin typeface="+mn-lt"/>
-                <a:ea typeface="+mn-ea"/>
-                <a:cs typeface="+mn-cs"/>
-              </a:defRPr>
-            </a:lvl1pPr>
-            <a:lvl2pPr marL="742950" lvl="1" indent="-285750" algn="l" defTabSz="914400" rtl="0" eaLnBrk="1" fontAlgn="base" latinLnBrk="0" hangingPunct="1">
-              <a:lnSpc>
-                <a:spcPct val="100000"/>
-              </a:lnSpc>
-              <a:spcBef>
-                <a:spcPct val="20000"/>
-              </a:spcBef>
-              <a:spcAft>
-                <a:spcPct val="0"/>
-              </a:spcAft>
-              <a:buChar char="–"/>
-              <a:defRPr sz="2800" b="0" i="0" u="none" kern="1200" baseline="0">
-                <a:solidFill>
-                  <a:schemeClr val="tx1"/>
-                </a:solidFill>
-                <a:latin typeface="+mn-lt"/>
-                <a:ea typeface="+mn-ea"/>
-                <a:cs typeface="+mn-cs"/>
-              </a:defRPr>
-            </a:lvl2pPr>
-            <a:lvl3pPr marL="1143000" lvl="2" indent="-228600" algn="l" defTabSz="914400" rtl="0" eaLnBrk="1" fontAlgn="base" latinLnBrk="0" hangingPunct="1">
-              <a:lnSpc>
-                <a:spcPct val="100000"/>
-              </a:lnSpc>
-              <a:spcBef>
-                <a:spcPct val="20000"/>
-              </a:spcBef>
-              <a:spcAft>
-                <a:spcPct val="0"/>
-              </a:spcAft>
-              <a:buChar char="•"/>
-              <a:defRPr sz="2400" b="0" i="0" u="none" kern="1200" baseline="0">
-                <a:solidFill>
-                  <a:schemeClr val="tx1"/>
-                </a:solidFill>
-                <a:latin typeface="+mn-lt"/>
-                <a:ea typeface="+mn-ea"/>
-                <a:cs typeface="+mn-cs"/>
-              </a:defRPr>
-            </a:lvl3pPr>
-            <a:lvl4pPr marL="1600200" lvl="3" indent="-228600" algn="l" defTabSz="914400" rtl="0" eaLnBrk="1" fontAlgn="base" latinLnBrk="0" hangingPunct="1">
-              <a:lnSpc>
-                <a:spcPct val="100000"/>
-              </a:lnSpc>
-              <a:spcBef>
-                <a:spcPct val="20000"/>
-              </a:spcBef>
-              <a:spcAft>
-                <a:spcPct val="0"/>
-              </a:spcAft>
-              <a:buChar char="–"/>
-              <a:defRPr sz="2000" b="0" i="0" u="none" kern="1200" baseline="0">
-                <a:solidFill>
-                  <a:schemeClr val="tx1"/>
-                </a:solidFill>
-                <a:latin typeface="+mn-lt"/>
-                <a:ea typeface="+mn-ea"/>
-                <a:cs typeface="+mn-cs"/>
-              </a:defRPr>
-            </a:lvl4pPr>
-            <a:lvl5pPr marL="2057400" lvl="4" indent="-228600" algn="l" defTabSz="914400" rtl="0" eaLnBrk="1" fontAlgn="base" latinLnBrk="0" hangingPunct="1">
-              <a:lnSpc>
-                <a:spcPct val="100000"/>
-              </a:lnSpc>
-              <a:spcBef>
-                <a:spcPct val="20000"/>
-              </a:spcBef>
-              <a:spcAft>
-                <a:spcPct val="0"/>
-              </a:spcAft>
-              <a:buChar char="»"/>
-              <a:defRPr sz="2000" b="0" i="0" u="none" kern="1200" baseline="0">
-                <a:solidFill>
-                  <a:schemeClr val="tx1"/>
-                </a:solidFill>
-                <a:latin typeface="+mn-lt"/>
-                <a:ea typeface="+mn-ea"/>
-                <a:cs typeface="+mn-cs"/>
-              </a:defRPr>
-            </a:lvl5pPr>
-            <a:lvl6pPr marL="2514600" lvl="5" indent="-228600" algn="l" defTabSz="914400" rtl="0" eaLnBrk="1" fontAlgn="base" latinLnBrk="0" hangingPunct="1">
-              <a:lnSpc>
-                <a:spcPct val="100000"/>
-              </a:lnSpc>
-              <a:spcBef>
-                <a:spcPct val="20000"/>
-              </a:spcBef>
-              <a:spcAft>
-                <a:spcPct val="0"/>
-              </a:spcAft>
-              <a:buChar char="»"/>
-              <a:defRPr sz="2000" b="0" i="0" u="none" kern="1200" baseline="0">
-                <a:solidFill>
-                  <a:schemeClr val="tx1"/>
-                </a:solidFill>
-                <a:latin typeface="+mn-lt"/>
-                <a:ea typeface="+mn-ea"/>
-                <a:cs typeface="+mn-cs"/>
-              </a:defRPr>
-            </a:lvl6pPr>
-            <a:lvl7pPr marL="2971800" lvl="6" indent="-228600" algn="l" defTabSz="914400" rtl="0" eaLnBrk="1" fontAlgn="base" latinLnBrk="0" hangingPunct="1">
-              <a:lnSpc>
-                <a:spcPct val="100000"/>
-              </a:lnSpc>
-              <a:spcBef>
-                <a:spcPct val="20000"/>
-              </a:spcBef>
-              <a:spcAft>
-                <a:spcPct val="0"/>
-              </a:spcAft>
-              <a:buChar char="»"/>
-              <a:defRPr sz="2000" b="0" i="0" u="none" kern="1200" baseline="0">
-                <a:solidFill>
-                  <a:schemeClr val="tx1"/>
-                </a:solidFill>
-                <a:latin typeface="+mn-lt"/>
-                <a:ea typeface="+mn-ea"/>
-                <a:cs typeface="+mn-cs"/>
-              </a:defRPr>
-            </a:lvl7pPr>
-            <a:lvl8pPr marL="3429000" lvl="7" indent="-228600" algn="l" defTabSz="914400" rtl="0" eaLnBrk="1" fontAlgn="base" latinLnBrk="0" hangingPunct="1">
-              <a:lnSpc>
-                <a:spcPct val="100000"/>
-              </a:lnSpc>
-              <a:spcBef>
-                <a:spcPct val="20000"/>
-              </a:spcBef>
-              <a:spcAft>
-                <a:spcPct val="0"/>
-              </a:spcAft>
-              <a:buChar char="»"/>
-              <a:defRPr sz="2000" b="0" i="0" u="none" kern="1200" baseline="0">
-                <a:solidFill>
-                  <a:schemeClr val="tx1"/>
-                </a:solidFill>
-                <a:latin typeface="+mn-lt"/>
-                <a:ea typeface="+mn-ea"/>
-                <a:cs typeface="+mn-cs"/>
-              </a:defRPr>
-            </a:lvl8pPr>
-            <a:lvl9pPr marL="3886200" lvl="8" indent="-228600" algn="l" defTabSz="914400" rtl="0" eaLnBrk="1" fontAlgn="base" latinLnBrk="0" hangingPunct="1">
-              <a:lnSpc>
-                <a:spcPct val="100000"/>
-              </a:lnSpc>
-              <a:spcBef>
-                <a:spcPct val="20000"/>
-              </a:spcBef>
-              <a:spcAft>
-                <a:spcPct val="0"/>
-              </a:spcAft>
-              <a:buChar char="»"/>
-              <a:defRPr sz="2000" b="0" i="0" u="none" kern="1200" baseline="0">
-                <a:solidFill>
-                  <a:schemeClr val="tx1"/>
-                </a:solidFill>
-                <a:latin typeface="+mn-lt"/>
-                <a:ea typeface="+mn-ea"/>
-                <a:cs typeface="+mn-cs"/>
-              </a:defRPr>
-            </a:lvl9pPr>
-          </a:lstStyle>
-          <a:p>
-            <a:pPr marL="0" indent="0" algn="ctr">
-              <a:buNone/>
-            </a:pPr>
-            <a:r>
-              <a:rPr lang="en-MY" sz="2000" i="1" dirty="0"/>
-              <a:t>The variables </a:t>
-            </a:r>
-            <a:r>
-              <a:rPr lang="en-MY" sz="2000" b="1" i="1" dirty="0" err="1"/>
-              <a:t>lsoa_code</a:t>
-            </a:r>
-            <a:r>
-              <a:rPr lang="en-MY" sz="2000" i="1" dirty="0"/>
-              <a:t>, </a:t>
-            </a:r>
-            <a:r>
-              <a:rPr lang="en-MY" sz="2000" b="1" i="1" dirty="0"/>
-              <a:t>borough</a:t>
-            </a:r>
-            <a:r>
-              <a:rPr lang="en-MY" sz="2000" i="1" dirty="0"/>
-              <a:t>, </a:t>
-            </a:r>
-            <a:r>
-              <a:rPr lang="en-MY" sz="2000" b="1" i="1" dirty="0" err="1"/>
-              <a:t>major_category</a:t>
-            </a:r>
-            <a:r>
-              <a:rPr lang="en-MY" sz="2000" i="1" dirty="0"/>
-              <a:t>, </a:t>
-            </a:r>
-            <a:r>
-              <a:rPr lang="en-MY" sz="2000" b="1" i="1" dirty="0" err="1"/>
-              <a:t>minor_category</a:t>
-            </a:r>
-            <a:r>
-              <a:rPr lang="en-MY" sz="2000" i="1" dirty="0"/>
-              <a:t>, </a:t>
-            </a:r>
-            <a:r>
-              <a:rPr lang="en-MY" sz="2000" b="1" i="1" dirty="0"/>
-              <a:t>year</a:t>
-            </a:r>
-            <a:r>
-              <a:rPr lang="en-MY" sz="2000" i="1" dirty="0"/>
-              <a:t> and </a:t>
-            </a:r>
-            <a:r>
-              <a:rPr lang="en-MY" sz="2000" b="1" i="1" dirty="0"/>
-              <a:t>month</a:t>
-            </a:r>
-            <a:r>
-              <a:rPr lang="en-MY" sz="2000" i="1" dirty="0"/>
-              <a:t> are </a:t>
-            </a:r>
-            <a:r>
-              <a:rPr lang="en-MY" sz="2000" b="1" i="1" u="sng" dirty="0"/>
-              <a:t>categorical</a:t>
-            </a:r>
-            <a:r>
-              <a:rPr lang="en-MY" sz="2000" i="1" dirty="0"/>
-              <a:t> variables, while value is a </a:t>
-            </a:r>
-            <a:r>
-              <a:rPr lang="en-MY" sz="2000" b="1" i="1" u="sng" dirty="0"/>
-              <a:t>discrete numerical </a:t>
-            </a:r>
-            <a:r>
-              <a:rPr lang="en-MY" sz="2000" i="1" dirty="0"/>
-              <a:t>variable. </a:t>
-            </a:r>
-            <a:endParaRPr lang="en-MY" sz="2000" i="1" dirty="0">
-              <a:effectLst/>
+              <a:latin typeface="Arial" panose="020B0604020202020204" pitchFamily="34" charset="0"/>
+              <a:cs typeface="Arial" panose="020B0604020202020204" pitchFamily="34" charset="0"/>
             </a:endParaRPr>
           </a:p>
         </p:txBody>
@@ -6002,7 +9251,11 @@
           <a:lstStyle/>
           <a:p>
             <a:r>
-              <a:rPr lang="en-US" dirty="0"/>
+              <a:rPr lang="en-US" dirty="0">
+                <a:solidFill>
+                  <a:schemeClr val="bg1"/>
+                </a:solidFill>
+              </a:rPr>
               <a:t>Data Cleaning</a:t>
             </a:r>
           </a:p>
@@ -6251,18 +9504,33 @@
               <a:buNone/>
             </a:pPr>
             <a:r>
-              <a:rPr lang="en-MY" sz="2000" dirty="0"/>
+              <a:rPr lang="en-MY" sz="2000" dirty="0">
+                <a:solidFill>
+                  <a:schemeClr val="bg1"/>
+                </a:solidFill>
+              </a:rPr>
               <a:t>From the dataset, we used the used the fastest way to identify determine if </a:t>
             </a:r>
             <a:r>
-              <a:rPr lang="en-MY" sz="2000" b="1" dirty="0"/>
+              <a:rPr lang="en-MY" sz="2000" b="1" dirty="0">
+                <a:solidFill>
+                  <a:schemeClr val="bg1"/>
+                </a:solidFill>
+              </a:rPr>
               <a:t>ANY</a:t>
             </a:r>
             <a:r>
-              <a:rPr lang="en-MY" sz="2000" dirty="0"/>
+              <a:rPr lang="en-MY" sz="2000" dirty="0">
+                <a:solidFill>
+                  <a:schemeClr val="bg1"/>
+                </a:solidFill>
+              </a:rPr>
               <a:t> value in a series is missing. Therefore the finding is the data are clean.</a:t>
             </a:r>
             <a:endParaRPr lang="en-MY" sz="2000" dirty="0">
+              <a:solidFill>
+                <a:schemeClr val="bg1"/>
+              </a:solidFill>
               <a:effectLst/>
             </a:endParaRPr>
           </a:p>
@@ -6282,7 +9550,7 @@
           </p:cNvPicPr>
           <p:nvPr/>
         </p:nvPicPr>
-        <p:blipFill>
+        <p:blipFill rotWithShape="1">
           <a:blip r:embed="rId2">
             <a:extLst>
               <a:ext uri="{28A0092B-C50C-407E-A947-70E740481C1C}">
@@ -6290,14 +9558,13 @@
               </a:ext>
             </a:extLst>
           </a:blip>
-          <a:stretch>
-            <a:fillRect/>
-          </a:stretch>
+          <a:srcRect b="79551"/>
+          <a:stretch/>
         </p:blipFill>
         <p:spPr>
           <a:xfrm>
-            <a:off x="609600" y="1829168"/>
-            <a:ext cx="6842234" cy="2810341"/>
+            <a:off x="1123949" y="2129155"/>
+            <a:ext cx="10108449" cy="849010"/>
           </a:xfrm>
           <a:prstGeom prst="rect">
             <a:avLst/>
@@ -6355,49 +9622,342 @@
           <a:lstStyle/>
           <a:p>
             <a:r>
-              <a:rPr lang="en-MY" dirty="0"/>
-              <a:t>Numeric Variables Analysis :</a:t>
-            </a:r>
-            <a:endParaRPr lang="en-US" dirty="0"/>
+              <a:rPr lang="en-MY" dirty="0">
+                <a:solidFill>
+                  <a:schemeClr val="bg1"/>
+                </a:solidFill>
+              </a:rPr>
+              <a:t>Quantitative Variables Analysis :</a:t>
+            </a:r>
+            <a:endParaRPr lang="en-US" dirty="0">
+              <a:solidFill>
+                <a:schemeClr val="bg1"/>
+              </a:solidFill>
+            </a:endParaRPr>
           </a:p>
         </p:txBody>
       </p:sp>
-      <p:pic>
-        <p:nvPicPr>
-          <p:cNvPr id="9" name="Picture 8" descr="A screenshot of a social media post&#10;&#10;Description automatically generated">
+      <p:sp>
+        <p:nvSpPr>
+          <p:cNvPr id="4" name="Content Placeholder 2">
             <a:extLst>
               <a:ext uri="{FF2B5EF4-FFF2-40B4-BE49-F238E27FC236}">
-                <a16:creationId xmlns:a16="http://schemas.microsoft.com/office/drawing/2014/main" id="{23155FE4-1EA7-CC48-9E23-3FA5B43CC74D}"/>
+                <a16:creationId xmlns:a16="http://schemas.microsoft.com/office/drawing/2014/main" id="{CB51AE0B-E5F2-084B-9297-503B4C7CC2E5}"/>
               </a:ext>
             </a:extLst>
           </p:cNvPr>
-          <p:cNvPicPr>
-            <a:picLocks noChangeAspect="1"/>
-          </p:cNvPicPr>
+          <p:cNvSpPr txBox="1">
+            <a:spLocks/>
+          </p:cNvSpPr>
           <p:nvPr/>
-        </p:nvPicPr>
-        <p:blipFill>
-          <a:blip r:embed="rId2">
-            <a:extLst>
-              <a:ext uri="{28A0092B-C50C-407E-A947-70E740481C1C}">
-                <a14:useLocalDpi xmlns:a14="http://schemas.microsoft.com/office/drawing/2010/main" val="0"/>
-              </a:ext>
-            </a:extLst>
-          </a:blip>
-          <a:stretch>
-            <a:fillRect/>
-          </a:stretch>
-        </p:blipFill>
+        </p:nvSpPr>
         <p:spPr>
           <a:xfrm>
-            <a:off x="446854" y="1100137"/>
-            <a:ext cx="8168509" cy="2627210"/>
+            <a:off x="880533" y="1080911"/>
+            <a:ext cx="10972800" cy="2813756"/>
           </a:xfrm>
           <a:prstGeom prst="rect">
             <a:avLst/>
           </a:prstGeom>
+          <a:noFill/>
+          <a:ln w="9525">
+            <a:noFill/>
+          </a:ln>
         </p:spPr>
-      </p:pic>
+        <p:txBody>
+          <a:bodyPr/>
+          <a:lstStyle>
+            <a:lvl1pPr marL="342900" lvl="0" indent="-342900" algn="l" defTabSz="914400" rtl="0" eaLnBrk="1" fontAlgn="base" latinLnBrk="0" hangingPunct="1">
+              <a:lnSpc>
+                <a:spcPct val="100000"/>
+              </a:lnSpc>
+              <a:spcBef>
+                <a:spcPct val="20000"/>
+              </a:spcBef>
+              <a:spcAft>
+                <a:spcPct val="0"/>
+              </a:spcAft>
+              <a:buChar char="•"/>
+              <a:defRPr sz="3200" b="0" i="0" u="none" kern="1200" baseline="0">
+                <a:solidFill>
+                  <a:schemeClr val="tx1"/>
+                </a:solidFill>
+                <a:latin typeface="+mn-lt"/>
+                <a:ea typeface="+mn-ea"/>
+                <a:cs typeface="+mn-cs"/>
+              </a:defRPr>
+            </a:lvl1pPr>
+            <a:lvl2pPr marL="742950" lvl="1" indent="-285750" algn="l" defTabSz="914400" rtl="0" eaLnBrk="1" fontAlgn="base" latinLnBrk="0" hangingPunct="1">
+              <a:lnSpc>
+                <a:spcPct val="100000"/>
+              </a:lnSpc>
+              <a:spcBef>
+                <a:spcPct val="20000"/>
+              </a:spcBef>
+              <a:spcAft>
+                <a:spcPct val="0"/>
+              </a:spcAft>
+              <a:buChar char="–"/>
+              <a:defRPr sz="2800" b="0" i="0" u="none" kern="1200" baseline="0">
+                <a:solidFill>
+                  <a:schemeClr val="tx1"/>
+                </a:solidFill>
+                <a:latin typeface="+mn-lt"/>
+                <a:ea typeface="+mn-ea"/>
+                <a:cs typeface="+mn-cs"/>
+              </a:defRPr>
+            </a:lvl2pPr>
+            <a:lvl3pPr marL="1143000" lvl="2" indent="-228600" algn="l" defTabSz="914400" rtl="0" eaLnBrk="1" fontAlgn="base" latinLnBrk="0" hangingPunct="1">
+              <a:lnSpc>
+                <a:spcPct val="100000"/>
+              </a:lnSpc>
+              <a:spcBef>
+                <a:spcPct val="20000"/>
+              </a:spcBef>
+              <a:spcAft>
+                <a:spcPct val="0"/>
+              </a:spcAft>
+              <a:buChar char="•"/>
+              <a:defRPr sz="2400" b="0" i="0" u="none" kern="1200" baseline="0">
+                <a:solidFill>
+                  <a:schemeClr val="tx1"/>
+                </a:solidFill>
+                <a:latin typeface="+mn-lt"/>
+                <a:ea typeface="+mn-ea"/>
+                <a:cs typeface="+mn-cs"/>
+              </a:defRPr>
+            </a:lvl3pPr>
+            <a:lvl4pPr marL="1600200" lvl="3" indent="-228600" algn="l" defTabSz="914400" rtl="0" eaLnBrk="1" fontAlgn="base" latinLnBrk="0" hangingPunct="1">
+              <a:lnSpc>
+                <a:spcPct val="100000"/>
+              </a:lnSpc>
+              <a:spcBef>
+                <a:spcPct val="20000"/>
+              </a:spcBef>
+              <a:spcAft>
+                <a:spcPct val="0"/>
+              </a:spcAft>
+              <a:buChar char="–"/>
+              <a:defRPr sz="2000" b="0" i="0" u="none" kern="1200" baseline="0">
+                <a:solidFill>
+                  <a:schemeClr val="tx1"/>
+                </a:solidFill>
+                <a:latin typeface="+mn-lt"/>
+                <a:ea typeface="+mn-ea"/>
+                <a:cs typeface="+mn-cs"/>
+              </a:defRPr>
+            </a:lvl4pPr>
+            <a:lvl5pPr marL="2057400" lvl="4" indent="-228600" algn="l" defTabSz="914400" rtl="0" eaLnBrk="1" fontAlgn="base" latinLnBrk="0" hangingPunct="1">
+              <a:lnSpc>
+                <a:spcPct val="100000"/>
+              </a:lnSpc>
+              <a:spcBef>
+                <a:spcPct val="20000"/>
+              </a:spcBef>
+              <a:spcAft>
+                <a:spcPct val="0"/>
+              </a:spcAft>
+              <a:buChar char="»"/>
+              <a:defRPr sz="2000" b="0" i="0" u="none" kern="1200" baseline="0">
+                <a:solidFill>
+                  <a:schemeClr val="tx1"/>
+                </a:solidFill>
+                <a:latin typeface="+mn-lt"/>
+                <a:ea typeface="+mn-ea"/>
+                <a:cs typeface="+mn-cs"/>
+              </a:defRPr>
+            </a:lvl5pPr>
+            <a:lvl6pPr marL="2514600" lvl="5" indent="-228600" algn="l" defTabSz="914400" rtl="0" eaLnBrk="1" fontAlgn="base" latinLnBrk="0" hangingPunct="1">
+              <a:lnSpc>
+                <a:spcPct val="100000"/>
+              </a:lnSpc>
+              <a:spcBef>
+                <a:spcPct val="20000"/>
+              </a:spcBef>
+              <a:spcAft>
+                <a:spcPct val="0"/>
+              </a:spcAft>
+              <a:buChar char="»"/>
+              <a:defRPr sz="2000" b="0" i="0" u="none" kern="1200" baseline="0">
+                <a:solidFill>
+                  <a:schemeClr val="tx1"/>
+                </a:solidFill>
+                <a:latin typeface="+mn-lt"/>
+                <a:ea typeface="+mn-ea"/>
+                <a:cs typeface="+mn-cs"/>
+              </a:defRPr>
+            </a:lvl6pPr>
+            <a:lvl7pPr marL="2971800" lvl="6" indent="-228600" algn="l" defTabSz="914400" rtl="0" eaLnBrk="1" fontAlgn="base" latinLnBrk="0" hangingPunct="1">
+              <a:lnSpc>
+                <a:spcPct val="100000"/>
+              </a:lnSpc>
+              <a:spcBef>
+                <a:spcPct val="20000"/>
+              </a:spcBef>
+              <a:spcAft>
+                <a:spcPct val="0"/>
+              </a:spcAft>
+              <a:buChar char="»"/>
+              <a:defRPr sz="2000" b="0" i="0" u="none" kern="1200" baseline="0">
+                <a:solidFill>
+                  <a:schemeClr val="tx1"/>
+                </a:solidFill>
+                <a:latin typeface="+mn-lt"/>
+                <a:ea typeface="+mn-ea"/>
+                <a:cs typeface="+mn-cs"/>
+              </a:defRPr>
+            </a:lvl7pPr>
+            <a:lvl8pPr marL="3429000" lvl="7" indent="-228600" algn="l" defTabSz="914400" rtl="0" eaLnBrk="1" fontAlgn="base" latinLnBrk="0" hangingPunct="1">
+              <a:lnSpc>
+                <a:spcPct val="100000"/>
+              </a:lnSpc>
+              <a:spcBef>
+                <a:spcPct val="20000"/>
+              </a:spcBef>
+              <a:spcAft>
+                <a:spcPct val="0"/>
+              </a:spcAft>
+              <a:buChar char="»"/>
+              <a:defRPr sz="2000" b="0" i="0" u="none" kern="1200" baseline="0">
+                <a:solidFill>
+                  <a:schemeClr val="tx1"/>
+                </a:solidFill>
+                <a:latin typeface="+mn-lt"/>
+                <a:ea typeface="+mn-ea"/>
+                <a:cs typeface="+mn-cs"/>
+              </a:defRPr>
+            </a:lvl8pPr>
+            <a:lvl9pPr marL="3886200" lvl="8" indent="-228600" algn="l" defTabSz="914400" rtl="0" eaLnBrk="1" fontAlgn="base" latinLnBrk="0" hangingPunct="1">
+              <a:lnSpc>
+                <a:spcPct val="100000"/>
+              </a:lnSpc>
+              <a:spcBef>
+                <a:spcPct val="20000"/>
+              </a:spcBef>
+              <a:spcAft>
+                <a:spcPct val="0"/>
+              </a:spcAft>
+              <a:buChar char="»"/>
+              <a:defRPr sz="2000" b="0" i="0" u="none" kern="1200" baseline="0">
+                <a:solidFill>
+                  <a:schemeClr val="tx1"/>
+                </a:solidFill>
+                <a:latin typeface="+mn-lt"/>
+                <a:ea typeface="+mn-ea"/>
+                <a:cs typeface="+mn-cs"/>
+              </a:defRPr>
+            </a:lvl9pPr>
+          </a:lstStyle>
+          <a:p>
+            <a:pPr marL="514350" indent="-514350">
+              <a:buFont typeface="+mj-lt"/>
+              <a:buAutoNum type="arabicPeriod"/>
+            </a:pPr>
+            <a:r>
+              <a:rPr lang="en-MY" dirty="0">
+                <a:solidFill>
+                  <a:schemeClr val="bg1"/>
+                </a:solidFill>
+              </a:rPr>
+              <a:t>Since </a:t>
+            </a:r>
+            <a:r>
+              <a:rPr lang="en-MY" b="1" dirty="0">
+                <a:solidFill>
+                  <a:schemeClr val="bg1"/>
+                </a:solidFill>
+              </a:rPr>
+              <a:t>247</a:t>
+            </a:r>
+            <a:r>
+              <a:rPr lang="en-MY" dirty="0">
+                <a:solidFill>
+                  <a:schemeClr val="bg1"/>
+                </a:solidFill>
+              </a:rPr>
+              <a:t> unique values of the dataset's samples have the variable </a:t>
+            </a:r>
+            <a:r>
+              <a:rPr lang="en-MY" b="1" dirty="0">
+                <a:solidFill>
+                  <a:schemeClr val="bg1"/>
+                </a:solidFill>
+              </a:rPr>
+              <a:t>value</a:t>
+            </a:r>
+            <a:r>
+              <a:rPr lang="en-MY" dirty="0">
+                <a:solidFill>
+                  <a:schemeClr val="bg1"/>
+                </a:solidFill>
+              </a:rPr>
+              <a:t> equals to </a:t>
+            </a:r>
+            <a:r>
+              <a:rPr lang="en-MY" b="1" dirty="0">
+                <a:solidFill>
+                  <a:schemeClr val="bg1"/>
+                </a:solidFill>
+              </a:rPr>
+              <a:t>0</a:t>
+            </a:r>
+            <a:r>
+              <a:rPr lang="en-MY" dirty="0">
+                <a:solidFill>
+                  <a:schemeClr val="bg1"/>
+                </a:solidFill>
+              </a:rPr>
+              <a:t>.</a:t>
+            </a:r>
+          </a:p>
+          <a:p>
+            <a:pPr marL="514350" indent="-514350">
+              <a:buFont typeface="+mj-lt"/>
+              <a:buAutoNum type="arabicPeriod"/>
+            </a:pPr>
+            <a:r>
+              <a:rPr lang="en-MY" dirty="0">
+                <a:solidFill>
+                  <a:schemeClr val="bg1"/>
+                </a:solidFill>
+              </a:rPr>
+              <a:t>To conclude, the window of time from </a:t>
+            </a:r>
+            <a:r>
+              <a:rPr lang="en-MY" b="1" dirty="0">
+                <a:solidFill>
+                  <a:schemeClr val="bg1"/>
+                </a:solidFill>
+              </a:rPr>
+              <a:t>2008</a:t>
+            </a:r>
+            <a:r>
+              <a:rPr lang="en-MY" dirty="0">
+                <a:solidFill>
+                  <a:schemeClr val="bg1"/>
+                </a:solidFill>
+              </a:rPr>
+              <a:t> to </a:t>
+            </a:r>
+            <a:r>
+              <a:rPr lang="en-MY" b="1" dirty="0">
+                <a:solidFill>
+                  <a:schemeClr val="bg1"/>
+                </a:solidFill>
+              </a:rPr>
+              <a:t>2016</a:t>
+            </a:r>
+            <a:r>
+              <a:rPr lang="en-MY" dirty="0">
+                <a:solidFill>
+                  <a:schemeClr val="bg1"/>
+                </a:solidFill>
+              </a:rPr>
+              <a:t> was not too compact of criminal activities.</a:t>
+            </a:r>
+          </a:p>
+        </p:txBody>
+      </p:sp>
     </p:spTree>
     <p:extLst>
       <p:ext uri="{BB962C8B-B14F-4D97-AF65-F5344CB8AC3E}">
@@ -6449,19 +10009,27 @@
           <a:lstStyle/>
           <a:p>
             <a:r>
-              <a:rPr lang="en-MY" dirty="0"/>
-              <a:t>Numeric Variables Analysis :</a:t>
-            </a:r>
-            <a:endParaRPr lang="en-US" dirty="0"/>
+              <a:rPr lang="en-MY" dirty="0">
+                <a:solidFill>
+                  <a:schemeClr val="bg1"/>
+                </a:solidFill>
+              </a:rPr>
+              <a:t>Quantitative Variables Analysis :</a:t>
+            </a:r>
+            <a:endParaRPr lang="en-US" dirty="0">
+              <a:solidFill>
+                <a:schemeClr val="bg1"/>
+              </a:solidFill>
+            </a:endParaRPr>
           </a:p>
         </p:txBody>
       </p:sp>
       <p:pic>
         <p:nvPicPr>
-          <p:cNvPr id="4" name="Picture 3" descr="A close up of a map&#10;&#10;Description automatically generated">
+          <p:cNvPr id="9" name="Picture 8" descr="A screenshot of a social media post&#10;&#10;Description automatically generated">
             <a:extLst>
               <a:ext uri="{FF2B5EF4-FFF2-40B4-BE49-F238E27FC236}">
-                <a16:creationId xmlns:a16="http://schemas.microsoft.com/office/drawing/2014/main" id="{C6E90D15-A852-3D4D-8029-5FAAAFF2E07B}"/>
+                <a16:creationId xmlns:a16="http://schemas.microsoft.com/office/drawing/2014/main" id="{23155FE4-1EA7-CC48-9E23-3FA5B43CC74D}"/>
               </a:ext>
             </a:extLst>
           </p:cNvPr>
@@ -6470,7 +10038,7 @@
           </p:cNvPicPr>
           <p:nvPr/>
         </p:nvPicPr>
-        <p:blipFill>
+        <p:blipFill rotWithShape="1">
           <a:blip r:embed="rId2">
             <a:extLst>
               <a:ext uri="{28A0092B-C50C-407E-A947-70E740481C1C}">
@@ -6478,24 +10046,356 @@
               </a:ext>
             </a:extLst>
           </a:blip>
-          <a:stretch>
-            <a:fillRect/>
-          </a:stretch>
+          <a:srcRect t="9527" b="34849"/>
+          <a:stretch/>
         </p:blipFill>
         <p:spPr>
           <a:xfrm>
-            <a:off x="168282" y="1152505"/>
-            <a:ext cx="8147043" cy="2897277"/>
+            <a:off x="2104204" y="1693333"/>
+            <a:ext cx="8168509" cy="1461347"/>
           </a:xfrm>
           <a:prstGeom prst="rect">
             <a:avLst/>
           </a:prstGeom>
         </p:spPr>
       </p:pic>
+      <p:sp>
+        <p:nvSpPr>
+          <p:cNvPr id="4" name="Content Placeholder 2">
+            <a:extLst>
+              <a:ext uri="{FF2B5EF4-FFF2-40B4-BE49-F238E27FC236}">
+                <a16:creationId xmlns:a16="http://schemas.microsoft.com/office/drawing/2014/main" id="{CB51AE0B-E5F2-084B-9297-503B4C7CC2E5}"/>
+              </a:ext>
+            </a:extLst>
+          </p:cNvPr>
+          <p:cNvSpPr txBox="1">
+            <a:spLocks/>
+          </p:cNvSpPr>
+          <p:nvPr/>
+        </p:nvSpPr>
+        <p:spPr>
+          <a:xfrm>
+            <a:off x="609600" y="3429000"/>
+            <a:ext cx="10972800" cy="1312333"/>
+          </a:xfrm>
+          <a:prstGeom prst="rect">
+            <a:avLst/>
+          </a:prstGeom>
+          <a:noFill/>
+          <a:ln w="9525">
+            <a:noFill/>
+          </a:ln>
+        </p:spPr>
+        <p:txBody>
+          <a:bodyPr/>
+          <a:lstStyle>
+            <a:lvl1pPr marL="342900" lvl="0" indent="-342900" algn="l" defTabSz="914400" rtl="0" eaLnBrk="1" fontAlgn="base" latinLnBrk="0" hangingPunct="1">
+              <a:lnSpc>
+                <a:spcPct val="100000"/>
+              </a:lnSpc>
+              <a:spcBef>
+                <a:spcPct val="20000"/>
+              </a:spcBef>
+              <a:spcAft>
+                <a:spcPct val="0"/>
+              </a:spcAft>
+              <a:buChar char="•"/>
+              <a:defRPr sz="3200" b="0" i="0" u="none" kern="1200" baseline="0">
+                <a:solidFill>
+                  <a:schemeClr val="tx1"/>
+                </a:solidFill>
+                <a:latin typeface="+mn-lt"/>
+                <a:ea typeface="+mn-ea"/>
+                <a:cs typeface="+mn-cs"/>
+              </a:defRPr>
+            </a:lvl1pPr>
+            <a:lvl2pPr marL="742950" lvl="1" indent="-285750" algn="l" defTabSz="914400" rtl="0" eaLnBrk="1" fontAlgn="base" latinLnBrk="0" hangingPunct="1">
+              <a:lnSpc>
+                <a:spcPct val="100000"/>
+              </a:lnSpc>
+              <a:spcBef>
+                <a:spcPct val="20000"/>
+              </a:spcBef>
+              <a:spcAft>
+                <a:spcPct val="0"/>
+              </a:spcAft>
+              <a:buChar char="–"/>
+              <a:defRPr sz="2800" b="0" i="0" u="none" kern="1200" baseline="0">
+                <a:solidFill>
+                  <a:schemeClr val="tx1"/>
+                </a:solidFill>
+                <a:latin typeface="+mn-lt"/>
+                <a:ea typeface="+mn-ea"/>
+                <a:cs typeface="+mn-cs"/>
+              </a:defRPr>
+            </a:lvl2pPr>
+            <a:lvl3pPr marL="1143000" lvl="2" indent="-228600" algn="l" defTabSz="914400" rtl="0" eaLnBrk="1" fontAlgn="base" latinLnBrk="0" hangingPunct="1">
+              <a:lnSpc>
+                <a:spcPct val="100000"/>
+              </a:lnSpc>
+              <a:spcBef>
+                <a:spcPct val="20000"/>
+              </a:spcBef>
+              <a:spcAft>
+                <a:spcPct val="0"/>
+              </a:spcAft>
+              <a:buChar char="•"/>
+              <a:defRPr sz="2400" b="0" i="0" u="none" kern="1200" baseline="0">
+                <a:solidFill>
+                  <a:schemeClr val="tx1"/>
+                </a:solidFill>
+                <a:latin typeface="+mn-lt"/>
+                <a:ea typeface="+mn-ea"/>
+                <a:cs typeface="+mn-cs"/>
+              </a:defRPr>
+            </a:lvl3pPr>
+            <a:lvl4pPr marL="1600200" lvl="3" indent="-228600" algn="l" defTabSz="914400" rtl="0" eaLnBrk="1" fontAlgn="base" latinLnBrk="0" hangingPunct="1">
+              <a:lnSpc>
+                <a:spcPct val="100000"/>
+              </a:lnSpc>
+              <a:spcBef>
+                <a:spcPct val="20000"/>
+              </a:spcBef>
+              <a:spcAft>
+                <a:spcPct val="0"/>
+              </a:spcAft>
+              <a:buChar char="–"/>
+              <a:defRPr sz="2000" b="0" i="0" u="none" kern="1200" baseline="0">
+                <a:solidFill>
+                  <a:schemeClr val="tx1"/>
+                </a:solidFill>
+                <a:latin typeface="+mn-lt"/>
+                <a:ea typeface="+mn-ea"/>
+                <a:cs typeface="+mn-cs"/>
+              </a:defRPr>
+            </a:lvl4pPr>
+            <a:lvl5pPr marL="2057400" lvl="4" indent="-228600" algn="l" defTabSz="914400" rtl="0" eaLnBrk="1" fontAlgn="base" latinLnBrk="0" hangingPunct="1">
+              <a:lnSpc>
+                <a:spcPct val="100000"/>
+              </a:lnSpc>
+              <a:spcBef>
+                <a:spcPct val="20000"/>
+              </a:spcBef>
+              <a:spcAft>
+                <a:spcPct val="0"/>
+              </a:spcAft>
+              <a:buChar char="»"/>
+              <a:defRPr sz="2000" b="0" i="0" u="none" kern="1200" baseline="0">
+                <a:solidFill>
+                  <a:schemeClr val="tx1"/>
+                </a:solidFill>
+                <a:latin typeface="+mn-lt"/>
+                <a:ea typeface="+mn-ea"/>
+                <a:cs typeface="+mn-cs"/>
+              </a:defRPr>
+            </a:lvl5pPr>
+            <a:lvl6pPr marL="2514600" lvl="5" indent="-228600" algn="l" defTabSz="914400" rtl="0" eaLnBrk="1" fontAlgn="base" latinLnBrk="0" hangingPunct="1">
+              <a:lnSpc>
+                <a:spcPct val="100000"/>
+              </a:lnSpc>
+              <a:spcBef>
+                <a:spcPct val="20000"/>
+              </a:spcBef>
+              <a:spcAft>
+                <a:spcPct val="0"/>
+              </a:spcAft>
+              <a:buChar char="»"/>
+              <a:defRPr sz="2000" b="0" i="0" u="none" kern="1200" baseline="0">
+                <a:solidFill>
+                  <a:schemeClr val="tx1"/>
+                </a:solidFill>
+                <a:latin typeface="+mn-lt"/>
+                <a:ea typeface="+mn-ea"/>
+                <a:cs typeface="+mn-cs"/>
+              </a:defRPr>
+            </a:lvl6pPr>
+            <a:lvl7pPr marL="2971800" lvl="6" indent="-228600" algn="l" defTabSz="914400" rtl="0" eaLnBrk="1" fontAlgn="base" latinLnBrk="0" hangingPunct="1">
+              <a:lnSpc>
+                <a:spcPct val="100000"/>
+              </a:lnSpc>
+              <a:spcBef>
+                <a:spcPct val="20000"/>
+              </a:spcBef>
+              <a:spcAft>
+                <a:spcPct val="0"/>
+              </a:spcAft>
+              <a:buChar char="»"/>
+              <a:defRPr sz="2000" b="0" i="0" u="none" kern="1200" baseline="0">
+                <a:solidFill>
+                  <a:schemeClr val="tx1"/>
+                </a:solidFill>
+                <a:latin typeface="+mn-lt"/>
+                <a:ea typeface="+mn-ea"/>
+                <a:cs typeface="+mn-cs"/>
+              </a:defRPr>
+            </a:lvl7pPr>
+            <a:lvl8pPr marL="3429000" lvl="7" indent="-228600" algn="l" defTabSz="914400" rtl="0" eaLnBrk="1" fontAlgn="base" latinLnBrk="0" hangingPunct="1">
+              <a:lnSpc>
+                <a:spcPct val="100000"/>
+              </a:lnSpc>
+              <a:spcBef>
+                <a:spcPct val="20000"/>
+              </a:spcBef>
+              <a:spcAft>
+                <a:spcPct val="0"/>
+              </a:spcAft>
+              <a:buChar char="»"/>
+              <a:defRPr sz="2000" b="0" i="0" u="none" kern="1200" baseline="0">
+                <a:solidFill>
+                  <a:schemeClr val="tx1"/>
+                </a:solidFill>
+                <a:latin typeface="+mn-lt"/>
+                <a:ea typeface="+mn-ea"/>
+                <a:cs typeface="+mn-cs"/>
+              </a:defRPr>
+            </a:lvl8pPr>
+            <a:lvl9pPr marL="3886200" lvl="8" indent="-228600" algn="l" defTabSz="914400" rtl="0" eaLnBrk="1" fontAlgn="base" latinLnBrk="0" hangingPunct="1">
+              <a:lnSpc>
+                <a:spcPct val="100000"/>
+              </a:lnSpc>
+              <a:spcBef>
+                <a:spcPct val="20000"/>
+              </a:spcBef>
+              <a:spcAft>
+                <a:spcPct val="0"/>
+              </a:spcAft>
+              <a:buChar char="»"/>
+              <a:defRPr sz="2000" b="0" i="0" u="none" kern="1200" baseline="0">
+                <a:solidFill>
+                  <a:schemeClr val="tx1"/>
+                </a:solidFill>
+                <a:latin typeface="+mn-lt"/>
+                <a:ea typeface="+mn-ea"/>
+                <a:cs typeface="+mn-cs"/>
+              </a:defRPr>
+            </a:lvl9pPr>
+          </a:lstStyle>
+          <a:p>
+            <a:pPr marL="0" indent="0">
+              <a:buNone/>
+            </a:pPr>
+            <a:r>
+              <a:rPr lang="en-MY" sz="2000" dirty="0">
+                <a:solidFill>
+                  <a:schemeClr val="bg1"/>
+                </a:solidFill>
+              </a:rPr>
+              <a:t>1. Since </a:t>
+            </a:r>
+            <a:r>
+              <a:rPr lang="en-MY" sz="2000" b="1" dirty="0">
+                <a:solidFill>
+                  <a:schemeClr val="bg1"/>
+                </a:solidFill>
+              </a:rPr>
+              <a:t>247 </a:t>
+            </a:r>
+            <a:r>
+              <a:rPr lang="en-MY" sz="2000" dirty="0">
+                <a:solidFill>
+                  <a:schemeClr val="bg1"/>
+                </a:solidFill>
+              </a:rPr>
+              <a:t>unique values of the dataset's samples have the variable </a:t>
+            </a:r>
+            <a:r>
+              <a:rPr lang="en-MY" sz="2000" b="1" dirty="0">
+                <a:solidFill>
+                  <a:schemeClr val="bg1"/>
+                </a:solidFill>
+              </a:rPr>
+              <a:t>value </a:t>
+            </a:r>
+            <a:r>
+              <a:rPr lang="en-MY" sz="2000" dirty="0" err="1">
+                <a:solidFill>
+                  <a:schemeClr val="bg1"/>
+                </a:solidFill>
+              </a:rPr>
+              <a:t>eguals</a:t>
+            </a:r>
+            <a:r>
+              <a:rPr lang="en-MY" sz="2000" dirty="0">
+                <a:solidFill>
+                  <a:schemeClr val="bg1"/>
+                </a:solidFill>
+              </a:rPr>
+              <a:t> to </a:t>
+            </a:r>
+            <a:r>
+              <a:rPr lang="en-MY" sz="2000" b="1" dirty="0">
+                <a:solidFill>
+                  <a:schemeClr val="bg1"/>
+                </a:solidFill>
+              </a:rPr>
+              <a:t>0</a:t>
+            </a:r>
+            <a:r>
+              <a:rPr lang="en-MY" sz="2000" dirty="0">
+                <a:solidFill>
+                  <a:schemeClr val="bg1"/>
+                </a:solidFill>
+              </a:rPr>
+              <a:t>. </a:t>
+            </a:r>
+          </a:p>
+          <a:p>
+            <a:pPr marL="0" indent="0">
+              <a:buNone/>
+            </a:pPr>
+            <a:r>
+              <a:rPr lang="en-MY" sz="2000" dirty="0">
+                <a:solidFill>
+                  <a:schemeClr val="bg1"/>
+                </a:solidFill>
+              </a:rPr>
+              <a:t>2. To conclude, the window of time from </a:t>
+            </a:r>
+            <a:r>
+              <a:rPr lang="en-MY" sz="2000" b="1" dirty="0">
+                <a:solidFill>
+                  <a:schemeClr val="bg1"/>
+                </a:solidFill>
+              </a:rPr>
+              <a:t>2008 </a:t>
+            </a:r>
+            <a:r>
+              <a:rPr lang="en-MY" sz="2000" dirty="0">
+                <a:solidFill>
+                  <a:schemeClr val="bg1"/>
+                </a:solidFill>
+              </a:rPr>
+              <a:t>to </a:t>
+            </a:r>
+            <a:r>
+              <a:rPr lang="en-MY" sz="2000" b="1" dirty="0">
+                <a:solidFill>
+                  <a:schemeClr val="bg1"/>
+                </a:solidFill>
+              </a:rPr>
+              <a:t>2016 </a:t>
+            </a:r>
+            <a:r>
+              <a:rPr lang="en-MY" sz="2000" dirty="0">
+                <a:solidFill>
+                  <a:schemeClr val="bg1"/>
+                </a:solidFill>
+              </a:rPr>
+              <a:t>was not too compact of criminal activities. </a:t>
+            </a:r>
+            <a:endParaRPr lang="en-MY" sz="2000" dirty="0">
+              <a:solidFill>
+                <a:schemeClr val="bg1"/>
+              </a:solidFill>
+              <a:effectLst/>
+            </a:endParaRPr>
+          </a:p>
+        </p:txBody>
+      </p:sp>
     </p:spTree>
     <p:extLst>
       <p:ext uri="{BB962C8B-B14F-4D97-AF65-F5344CB8AC3E}">
-        <p14:creationId xmlns:p14="http://schemas.microsoft.com/office/powerpoint/2010/main" val="2375936578"/>
+        <p14:creationId xmlns:p14="http://schemas.microsoft.com/office/powerpoint/2010/main" val="2324066146"/>
       </p:ext>
     </p:extLst>
   </p:cSld>

--- a/presentation/Analysis and Prediction of Crime Statistic in London.pptx
+++ b/presentation/Analysis and Prediction of Crime Statistic in London.pptx
@@ -266,7 +266,7 @@
           <a:p>
             <a:fld id="{FDE934FF-F4E1-47C5-9CA5-30A81DDE2BE4}" type="datetimeFigureOut">
               <a:rPr lang="en-US" smtClean="0"/>
-              <a:t>6/14/20</a:t>
+              <a:t>6/22/20</a:t>
             </a:fld>
             <a:endParaRPr lang="en-US"/>
           </a:p>
@@ -700,7 +700,7 @@
           <a:p>
             <a:fld id="{FDE934FF-F4E1-47C5-9CA5-30A81DDE2BE4}" type="datetimeFigureOut">
               <a:rPr lang="en-US" smtClean="0"/>
-              <a:t>6/14/20</a:t>
+              <a:t>6/22/20</a:t>
             </a:fld>
             <a:endParaRPr lang="en-US"/>
           </a:p>
@@ -864,7 +864,7 @@
           <a:p>
             <a:fld id="{FDE934FF-F4E1-47C5-9CA5-30A81DDE2BE4}" type="datetimeFigureOut">
               <a:rPr lang="en-US" smtClean="0"/>
-              <a:t>6/14/20</a:t>
+              <a:t>6/22/20</a:t>
             </a:fld>
             <a:endParaRPr lang="en-US"/>
           </a:p>
@@ -1105,7 +1105,7 @@
           <a:p>
             <a:fld id="{FDE934FF-F4E1-47C5-9CA5-30A81DDE2BE4}" type="datetimeFigureOut">
               <a:rPr lang="en-US" smtClean="0"/>
-              <a:t>6/14/20</a:t>
+              <a:t>6/22/20</a:t>
             </a:fld>
             <a:endParaRPr lang="en-US"/>
           </a:p>
@@ -1330,7 +1330,7 @@
           <a:p>
             <a:fld id="{FDE934FF-F4E1-47C5-9CA5-30A81DDE2BE4}" type="datetimeFigureOut">
               <a:rPr lang="en-US" smtClean="0"/>
-              <a:t>6/14/20</a:t>
+              <a:t>6/22/20</a:t>
             </a:fld>
             <a:endParaRPr lang="en-US"/>
           </a:p>
@@ -1690,7 +1690,7 @@
           <a:p>
             <a:fld id="{FDE934FF-F4E1-47C5-9CA5-30A81DDE2BE4}" type="datetimeFigureOut">
               <a:rPr lang="en-US" smtClean="0"/>
-              <a:t>6/14/20</a:t>
+              <a:t>6/22/20</a:t>
             </a:fld>
             <a:endParaRPr lang="en-US"/>
           </a:p>
@@ -1803,7 +1803,7 @@
           <a:p>
             <a:fld id="{FDE934FF-F4E1-47C5-9CA5-30A81DDE2BE4}" type="datetimeFigureOut">
               <a:rPr lang="en-US" smtClean="0"/>
-              <a:t>6/14/20</a:t>
+              <a:t>6/22/20</a:t>
             </a:fld>
             <a:endParaRPr lang="en-US"/>
           </a:p>
@@ -1894,7 +1894,7 @@
           <a:p>
             <a:fld id="{FDE934FF-F4E1-47C5-9CA5-30A81DDE2BE4}" type="datetimeFigureOut">
               <a:rPr lang="en-US" smtClean="0"/>
-              <a:t>6/14/20</a:t>
+              <a:t>6/22/20</a:t>
             </a:fld>
             <a:endParaRPr lang="en-US"/>
           </a:p>
@@ -2509,7 +2509,7 @@
           <a:p>
             <a:fld id="{FDE934FF-F4E1-47C5-9CA5-30A81DDE2BE4}" type="datetimeFigureOut">
               <a:rPr lang="en-US" smtClean="0"/>
-              <a:t>6/14/20</a:t>
+              <a:t>6/22/20</a:t>
             </a:fld>
             <a:endParaRPr lang="en-US"/>
           </a:p>
@@ -2728,7 +2728,7 @@
           <a:p>
             <a:fld id="{FDE934FF-F4E1-47C5-9CA5-30A81DDE2BE4}" type="datetimeFigureOut">
               <a:rPr lang="en-US" smtClean="0"/>
-              <a:t>6/14/20</a:t>
+              <a:t>6/22/20</a:t>
             </a:fld>
             <a:endParaRPr lang="en-US"/>
           </a:p>
@@ -4270,8 +4270,8 @@
         </p:blipFill>
         <p:spPr>
           <a:xfrm>
-            <a:off x="2287816" y="1090427"/>
-            <a:ext cx="7616367" cy="2821173"/>
+            <a:off x="2389417" y="1022693"/>
+            <a:ext cx="7431917" cy="2752851"/>
           </a:xfrm>
           <a:prstGeom prst="rect">
             <a:avLst/>
@@ -4294,7 +4294,7 @@
         </p:nvSpPr>
         <p:spPr>
           <a:xfrm>
-            <a:off x="609600" y="3982049"/>
+            <a:off x="609600" y="3733691"/>
             <a:ext cx="10972800" cy="1312333"/>
           </a:xfrm>
           <a:prstGeom prst="rect">
@@ -8627,10 +8627,10 @@
           <a:bodyPr/>
           <a:lstStyle/>
           <a:p>
-            <a:endParaRPr lang="en-US" sz="2000"/>
-          </a:p>
-          <a:p>
-            <a:endParaRPr lang="en-US" sz="2000"/>
+            <a:endParaRPr lang="en-US" sz="2000" dirty="0"/>
+          </a:p>
+          <a:p>
+            <a:endParaRPr lang="en-US" sz="2000" dirty="0"/>
           </a:p>
         </p:txBody>
       </p:sp>
@@ -8974,7 +8974,7 @@
                 <a:latin typeface="Arial" panose="020B0604020202020204" pitchFamily="34" charset="0"/>
                 <a:cs typeface="Arial" panose="020B0604020202020204" pitchFamily="34" charset="0"/>
               </a:rPr>
-              <a:t>: monthly reported count of categorical crime in given borough (district)\</a:t>
+              <a:t>: monthly reported count of categorical crime in given borough (district)</a:t>
             </a:r>
           </a:p>
           <a:p>
@@ -9205,6 +9205,42 @@
           </a:p>
         </p:txBody>
       </p:sp>
+      <p:pic>
+        <p:nvPicPr>
+          <p:cNvPr id="6" name="Picture 5" descr="A screenshot of text&#10;&#10;Description automatically generated">
+            <a:extLst>
+              <a:ext uri="{FF2B5EF4-FFF2-40B4-BE49-F238E27FC236}">
+                <a16:creationId xmlns:a16="http://schemas.microsoft.com/office/drawing/2014/main" id="{AC8856C2-B08D-6246-B94B-8D7284A090CD}"/>
+              </a:ext>
+            </a:extLst>
+          </p:cNvPr>
+          <p:cNvPicPr>
+            <a:picLocks noChangeAspect="1"/>
+          </p:cNvPicPr>
+          <p:nvPr/>
+        </p:nvPicPr>
+        <p:blipFill>
+          <a:blip r:embed="rId2">
+            <a:extLst>
+              <a:ext uri="{28A0092B-C50C-407E-A947-70E740481C1C}">
+                <a14:useLocalDpi xmlns:a14="http://schemas.microsoft.com/office/drawing/2010/main" val="0"/>
+              </a:ext>
+            </a:extLst>
+          </a:blip>
+          <a:stretch>
+            <a:fillRect/>
+          </a:stretch>
+        </p:blipFill>
+        <p:spPr>
+          <a:xfrm>
+            <a:off x="8524507" y="113547"/>
+            <a:ext cx="3530644" cy="2731253"/>
+          </a:xfrm>
+          <a:prstGeom prst="rect">
+            <a:avLst/>
+          </a:prstGeom>
+        </p:spPr>
+      </p:pic>
     </p:spTree>
   </p:cSld>
   <p:clrMapOvr>
